--- a/Presentation/DB-CSIRS.pptx
+++ b/Presentation/DB-CSIRS.pptx
@@ -5,10 +5,10 @@
     <p:sldMasterId id="2147483668" r:id="rId1"/>
   </p:sldMasterIdLst>
   <p:notesMasterIdLst>
-    <p:notesMasterId r:id="rId11"/>
+    <p:notesMasterId r:id="rId12"/>
   </p:notesMasterIdLst>
   <p:handoutMasterIdLst>
-    <p:handoutMasterId r:id="rId12"/>
+    <p:handoutMasterId r:id="rId13"/>
   </p:handoutMasterIdLst>
   <p:sldIdLst>
     <p:sldId id="286" r:id="rId2"/>
@@ -16,38 +16,39 @@
     <p:sldId id="261" r:id="rId4"/>
     <p:sldId id="288" r:id="rId5"/>
     <p:sldId id="294" r:id="rId6"/>
-    <p:sldId id="266" r:id="rId7"/>
-    <p:sldId id="292" r:id="rId8"/>
-    <p:sldId id="290" r:id="rId9"/>
-    <p:sldId id="289" r:id="rId10"/>
+    <p:sldId id="296" r:id="rId7"/>
+    <p:sldId id="266" r:id="rId8"/>
+    <p:sldId id="292" r:id="rId9"/>
+    <p:sldId id="290" r:id="rId10"/>
+    <p:sldId id="289" r:id="rId11"/>
   </p:sldIdLst>
   <p:sldSz cx="12192000" cy="6858000"/>
   <p:notesSz cx="6858000" cy="9144000"/>
   <p:embeddedFontLst>
     <p:embeddedFont>
       <p:font typeface="Abril Fatface" panose="020B0604020202020204" charset="0"/>
-      <p:regular r:id="rId13"/>
+      <p:regular r:id="rId14"/>
     </p:embeddedFont>
     <p:embeddedFont>
       <p:font typeface="Calibri" panose="020F0502020204030204" pitchFamily="34" charset="0"/>
-      <p:regular r:id="rId14"/>
-      <p:bold r:id="rId15"/>
-      <p:italic r:id="rId16"/>
-      <p:boldItalic r:id="rId17"/>
+      <p:regular r:id="rId15"/>
+      <p:bold r:id="rId16"/>
+      <p:italic r:id="rId17"/>
+      <p:boldItalic r:id="rId18"/>
     </p:embeddedFont>
     <p:embeddedFont>
       <p:font typeface="Roboto" panose="02000000000000000000" pitchFamily="2" charset="0"/>
-      <p:regular r:id="rId18"/>
-      <p:bold r:id="rId19"/>
-      <p:italic r:id="rId20"/>
-      <p:boldItalic r:id="rId21"/>
+      <p:regular r:id="rId19"/>
+      <p:bold r:id="rId20"/>
+      <p:italic r:id="rId21"/>
+      <p:boldItalic r:id="rId22"/>
     </p:embeddedFont>
     <p:embeddedFont>
       <p:font typeface="Roboto Mono" panose="00000009000000000000" pitchFamily="49" charset="0"/>
-      <p:regular r:id="rId22"/>
-      <p:bold r:id="rId23"/>
-      <p:italic r:id="rId24"/>
-      <p:boldItalic r:id="rId25"/>
+      <p:regular r:id="rId23"/>
+      <p:bold r:id="rId24"/>
+      <p:italic r:id="rId25"/>
+      <p:boldItalic r:id="rId26"/>
     </p:embeddedFont>
   </p:embeddedFontLst>
   <p:defaultTextStyle>
@@ -1097,7 +1098,7 @@
           <a:p>
             <a:fld id="{E263F09F-BDA9-48CC-9C56-EF503386F163}" type="datetimeFigureOut">
               <a:rPr lang="en-GB" smtClean="0"/>
-              <a:t>21/05/2024</a:t>
+              <a:t>22/05/2024</a:t>
             </a:fld>
             <a:endParaRPr lang="en-GB"/>
           </a:p>
@@ -2052,6 +2053,11 @@
         </p:txBody>
       </p:sp>
     </p:spTree>
+    <p:extLst>
+      <p:ext uri="{BB962C8B-B14F-4D97-AF65-F5344CB8AC3E}">
+        <p14:creationId xmlns:p14="http://schemas.microsoft.com/office/powerpoint/2010/main" val="3181339752"/>
+      </p:ext>
+    </p:extLst>
   </p:cSld>
   <p:clrMapOvr>
     <a:masterClrMapping/>
@@ -2156,11 +2162,6 @@
         </p:txBody>
       </p:sp>
     </p:spTree>
-    <p:extLst>
-      <p:ext uri="{BB962C8B-B14F-4D97-AF65-F5344CB8AC3E}">
-        <p14:creationId xmlns:p14="http://schemas.microsoft.com/office/powerpoint/2010/main" val="871649261"/>
-      </p:ext>
-    </p:extLst>
   </p:cSld>
   <p:clrMapOvr>
     <a:masterClrMapping/>
@@ -2267,6 +2268,115 @@
     </p:spTree>
     <p:extLst>
       <p:ext uri="{BB962C8B-B14F-4D97-AF65-F5344CB8AC3E}">
+        <p14:creationId xmlns:p14="http://schemas.microsoft.com/office/powerpoint/2010/main" val="871649261"/>
+      </p:ext>
+    </p:extLst>
+  </p:cSld>
+  <p:clrMapOvr>
+    <a:masterClrMapping/>
+  </p:clrMapOvr>
+</p:notes>
+</file>
+
+<file path=ppt/notesSlides/notesSlide7.xml><?xml version="1.0" encoding="utf-8"?>
+<p:notes xmlns:a="http://schemas.openxmlformats.org/drawingml/2006/main" xmlns:r="http://schemas.openxmlformats.org/officeDocument/2006/relationships" xmlns:p="http://schemas.openxmlformats.org/presentationml/2006/main" showMasterSp="0" showMasterPhAnim="0">
+  <p:cSld>
+    <p:spTree>
+      <p:nvGrpSpPr>
+        <p:cNvPr id="1" name="Shape 460"/>
+        <p:cNvGrpSpPr/>
+        <p:nvPr/>
+      </p:nvGrpSpPr>
+      <p:grpSpPr>
+        <a:xfrm>
+          <a:off x="0" y="0"/>
+          <a:ext cx="0" cy="0"/>
+          <a:chOff x="0" y="0"/>
+          <a:chExt cx="0" cy="0"/>
+        </a:xfrm>
+      </p:grpSpPr>
+      <p:sp>
+        <p:nvSpPr>
+          <p:cNvPr id="461" name="Google Shape;461;ga073618e60_0_121:notes"/>
+          <p:cNvSpPr>
+            <a:spLocks noGrp="1" noRot="1" noChangeAspect="1"/>
+          </p:cNvSpPr>
+          <p:nvPr>
+            <p:ph type="sldImg" idx="2"/>
+          </p:nvPr>
+        </p:nvSpPr>
+        <p:spPr>
+          <a:xfrm>
+            <a:off x="381000" y="685800"/>
+            <a:ext cx="6096000" cy="3429000"/>
+          </a:xfrm>
+          <a:custGeom>
+            <a:avLst/>
+            <a:gdLst/>
+            <a:ahLst/>
+            <a:cxnLst/>
+            <a:rect l="l" t="t" r="r" b="b"/>
+            <a:pathLst>
+              <a:path w="120000" h="120000" extrusionOk="0">
+                <a:moveTo>
+                  <a:pt x="0" y="0"/>
+                </a:moveTo>
+                <a:lnTo>
+                  <a:pt x="120000" y="0"/>
+                </a:lnTo>
+                <a:lnTo>
+                  <a:pt x="120000" y="120000"/>
+                </a:lnTo>
+                <a:lnTo>
+                  <a:pt x="0" y="120000"/>
+                </a:lnTo>
+                <a:close/>
+              </a:path>
+            </a:pathLst>
+          </a:custGeom>
+        </p:spPr>
+      </p:sp>
+      <p:sp>
+        <p:nvSpPr>
+          <p:cNvPr id="462" name="Google Shape;462;ga073618e60_0_121:notes"/>
+          <p:cNvSpPr txBox="1">
+            <a:spLocks noGrp="1"/>
+          </p:cNvSpPr>
+          <p:nvPr>
+            <p:ph type="body" idx="1"/>
+          </p:nvPr>
+        </p:nvSpPr>
+        <p:spPr>
+          <a:xfrm>
+            <a:off x="685800" y="4343400"/>
+            <a:ext cx="5486400" cy="4114800"/>
+          </a:xfrm>
+          <a:prstGeom prst="rect">
+            <a:avLst/>
+          </a:prstGeom>
+        </p:spPr>
+        <p:txBody>
+          <a:bodyPr spcFirstLastPara="1" wrap="square" lIns="91425" tIns="91425" rIns="91425" bIns="91425" anchor="t" anchorCtr="0">
+            <a:noAutofit/>
+          </a:bodyPr>
+          <a:lstStyle/>
+          <a:p>
+            <a:pPr marL="0" lvl="0" indent="0" algn="l" rtl="0">
+              <a:spcBef>
+                <a:spcPts val="0"/>
+              </a:spcBef>
+              <a:spcAft>
+                <a:spcPts val="0"/>
+              </a:spcAft>
+              <a:buNone/>
+            </a:pPr>
+            <a:endParaRPr/>
+          </a:p>
+        </p:txBody>
+      </p:sp>
+    </p:spTree>
+    <p:extLst>
+      <p:ext uri="{BB962C8B-B14F-4D97-AF65-F5344CB8AC3E}">
         <p14:creationId xmlns:p14="http://schemas.microsoft.com/office/powerpoint/2010/main" val="389498248"/>
       </p:ext>
     </p:extLst>
@@ -2277,7 +2387,7 @@
 </p:notes>
 </file>
 
-<file path=ppt/notesSlides/notesSlide7.xml><?xml version="1.0" encoding="utf-8"?>
+<file path=ppt/notesSlides/notesSlide8.xml><?xml version="1.0" encoding="utf-8"?>
 <p:notes xmlns:a="http://schemas.openxmlformats.org/drawingml/2006/main" xmlns:r="http://schemas.openxmlformats.org/officeDocument/2006/relationships" xmlns:p="http://schemas.openxmlformats.org/presentationml/2006/main" showMasterSp="0" showMasterPhAnim="0">
   <p:cSld>
     <p:spTree>
@@ -14703,2590 +14813,7 @@
 </p:sld>
 </file>
 
-<file path=ppt/slides/slide2.xml><?xml version="1.0" encoding="utf-8"?>
-<p:sld xmlns:a="http://schemas.openxmlformats.org/drawingml/2006/main" xmlns:r="http://schemas.openxmlformats.org/officeDocument/2006/relationships" xmlns:p="http://schemas.openxmlformats.org/presentationml/2006/main">
-  <p:cSld>
-    <p:spTree>
-      <p:nvGrpSpPr>
-        <p:cNvPr id="1" name=""/>
-        <p:cNvGrpSpPr/>
-        <p:nvPr/>
-      </p:nvGrpSpPr>
-      <p:grpSpPr>
-        <a:xfrm>
-          <a:off x="0" y="0"/>
-          <a:ext cx="0" cy="0"/>
-          <a:chOff x="0" y="0"/>
-          <a:chExt cx="0" cy="0"/>
-        </a:xfrm>
-      </p:grpSpPr>
-      <p:sp>
-        <p:nvSpPr>
-          <p:cNvPr id="2" name="Title 1">
-            <a:extLst>
-              <a:ext uri="{FF2B5EF4-FFF2-40B4-BE49-F238E27FC236}">
-                <a16:creationId xmlns:a16="http://schemas.microsoft.com/office/drawing/2014/main" id="{B5450753-8BA5-4FF6-89EC-FADF7004D982}"/>
-              </a:ext>
-            </a:extLst>
-          </p:cNvPr>
-          <p:cNvSpPr>
-            <a:spLocks noGrp="1"/>
-          </p:cNvSpPr>
-          <p:nvPr>
-            <p:ph type="title"/>
-          </p:nvPr>
-        </p:nvSpPr>
-        <p:spPr>
-          <a:xfrm>
-            <a:off x="639875" y="438958"/>
-            <a:ext cx="8057812" cy="929114"/>
-          </a:xfrm>
-        </p:spPr>
-        <p:txBody>
-          <a:bodyPr/>
-          <a:lstStyle/>
-          <a:p>
-            <a:r>
-              <a:rPr lang="es-ES" sz="3200" dirty="0"/>
-              <a:t>DESCRIPCIÓN DE LA EMPRESA</a:t>
-            </a:r>
-            <a:endParaRPr lang="en-GB" sz="3200" dirty="0"/>
-          </a:p>
-        </p:txBody>
-      </p:sp>
-      <p:sp>
-        <p:nvSpPr>
-          <p:cNvPr id="3" name="Subtitle 2">
-            <a:extLst>
-              <a:ext uri="{FF2B5EF4-FFF2-40B4-BE49-F238E27FC236}">
-                <a16:creationId xmlns:a16="http://schemas.microsoft.com/office/drawing/2014/main" id="{AF21E1D4-6076-4097-BD6B-FF846F537A84}"/>
-              </a:ext>
-            </a:extLst>
-          </p:cNvPr>
-          <p:cNvSpPr>
-            <a:spLocks noGrp="1"/>
-          </p:cNvSpPr>
-          <p:nvPr>
-            <p:ph type="subTitle" idx="1"/>
-          </p:nvPr>
-        </p:nvSpPr>
-        <p:spPr>
-          <a:xfrm>
-            <a:off x="291531" y="1524574"/>
-            <a:ext cx="6446725" cy="4429911"/>
-          </a:xfrm>
-        </p:spPr>
-        <p:txBody>
-          <a:bodyPr/>
-          <a:lstStyle/>
-          <a:p>
-            <a:r>
-              <a:rPr lang="es-ES" dirty="0"/>
-              <a:t>	DigiTech es un centro de formación profesional especializado en la enseñanza de informática.</a:t>
-            </a:r>
-          </a:p>
-          <a:p>
-            <a:endParaRPr lang="es-ES" dirty="0"/>
-          </a:p>
-          <a:p>
-            <a:r>
-              <a:rPr lang="es-ES" dirty="0"/>
-              <a:t> 	Ofrece cursos orientados a perfiles técnicos cuya misión es proporcionar a los estudiantes una educación de alta calidad en tecnologías de la información, preparando a futuros profesionales para enfrentar los desafíos del sector tecnológico.</a:t>
-            </a:r>
-          </a:p>
-        </p:txBody>
-      </p:sp>
-      <p:pic>
-        <p:nvPicPr>
-          <p:cNvPr id="1032" name="Picture 8" descr="FP Online de DIGITECH: la especialización en tecnología">
-            <a:extLst>
-              <a:ext uri="{FF2B5EF4-FFF2-40B4-BE49-F238E27FC236}">
-                <a16:creationId xmlns:a16="http://schemas.microsoft.com/office/drawing/2014/main" id="{D827CD52-FE8A-4FFC-9874-4EEDD0018D32}"/>
-              </a:ext>
-            </a:extLst>
-          </p:cNvPr>
-          <p:cNvPicPr>
-            <a:picLocks noChangeAspect="1" noChangeArrowheads="1"/>
-          </p:cNvPicPr>
-          <p:nvPr/>
-        </p:nvPicPr>
-        <p:blipFill>
-          <a:blip r:embed="rId2">
-            <a:extLst>
-              <a:ext uri="{28A0092B-C50C-407E-A947-70E740481C1C}">
-                <a14:useLocalDpi xmlns:a14="http://schemas.microsoft.com/office/drawing/2010/main" val="0"/>
-              </a:ext>
-            </a:extLst>
-          </a:blip>
-          <a:srcRect/>
-          <a:stretch>
-            <a:fillRect/>
-          </a:stretch>
-        </p:blipFill>
-        <p:spPr bwMode="auto">
-          <a:xfrm>
-            <a:off x="7108372" y="1736271"/>
-            <a:ext cx="4553448" cy="3037114"/>
-          </a:xfrm>
-          <a:prstGeom prst="rect">
-            <a:avLst/>
-          </a:prstGeom>
-          <a:noFill/>
-          <a:extLst>
-            <a:ext uri="{909E8E84-426E-40DD-AFC4-6F175D3DCCD1}">
-              <a14:hiddenFill xmlns:a14="http://schemas.microsoft.com/office/drawing/2010/main">
-                <a:solidFill>
-                  <a:srgbClr val="FFFFFF"/>
-                </a:solidFill>
-              </a14:hiddenFill>
-            </a:ext>
-          </a:extLst>
-        </p:spPr>
-      </p:pic>
-    </p:spTree>
-    <p:extLst>
-      <p:ext uri="{BB962C8B-B14F-4D97-AF65-F5344CB8AC3E}">
-        <p14:creationId xmlns:p14="http://schemas.microsoft.com/office/powerpoint/2010/main" val="3290569290"/>
-      </p:ext>
-    </p:extLst>
-  </p:cSld>
-  <p:clrMapOvr>
-    <a:masterClrMapping/>
-  </p:clrMapOvr>
-</p:sld>
-</file>
-
-<file path=ppt/slides/slide3.xml><?xml version="1.0" encoding="utf-8"?>
-<p:sld xmlns:a="http://schemas.openxmlformats.org/drawingml/2006/main" xmlns:r="http://schemas.openxmlformats.org/officeDocument/2006/relationships" xmlns:p="http://schemas.openxmlformats.org/presentationml/2006/main">
-  <p:cSld>
-    <p:spTree>
-      <p:nvGrpSpPr>
-        <p:cNvPr id="1" name="Shape 423"/>
-        <p:cNvGrpSpPr/>
-        <p:nvPr/>
-      </p:nvGrpSpPr>
-      <p:grpSpPr>
-        <a:xfrm>
-          <a:off x="0" y="0"/>
-          <a:ext cx="0" cy="0"/>
-          <a:chOff x="0" y="0"/>
-          <a:chExt cx="0" cy="0"/>
-        </a:xfrm>
-      </p:grpSpPr>
-      <p:sp>
-        <p:nvSpPr>
-          <p:cNvPr id="424" name="Google Shape;424;p27"/>
-          <p:cNvSpPr txBox="1">
-            <a:spLocks noGrp="1"/>
-          </p:cNvSpPr>
-          <p:nvPr>
-            <p:ph type="title"/>
-          </p:nvPr>
-        </p:nvSpPr>
-        <p:spPr>
-          <a:xfrm>
-            <a:off x="994425" y="361575"/>
-            <a:ext cx="10110300" cy="763500"/>
-          </a:xfrm>
-          <a:prstGeom prst="rect">
-            <a:avLst/>
-          </a:prstGeom>
-        </p:spPr>
-        <p:txBody>
-          <a:bodyPr spcFirstLastPara="1" wrap="square" lIns="121900" tIns="121900" rIns="121900" bIns="121900" anchor="t" anchorCtr="0">
-            <a:noAutofit/>
-          </a:bodyPr>
-          <a:lstStyle/>
-          <a:p>
-            <a:pPr marL="0" lvl="0" indent="0" algn="l" rtl="0">
-              <a:spcBef>
-                <a:spcPts val="0"/>
-              </a:spcBef>
-              <a:spcAft>
-                <a:spcPts val="0"/>
-              </a:spcAft>
-              <a:buNone/>
-            </a:pPr>
-            <a:r>
-              <a:rPr lang="en" dirty="0"/>
-              <a:t>PROBLEMA</a:t>
-            </a:r>
-            <a:endParaRPr sz="6000" dirty="0">
-              <a:solidFill>
-                <a:schemeClr val="accent1"/>
-              </a:solidFill>
-            </a:endParaRPr>
-          </a:p>
-        </p:txBody>
-      </p:sp>
-      <p:sp>
-        <p:nvSpPr>
-          <p:cNvPr id="425" name="Google Shape;425;p27"/>
-          <p:cNvSpPr txBox="1">
-            <a:spLocks noGrp="1"/>
-          </p:cNvSpPr>
-          <p:nvPr>
-            <p:ph type="body" idx="2"/>
-          </p:nvPr>
-        </p:nvSpPr>
-        <p:spPr>
-          <a:xfrm>
-            <a:off x="1128142" y="1868695"/>
-            <a:ext cx="4653468" cy="3864725"/>
-          </a:xfrm>
-          <a:prstGeom prst="rect">
-            <a:avLst/>
-          </a:prstGeom>
-        </p:spPr>
-        <p:txBody>
-          <a:bodyPr spcFirstLastPara="1" wrap="square" lIns="121900" tIns="121900" rIns="121900" bIns="121900" anchor="t" anchorCtr="0">
-            <a:noAutofit/>
-          </a:bodyPr>
-          <a:lstStyle/>
-          <a:p>
-            <a:pPr marL="0" lvl="0" indent="0" rtl="0">
-              <a:spcBef>
-                <a:spcPts val="0"/>
-              </a:spcBef>
-              <a:spcAft>
-                <a:spcPts val="0"/>
-              </a:spcAft>
-              <a:buNone/>
-            </a:pPr>
-            <a:r>
-              <a:rPr lang="es-ES" sz="2000" dirty="0"/>
-              <a:t>DigiTech carece de un sistema centralizado para gestionar y responder eficientemente a los incidentes de seguridad informática. Esto pone en riesgo la confidencialidad, integridad y disponibilidad de información crítica.</a:t>
-            </a:r>
-          </a:p>
-        </p:txBody>
-      </p:sp>
-      <p:sp>
-        <p:nvSpPr>
-          <p:cNvPr id="426" name="Google Shape;426;p27"/>
-          <p:cNvSpPr txBox="1">
-            <a:spLocks noGrp="1"/>
-          </p:cNvSpPr>
-          <p:nvPr>
-            <p:ph type="body" idx="1"/>
-          </p:nvPr>
-        </p:nvSpPr>
-        <p:spPr>
-          <a:xfrm>
-            <a:off x="6638411" y="2006008"/>
-            <a:ext cx="4425447" cy="3590100"/>
-          </a:xfrm>
-          <a:prstGeom prst="rect">
-            <a:avLst/>
-          </a:prstGeom>
-        </p:spPr>
-        <p:txBody>
-          <a:bodyPr spcFirstLastPara="1" wrap="square" lIns="121900" tIns="121900" rIns="121900" bIns="121900" anchor="t" anchorCtr="0">
-            <a:noAutofit/>
-          </a:bodyPr>
-          <a:lstStyle/>
-          <a:p>
-            <a:pPr marL="0" lvl="0" indent="0" rtl="0">
-              <a:spcBef>
-                <a:spcPts val="0"/>
-              </a:spcBef>
-              <a:spcAft>
-                <a:spcPts val="0"/>
-              </a:spcAft>
-              <a:buNone/>
-            </a:pPr>
-            <a:r>
-              <a:rPr lang="es-ES" sz="2000" dirty="0"/>
-              <a:t>La institución maneja grandes volúmenes de datos personales y académicos, lo que subraya la necesidad urgente de proteger esta información.</a:t>
-            </a:r>
-            <a:endParaRPr lang="en-GB" sz="2000" dirty="0"/>
-          </a:p>
-        </p:txBody>
-      </p:sp>
-      <p:pic>
-        <p:nvPicPr>
-          <p:cNvPr id="1030" name="Picture 6" descr="Cyber attack - Free computer icons">
-            <a:extLst>
-              <a:ext uri="{FF2B5EF4-FFF2-40B4-BE49-F238E27FC236}">
-                <a16:creationId xmlns:a16="http://schemas.microsoft.com/office/drawing/2014/main" id="{6501BD77-3EBA-44EC-877A-7C5BF5811308}"/>
-              </a:ext>
-            </a:extLst>
-          </p:cNvPr>
-          <p:cNvPicPr>
-            <a:picLocks noChangeAspect="1" noChangeArrowheads="1"/>
-          </p:cNvPicPr>
-          <p:nvPr/>
-        </p:nvPicPr>
-        <p:blipFill>
-          <a:blip r:embed="rId3">
-            <a:extLst>
-              <a:ext uri="{28A0092B-C50C-407E-A947-70E740481C1C}">
-                <a14:useLocalDpi xmlns:a14="http://schemas.microsoft.com/office/drawing/2010/main" val="0"/>
-              </a:ext>
-            </a:extLst>
-          </a:blip>
-          <a:srcRect/>
-          <a:stretch>
-            <a:fillRect/>
-          </a:stretch>
-        </p:blipFill>
-        <p:spPr bwMode="auto">
-          <a:xfrm>
-            <a:off x="7903029" y="4299858"/>
-            <a:ext cx="1591128" cy="1591128"/>
-          </a:xfrm>
-          <a:prstGeom prst="rect">
-            <a:avLst/>
-          </a:prstGeom>
-          <a:noFill/>
-          <a:extLst>
-            <a:ext uri="{909E8E84-426E-40DD-AFC4-6F175D3DCCD1}">
-              <a14:hiddenFill xmlns:a14="http://schemas.microsoft.com/office/drawing/2010/main">
-                <a:solidFill>
-                  <a:srgbClr val="FFFFFF"/>
-                </a:solidFill>
-              </a14:hiddenFill>
-            </a:ext>
-          </a:extLst>
-        </p:spPr>
-      </p:pic>
-    </p:spTree>
-  </p:cSld>
-  <p:clrMapOvr>
-    <a:masterClrMapping/>
-  </p:clrMapOvr>
-</p:sld>
-</file>
-
-<file path=ppt/slides/slide4.xml><?xml version="1.0" encoding="utf-8"?>
-<p:sld xmlns:a="http://schemas.openxmlformats.org/drawingml/2006/main" xmlns:r="http://schemas.openxmlformats.org/officeDocument/2006/relationships" xmlns:p="http://schemas.openxmlformats.org/presentationml/2006/main">
-  <p:cSld>
-    <p:spTree>
-      <p:nvGrpSpPr>
-        <p:cNvPr id="1" name="Shape 423"/>
-        <p:cNvGrpSpPr/>
-        <p:nvPr/>
-      </p:nvGrpSpPr>
-      <p:grpSpPr>
-        <a:xfrm>
-          <a:off x="0" y="0"/>
-          <a:ext cx="0" cy="0"/>
-          <a:chOff x="0" y="0"/>
-          <a:chExt cx="0" cy="0"/>
-        </a:xfrm>
-      </p:grpSpPr>
-      <p:sp>
-        <p:nvSpPr>
-          <p:cNvPr id="424" name="Google Shape;424;p27"/>
-          <p:cNvSpPr txBox="1">
-            <a:spLocks noGrp="1"/>
-          </p:cNvSpPr>
-          <p:nvPr>
-            <p:ph type="title"/>
-          </p:nvPr>
-        </p:nvSpPr>
-        <p:spPr>
-          <a:xfrm>
-            <a:off x="994425" y="361575"/>
-            <a:ext cx="3163918" cy="763500"/>
-          </a:xfrm>
-          <a:prstGeom prst="rect">
-            <a:avLst/>
-          </a:prstGeom>
-        </p:spPr>
-        <p:txBody>
-          <a:bodyPr spcFirstLastPara="1" wrap="square" lIns="121900" tIns="121900" rIns="121900" bIns="121900" anchor="t" anchorCtr="0">
-            <a:noAutofit/>
-          </a:bodyPr>
-          <a:lstStyle/>
-          <a:p>
-            <a:pPr marL="0" lvl="0" indent="0" algn="l" rtl="0">
-              <a:spcBef>
-                <a:spcPts val="0"/>
-              </a:spcBef>
-              <a:spcAft>
-                <a:spcPts val="0"/>
-              </a:spcAft>
-              <a:buNone/>
-            </a:pPr>
-            <a:r>
-              <a:rPr lang="en" dirty="0"/>
-              <a:t>SOLUCI</a:t>
-            </a:r>
-            <a:r>
-              <a:rPr lang="en-US" dirty="0"/>
-              <a:t>ÓN</a:t>
-            </a:r>
-            <a:endParaRPr sz="6000" dirty="0">
-              <a:solidFill>
-                <a:schemeClr val="accent1"/>
-              </a:solidFill>
-            </a:endParaRPr>
-          </a:p>
-        </p:txBody>
-      </p:sp>
-      <p:sp>
-        <p:nvSpPr>
-          <p:cNvPr id="425" name="Google Shape;425;p27"/>
-          <p:cNvSpPr txBox="1">
-            <a:spLocks noGrp="1"/>
-          </p:cNvSpPr>
-          <p:nvPr>
-            <p:ph type="body" idx="2"/>
-          </p:nvPr>
-        </p:nvSpPr>
-        <p:spPr>
-          <a:xfrm>
-            <a:off x="1128142" y="1868695"/>
-            <a:ext cx="4653468" cy="3864725"/>
-          </a:xfrm>
-          <a:prstGeom prst="rect">
-            <a:avLst/>
-          </a:prstGeom>
-        </p:spPr>
-        <p:txBody>
-          <a:bodyPr spcFirstLastPara="1" wrap="square" lIns="121900" tIns="121900" rIns="121900" bIns="121900" anchor="t" anchorCtr="0">
-            <a:noAutofit/>
-          </a:bodyPr>
-          <a:lstStyle/>
-          <a:p>
-            <a:pPr marL="0" lvl="0" indent="0" rtl="0">
-              <a:spcBef>
-                <a:spcPts val="0"/>
-              </a:spcBef>
-              <a:spcAft>
-                <a:spcPts val="0"/>
-              </a:spcAft>
-              <a:buNone/>
-            </a:pPr>
-            <a:r>
-              <a:rPr lang="es-ES" sz="2000" dirty="0"/>
-              <a:t>La implementación de una base de datos para un sistema de respuesta a incidentes de seguridad informática se presenta como una solución esencial.</a:t>
-            </a:r>
-          </a:p>
-        </p:txBody>
-      </p:sp>
-      <p:sp>
-        <p:nvSpPr>
-          <p:cNvPr id="426" name="Google Shape;426;p27"/>
-          <p:cNvSpPr txBox="1">
-            <a:spLocks noGrp="1"/>
-          </p:cNvSpPr>
-          <p:nvPr>
-            <p:ph type="body" idx="1"/>
-          </p:nvPr>
-        </p:nvSpPr>
-        <p:spPr>
-          <a:xfrm>
-            <a:off x="6638411" y="1868695"/>
-            <a:ext cx="4425447" cy="3590100"/>
-          </a:xfrm>
-          <a:prstGeom prst="rect">
-            <a:avLst/>
-          </a:prstGeom>
-        </p:spPr>
-        <p:txBody>
-          <a:bodyPr spcFirstLastPara="1" wrap="square" lIns="121900" tIns="121900" rIns="121900" bIns="121900" anchor="t" anchorCtr="0">
-            <a:noAutofit/>
-          </a:bodyPr>
-          <a:lstStyle/>
-          <a:p>
-            <a:pPr marL="0" lvl="0" indent="0" rtl="0">
-              <a:spcBef>
-                <a:spcPts val="0"/>
-              </a:spcBef>
-              <a:spcAft>
-                <a:spcPts val="0"/>
-              </a:spcAft>
-              <a:buNone/>
-            </a:pPr>
-            <a:r>
-              <a:rPr lang="es-ES" sz="2000" dirty="0"/>
-              <a:t>La base de datos está diseñada para gestionar y monitorear incidentes de seguridad informática, proporcionando un registro detallado de </a:t>
-            </a:r>
-            <a:r>
-              <a:rPr lang="es-ES" sz="2000" b="1" dirty="0"/>
-              <a:t>incidentes, los activos afectados, las vulnerabilidades explotadas, las respuestas implementadas y el personal involucrado. </a:t>
-            </a:r>
-            <a:endParaRPr lang="en-GB" sz="2000" b="1" dirty="0"/>
-          </a:p>
-        </p:txBody>
-      </p:sp>
-      <p:pic>
-        <p:nvPicPr>
-          <p:cNvPr id="1030" name="Picture 6" descr="Cyber attack - Free computer icons">
-            <a:extLst>
-              <a:ext uri="{FF2B5EF4-FFF2-40B4-BE49-F238E27FC236}">
-                <a16:creationId xmlns:a16="http://schemas.microsoft.com/office/drawing/2014/main" id="{6501BD77-3EBA-44EC-877A-7C5BF5811308}"/>
-              </a:ext>
-            </a:extLst>
-          </p:cNvPr>
-          <p:cNvPicPr>
-            <a:picLocks noChangeAspect="1" noChangeArrowheads="1"/>
-          </p:cNvPicPr>
-          <p:nvPr/>
-        </p:nvPicPr>
-        <p:blipFill>
-          <a:blip r:embed="rId3">
-            <a:extLst>
-              <a:ext uri="{28A0092B-C50C-407E-A947-70E740481C1C}">
-                <a14:useLocalDpi xmlns:a14="http://schemas.microsoft.com/office/drawing/2010/main" val="0"/>
-              </a:ext>
-            </a:extLst>
-          </a:blip>
-          <a:srcRect/>
-          <a:stretch>
-            <a:fillRect/>
-          </a:stretch>
-        </p:blipFill>
-        <p:spPr bwMode="auto">
-          <a:xfrm>
-            <a:off x="2340429" y="4321629"/>
-            <a:ext cx="1591128" cy="1591128"/>
-          </a:xfrm>
-          <a:prstGeom prst="rect">
-            <a:avLst/>
-          </a:prstGeom>
-          <a:noFill/>
-          <a:extLst>
-            <a:ext uri="{909E8E84-426E-40DD-AFC4-6F175D3DCCD1}">
-              <a14:hiddenFill xmlns:a14="http://schemas.microsoft.com/office/drawing/2010/main">
-                <a:solidFill>
-                  <a:srgbClr val="FFFFFF"/>
-                </a:solidFill>
-              </a14:hiddenFill>
-            </a:ext>
-          </a:extLst>
-        </p:spPr>
-      </p:pic>
-      <p:sp>
-        <p:nvSpPr>
-          <p:cNvPr id="6" name="Google Shape;424;p27">
-            <a:extLst>
-              <a:ext uri="{FF2B5EF4-FFF2-40B4-BE49-F238E27FC236}">
-                <a16:creationId xmlns:a16="http://schemas.microsoft.com/office/drawing/2014/main" id="{4BC70685-4967-4D91-A155-BF14360C4156}"/>
-              </a:ext>
-            </a:extLst>
-          </p:cNvPr>
-          <p:cNvSpPr txBox="1">
-            <a:spLocks/>
-          </p:cNvSpPr>
-          <p:nvPr/>
-        </p:nvSpPr>
-        <p:spPr>
-          <a:xfrm>
-            <a:off x="5921970" y="353036"/>
-            <a:ext cx="5858328" cy="763500"/>
-          </a:xfrm>
-          <a:prstGeom prst="rect">
-            <a:avLst/>
-          </a:prstGeom>
-          <a:noFill/>
-          <a:ln>
-            <a:noFill/>
-          </a:ln>
-        </p:spPr>
-        <p:txBody>
-          <a:bodyPr spcFirstLastPara="1" wrap="square" lIns="121900" tIns="121900" rIns="121900" bIns="121900" anchor="t" anchorCtr="0">
-            <a:noAutofit/>
-          </a:bodyPr>
-          <a:lstStyle>
-            <a:defPPr marR="0" lvl="0" algn="l" rtl="0">
-              <a:lnSpc>
-                <a:spcPct val="100000"/>
-              </a:lnSpc>
-              <a:spcBef>
-                <a:spcPts val="0"/>
-              </a:spcBef>
-              <a:spcAft>
-                <a:spcPts val="0"/>
-              </a:spcAft>
-            </a:defPPr>
-            <a:lvl1pPr marL="0" marR="0" lvl="0" indent="0" algn="l" rtl="0">
-              <a:lnSpc>
-                <a:spcPct val="100000"/>
-              </a:lnSpc>
-              <a:spcBef>
-                <a:spcPts val="0"/>
-              </a:spcBef>
-              <a:spcAft>
-                <a:spcPts val="0"/>
-              </a:spcAft>
-              <a:buClr>
-                <a:schemeClr val="dk1"/>
-              </a:buClr>
-              <a:buSzPts val="4000"/>
-              <a:buFont typeface="Aldrich"/>
-              <a:buNone/>
-              <a:defRPr sz="4000" b="1" i="0" u="none" strike="noStrike" cap="none">
-                <a:solidFill>
-                  <a:schemeClr val="dk1"/>
-                </a:solidFill>
-                <a:latin typeface="Roboto"/>
-                <a:ea typeface="Roboto"/>
-                <a:cs typeface="Roboto"/>
-                <a:sym typeface="Roboto"/>
-              </a:defRPr>
-            </a:lvl1pPr>
-            <a:lvl2pPr marR="0" lvl="1" algn="l" rtl="0">
-              <a:lnSpc>
-                <a:spcPct val="80000"/>
-              </a:lnSpc>
-              <a:spcBef>
-                <a:spcPts val="0"/>
-              </a:spcBef>
-              <a:spcAft>
-                <a:spcPts val="0"/>
-              </a:spcAft>
-              <a:buClr>
-                <a:schemeClr val="dk1"/>
-              </a:buClr>
-              <a:buSzPts val="4000"/>
-              <a:buFont typeface="Abril Fatface"/>
-              <a:buNone/>
-              <a:defRPr sz="4000" b="1" i="0" u="none" strike="noStrike" cap="none">
-                <a:solidFill>
-                  <a:schemeClr val="dk1"/>
-                </a:solidFill>
-                <a:latin typeface="Abril Fatface"/>
-                <a:ea typeface="Abril Fatface"/>
-                <a:cs typeface="Abril Fatface"/>
-                <a:sym typeface="Abril Fatface"/>
-              </a:defRPr>
-            </a:lvl2pPr>
-            <a:lvl3pPr marR="0" lvl="2" algn="l" rtl="0">
-              <a:lnSpc>
-                <a:spcPct val="80000"/>
-              </a:lnSpc>
-              <a:spcBef>
-                <a:spcPts val="0"/>
-              </a:spcBef>
-              <a:spcAft>
-                <a:spcPts val="0"/>
-              </a:spcAft>
-              <a:buClr>
-                <a:schemeClr val="dk1"/>
-              </a:buClr>
-              <a:buSzPts val="4000"/>
-              <a:buFont typeface="Abril Fatface"/>
-              <a:buNone/>
-              <a:defRPr sz="4000" b="1" i="0" u="none" strike="noStrike" cap="none">
-                <a:solidFill>
-                  <a:schemeClr val="dk1"/>
-                </a:solidFill>
-                <a:latin typeface="Abril Fatface"/>
-                <a:ea typeface="Abril Fatface"/>
-                <a:cs typeface="Abril Fatface"/>
-                <a:sym typeface="Abril Fatface"/>
-              </a:defRPr>
-            </a:lvl3pPr>
-            <a:lvl4pPr marR="0" lvl="3" algn="l" rtl="0">
-              <a:lnSpc>
-                <a:spcPct val="80000"/>
-              </a:lnSpc>
-              <a:spcBef>
-                <a:spcPts val="0"/>
-              </a:spcBef>
-              <a:spcAft>
-                <a:spcPts val="0"/>
-              </a:spcAft>
-              <a:buClr>
-                <a:schemeClr val="dk1"/>
-              </a:buClr>
-              <a:buSzPts val="4000"/>
-              <a:buFont typeface="Abril Fatface"/>
-              <a:buNone/>
-              <a:defRPr sz="4000" b="1" i="0" u="none" strike="noStrike" cap="none">
-                <a:solidFill>
-                  <a:schemeClr val="dk1"/>
-                </a:solidFill>
-                <a:latin typeface="Abril Fatface"/>
-                <a:ea typeface="Abril Fatface"/>
-                <a:cs typeface="Abril Fatface"/>
-                <a:sym typeface="Abril Fatface"/>
-              </a:defRPr>
-            </a:lvl4pPr>
-            <a:lvl5pPr marR="0" lvl="4" algn="l" rtl="0">
-              <a:lnSpc>
-                <a:spcPct val="80000"/>
-              </a:lnSpc>
-              <a:spcBef>
-                <a:spcPts val="0"/>
-              </a:spcBef>
-              <a:spcAft>
-                <a:spcPts val="0"/>
-              </a:spcAft>
-              <a:buClr>
-                <a:schemeClr val="dk1"/>
-              </a:buClr>
-              <a:buSzPts val="4000"/>
-              <a:buFont typeface="Abril Fatface"/>
-              <a:buNone/>
-              <a:defRPr sz="4000" b="1" i="0" u="none" strike="noStrike" cap="none">
-                <a:solidFill>
-                  <a:schemeClr val="dk1"/>
-                </a:solidFill>
-                <a:latin typeface="Abril Fatface"/>
-                <a:ea typeface="Abril Fatface"/>
-                <a:cs typeface="Abril Fatface"/>
-                <a:sym typeface="Abril Fatface"/>
-              </a:defRPr>
-            </a:lvl5pPr>
-            <a:lvl6pPr marR="0" lvl="5" algn="l" rtl="0">
-              <a:lnSpc>
-                <a:spcPct val="80000"/>
-              </a:lnSpc>
-              <a:spcBef>
-                <a:spcPts val="0"/>
-              </a:spcBef>
-              <a:spcAft>
-                <a:spcPts val="0"/>
-              </a:spcAft>
-              <a:buClr>
-                <a:schemeClr val="dk1"/>
-              </a:buClr>
-              <a:buSzPts val="4000"/>
-              <a:buFont typeface="Abril Fatface"/>
-              <a:buNone/>
-              <a:defRPr sz="4000" b="1" i="0" u="none" strike="noStrike" cap="none">
-                <a:solidFill>
-                  <a:schemeClr val="dk1"/>
-                </a:solidFill>
-                <a:latin typeface="Abril Fatface"/>
-                <a:ea typeface="Abril Fatface"/>
-                <a:cs typeface="Abril Fatface"/>
-                <a:sym typeface="Abril Fatface"/>
-              </a:defRPr>
-            </a:lvl6pPr>
-            <a:lvl7pPr marR="0" lvl="6" algn="l" rtl="0">
-              <a:lnSpc>
-                <a:spcPct val="80000"/>
-              </a:lnSpc>
-              <a:spcBef>
-                <a:spcPts val="0"/>
-              </a:spcBef>
-              <a:spcAft>
-                <a:spcPts val="0"/>
-              </a:spcAft>
-              <a:buClr>
-                <a:schemeClr val="dk1"/>
-              </a:buClr>
-              <a:buSzPts val="4000"/>
-              <a:buFont typeface="Abril Fatface"/>
-              <a:buNone/>
-              <a:defRPr sz="4000" b="1" i="0" u="none" strike="noStrike" cap="none">
-                <a:solidFill>
-                  <a:schemeClr val="dk1"/>
-                </a:solidFill>
-                <a:latin typeface="Abril Fatface"/>
-                <a:ea typeface="Abril Fatface"/>
-                <a:cs typeface="Abril Fatface"/>
-                <a:sym typeface="Abril Fatface"/>
-              </a:defRPr>
-            </a:lvl7pPr>
-            <a:lvl8pPr marR="0" lvl="7" algn="l" rtl="0">
-              <a:lnSpc>
-                <a:spcPct val="80000"/>
-              </a:lnSpc>
-              <a:spcBef>
-                <a:spcPts val="0"/>
-              </a:spcBef>
-              <a:spcAft>
-                <a:spcPts val="0"/>
-              </a:spcAft>
-              <a:buClr>
-                <a:schemeClr val="dk1"/>
-              </a:buClr>
-              <a:buSzPts val="4000"/>
-              <a:buFont typeface="Abril Fatface"/>
-              <a:buNone/>
-              <a:defRPr sz="4000" b="1" i="0" u="none" strike="noStrike" cap="none">
-                <a:solidFill>
-                  <a:schemeClr val="dk1"/>
-                </a:solidFill>
-                <a:latin typeface="Abril Fatface"/>
-                <a:ea typeface="Abril Fatface"/>
-                <a:cs typeface="Abril Fatface"/>
-                <a:sym typeface="Abril Fatface"/>
-              </a:defRPr>
-            </a:lvl8pPr>
-            <a:lvl9pPr marR="0" lvl="8" algn="l" rtl="0">
-              <a:lnSpc>
-                <a:spcPct val="80000"/>
-              </a:lnSpc>
-              <a:spcBef>
-                <a:spcPts val="0"/>
-              </a:spcBef>
-              <a:spcAft>
-                <a:spcPts val="0"/>
-              </a:spcAft>
-              <a:buClr>
-                <a:schemeClr val="dk1"/>
-              </a:buClr>
-              <a:buSzPts val="4000"/>
-              <a:buFont typeface="Abril Fatface"/>
-              <a:buNone/>
-              <a:defRPr sz="4000" b="1" i="0" u="none" strike="noStrike" cap="none">
-                <a:solidFill>
-                  <a:schemeClr val="dk1"/>
-                </a:solidFill>
-                <a:latin typeface="Abril Fatface"/>
-                <a:ea typeface="Abril Fatface"/>
-                <a:cs typeface="Abril Fatface"/>
-                <a:sym typeface="Abril Fatface"/>
-              </a:defRPr>
-            </a:lvl9pPr>
-          </a:lstStyle>
-          <a:p>
-            <a:r>
-              <a:rPr lang="en-GB" dirty="0"/>
-              <a:t>PROPOSITO/ALCANCE</a:t>
-            </a:r>
-            <a:endParaRPr lang="en-GB" sz="6000" dirty="0">
-              <a:solidFill>
-                <a:schemeClr val="accent1"/>
-              </a:solidFill>
-            </a:endParaRPr>
-          </a:p>
-        </p:txBody>
-      </p:sp>
-    </p:spTree>
-    <p:extLst>
-      <p:ext uri="{BB962C8B-B14F-4D97-AF65-F5344CB8AC3E}">
-        <p14:creationId xmlns:p14="http://schemas.microsoft.com/office/powerpoint/2010/main" val="1628402489"/>
-      </p:ext>
-    </p:extLst>
-  </p:cSld>
-  <p:clrMapOvr>
-    <a:masterClrMapping/>
-  </p:clrMapOvr>
-</p:sld>
-</file>
-
-<file path=ppt/slides/slide5.xml><?xml version="1.0" encoding="utf-8"?>
-<p:sld xmlns:a="http://schemas.openxmlformats.org/drawingml/2006/main" xmlns:r="http://schemas.openxmlformats.org/officeDocument/2006/relationships" xmlns:p="http://schemas.openxmlformats.org/presentationml/2006/main">
-  <p:cSld>
-    <p:spTree>
-      <p:nvGrpSpPr>
-        <p:cNvPr id="1" name="Shape 463"/>
-        <p:cNvGrpSpPr/>
-        <p:nvPr/>
-      </p:nvGrpSpPr>
-      <p:grpSpPr>
-        <a:xfrm>
-          <a:off x="0" y="0"/>
-          <a:ext cx="0" cy="0"/>
-          <a:chOff x="0" y="0"/>
-          <a:chExt cx="0" cy="0"/>
-        </a:xfrm>
-      </p:grpSpPr>
-      <p:sp>
-        <p:nvSpPr>
-          <p:cNvPr id="9" name="Google Shape;424;p27">
-            <a:extLst>
-              <a:ext uri="{FF2B5EF4-FFF2-40B4-BE49-F238E27FC236}">
-                <a16:creationId xmlns:a16="http://schemas.microsoft.com/office/drawing/2014/main" id="{60D670A1-88F1-4C4E-91D5-A70F722DDED2}"/>
-              </a:ext>
-            </a:extLst>
-          </p:cNvPr>
-          <p:cNvSpPr txBox="1">
-            <a:spLocks noGrp="1"/>
-          </p:cNvSpPr>
-          <p:nvPr>
-            <p:ph type="title"/>
-          </p:nvPr>
-        </p:nvSpPr>
-        <p:spPr>
-          <a:xfrm>
-            <a:off x="849086" y="466439"/>
-            <a:ext cx="9478691" cy="491301"/>
-          </a:xfrm>
-          <a:prstGeom prst="rect">
-            <a:avLst/>
-          </a:prstGeom>
-        </p:spPr>
-        <p:txBody>
-          <a:bodyPr spcFirstLastPara="1" wrap="square" lIns="121900" tIns="121900" rIns="121900" bIns="121900" anchor="t" anchorCtr="0">
-            <a:noAutofit/>
-          </a:bodyPr>
-          <a:lstStyle/>
-          <a:p>
-            <a:pPr marL="0" lvl="0" indent="0" algn="l" rtl="0">
-              <a:spcBef>
-                <a:spcPts val="0"/>
-              </a:spcBef>
-              <a:spcAft>
-                <a:spcPts val="0"/>
-              </a:spcAft>
-              <a:buNone/>
-            </a:pPr>
-            <a:r>
-              <a:rPr lang="en-US" sz="2400" dirty="0">
-                <a:solidFill>
-                  <a:schemeClr val="tx1"/>
-                </a:solidFill>
-              </a:rPr>
-              <a:t>DESCRIPCION DE LA ENTIDADESENTIDADES</a:t>
-            </a:r>
-          </a:p>
-        </p:txBody>
-      </p:sp>
-      <p:sp>
-        <p:nvSpPr>
-          <p:cNvPr id="5" name="Google Shape;426;p27">
-            <a:extLst>
-              <a:ext uri="{FF2B5EF4-FFF2-40B4-BE49-F238E27FC236}">
-                <a16:creationId xmlns:a16="http://schemas.microsoft.com/office/drawing/2014/main" id="{97582337-065E-442B-B281-DE3D4C7BCF67}"/>
-              </a:ext>
-            </a:extLst>
-          </p:cNvPr>
-          <p:cNvSpPr txBox="1">
-            <a:spLocks/>
-          </p:cNvSpPr>
-          <p:nvPr/>
-        </p:nvSpPr>
-        <p:spPr>
-          <a:xfrm>
-            <a:off x="-207818" y="1039269"/>
-            <a:ext cx="12165715" cy="3590100"/>
-          </a:xfrm>
-          <a:prstGeom prst="rect">
-            <a:avLst/>
-          </a:prstGeom>
-          <a:noFill/>
-          <a:ln>
-            <a:noFill/>
-          </a:ln>
-        </p:spPr>
-        <p:txBody>
-          <a:bodyPr spcFirstLastPara="1" wrap="square" lIns="121900" tIns="121900" rIns="121900" bIns="121900" anchor="t" anchorCtr="0">
-            <a:noAutofit/>
-          </a:bodyPr>
-          <a:lstStyle>
-            <a:defPPr marR="0" lvl="0" algn="l" rtl="0">
-              <a:lnSpc>
-                <a:spcPct val="100000"/>
-              </a:lnSpc>
-              <a:spcBef>
-                <a:spcPts val="0"/>
-              </a:spcBef>
-              <a:spcAft>
-                <a:spcPts val="0"/>
-              </a:spcAft>
-            </a:defPPr>
-            <a:lvl1pPr marL="457200" marR="0" lvl="0" indent="-342900" algn="l" rtl="0">
-              <a:lnSpc>
-                <a:spcPct val="115000"/>
-              </a:lnSpc>
-              <a:spcBef>
-                <a:spcPts val="0"/>
-              </a:spcBef>
-              <a:spcAft>
-                <a:spcPts val="0"/>
-              </a:spcAft>
-              <a:buClr>
-                <a:schemeClr val="dk2"/>
-              </a:buClr>
-              <a:buSzPts val="1800"/>
-              <a:buFont typeface="Roboto Mono"/>
-              <a:buNone/>
-              <a:defRPr sz="1800" b="0" i="0" u="none" strike="noStrike" cap="none">
-                <a:solidFill>
-                  <a:schemeClr val="dk2"/>
-                </a:solidFill>
-                <a:latin typeface="Roboto Mono"/>
-                <a:ea typeface="Roboto Mono"/>
-                <a:cs typeface="Roboto Mono"/>
-                <a:sym typeface="Roboto Mono"/>
-              </a:defRPr>
-            </a:lvl1pPr>
-            <a:lvl2pPr marL="914400" marR="0" lvl="1" indent="-342900" algn="l" rtl="0">
-              <a:lnSpc>
-                <a:spcPct val="115000"/>
-              </a:lnSpc>
-              <a:spcBef>
-                <a:spcPts val="2100"/>
-              </a:spcBef>
-              <a:spcAft>
-                <a:spcPts val="0"/>
-              </a:spcAft>
-              <a:buClr>
-                <a:schemeClr val="dk2"/>
-              </a:buClr>
-              <a:buSzPts val="1800"/>
-              <a:buFont typeface="Roboto Mono"/>
-              <a:buNone/>
-              <a:defRPr sz="1800" b="0" i="0" u="none" strike="noStrike" cap="none">
-                <a:solidFill>
-                  <a:schemeClr val="dk2"/>
-                </a:solidFill>
-                <a:latin typeface="Roboto Mono"/>
-                <a:ea typeface="Roboto Mono"/>
-                <a:cs typeface="Roboto Mono"/>
-                <a:sym typeface="Roboto Mono"/>
-              </a:defRPr>
-            </a:lvl2pPr>
-            <a:lvl3pPr marL="1371600" marR="0" lvl="2" indent="-342900" algn="l" rtl="0">
-              <a:lnSpc>
-                <a:spcPct val="115000"/>
-              </a:lnSpc>
-              <a:spcBef>
-                <a:spcPts val="2100"/>
-              </a:spcBef>
-              <a:spcAft>
-                <a:spcPts val="0"/>
-              </a:spcAft>
-              <a:buClr>
-                <a:schemeClr val="dk2"/>
-              </a:buClr>
-              <a:buSzPts val="1800"/>
-              <a:buFont typeface="Roboto Mono"/>
-              <a:buNone/>
-              <a:defRPr sz="1800" b="0" i="0" u="none" strike="noStrike" cap="none">
-                <a:solidFill>
-                  <a:schemeClr val="dk2"/>
-                </a:solidFill>
-                <a:latin typeface="Roboto Mono"/>
-                <a:ea typeface="Roboto Mono"/>
-                <a:cs typeface="Roboto Mono"/>
-                <a:sym typeface="Roboto Mono"/>
-              </a:defRPr>
-            </a:lvl3pPr>
-            <a:lvl4pPr marL="1828800" marR="0" lvl="3" indent="-342900" algn="l" rtl="0">
-              <a:lnSpc>
-                <a:spcPct val="115000"/>
-              </a:lnSpc>
-              <a:spcBef>
-                <a:spcPts val="2100"/>
-              </a:spcBef>
-              <a:spcAft>
-                <a:spcPts val="0"/>
-              </a:spcAft>
-              <a:buClr>
-                <a:schemeClr val="dk2"/>
-              </a:buClr>
-              <a:buSzPts val="1800"/>
-              <a:buFont typeface="Roboto Mono"/>
-              <a:buNone/>
-              <a:defRPr sz="1800" b="0" i="0" u="none" strike="noStrike" cap="none">
-                <a:solidFill>
-                  <a:schemeClr val="dk2"/>
-                </a:solidFill>
-                <a:latin typeface="Roboto Mono"/>
-                <a:ea typeface="Roboto Mono"/>
-                <a:cs typeface="Roboto Mono"/>
-                <a:sym typeface="Roboto Mono"/>
-              </a:defRPr>
-            </a:lvl4pPr>
-            <a:lvl5pPr marL="2286000" marR="0" lvl="4" indent="-342900" algn="l" rtl="0">
-              <a:lnSpc>
-                <a:spcPct val="115000"/>
-              </a:lnSpc>
-              <a:spcBef>
-                <a:spcPts val="2100"/>
-              </a:spcBef>
-              <a:spcAft>
-                <a:spcPts val="0"/>
-              </a:spcAft>
-              <a:buClr>
-                <a:schemeClr val="dk2"/>
-              </a:buClr>
-              <a:buSzPts val="1800"/>
-              <a:buFont typeface="Roboto Mono"/>
-              <a:buNone/>
-              <a:defRPr sz="1800" b="0" i="0" u="none" strike="noStrike" cap="none">
-                <a:solidFill>
-                  <a:schemeClr val="dk2"/>
-                </a:solidFill>
-                <a:latin typeface="Roboto Mono"/>
-                <a:ea typeface="Roboto Mono"/>
-                <a:cs typeface="Roboto Mono"/>
-                <a:sym typeface="Roboto Mono"/>
-              </a:defRPr>
-            </a:lvl5pPr>
-            <a:lvl6pPr marL="2743200" marR="0" lvl="5" indent="-342900" algn="l" rtl="0">
-              <a:lnSpc>
-                <a:spcPct val="115000"/>
-              </a:lnSpc>
-              <a:spcBef>
-                <a:spcPts val="2100"/>
-              </a:spcBef>
-              <a:spcAft>
-                <a:spcPts val="0"/>
-              </a:spcAft>
-              <a:buClr>
-                <a:schemeClr val="dk2"/>
-              </a:buClr>
-              <a:buSzPts val="1800"/>
-              <a:buFont typeface="Roboto Mono"/>
-              <a:buNone/>
-              <a:defRPr sz="1800" b="0" i="0" u="none" strike="noStrike" cap="none">
-                <a:solidFill>
-                  <a:schemeClr val="dk2"/>
-                </a:solidFill>
-                <a:latin typeface="Roboto Mono"/>
-                <a:ea typeface="Roboto Mono"/>
-                <a:cs typeface="Roboto Mono"/>
-                <a:sym typeface="Roboto Mono"/>
-              </a:defRPr>
-            </a:lvl6pPr>
-            <a:lvl7pPr marL="3200400" marR="0" lvl="6" indent="-342900" algn="l" rtl="0">
-              <a:lnSpc>
-                <a:spcPct val="115000"/>
-              </a:lnSpc>
-              <a:spcBef>
-                <a:spcPts val="2100"/>
-              </a:spcBef>
-              <a:spcAft>
-                <a:spcPts val="0"/>
-              </a:spcAft>
-              <a:buClr>
-                <a:schemeClr val="dk2"/>
-              </a:buClr>
-              <a:buSzPts val="1800"/>
-              <a:buFont typeface="Roboto Mono"/>
-              <a:buNone/>
-              <a:defRPr sz="1800" b="0" i="0" u="none" strike="noStrike" cap="none">
-                <a:solidFill>
-                  <a:schemeClr val="dk2"/>
-                </a:solidFill>
-                <a:latin typeface="Roboto Mono"/>
-                <a:ea typeface="Roboto Mono"/>
-                <a:cs typeface="Roboto Mono"/>
-                <a:sym typeface="Roboto Mono"/>
-              </a:defRPr>
-            </a:lvl7pPr>
-            <a:lvl8pPr marL="3657600" marR="0" lvl="7" indent="-342900" algn="l" rtl="0">
-              <a:lnSpc>
-                <a:spcPct val="115000"/>
-              </a:lnSpc>
-              <a:spcBef>
-                <a:spcPts val="2100"/>
-              </a:spcBef>
-              <a:spcAft>
-                <a:spcPts val="0"/>
-              </a:spcAft>
-              <a:buClr>
-                <a:schemeClr val="dk2"/>
-              </a:buClr>
-              <a:buSzPts val="1800"/>
-              <a:buFont typeface="Roboto Mono"/>
-              <a:buNone/>
-              <a:defRPr sz="1800" b="0" i="0" u="none" strike="noStrike" cap="none">
-                <a:solidFill>
-                  <a:schemeClr val="dk2"/>
-                </a:solidFill>
-                <a:latin typeface="Roboto Mono"/>
-                <a:ea typeface="Roboto Mono"/>
-                <a:cs typeface="Roboto Mono"/>
-                <a:sym typeface="Roboto Mono"/>
-              </a:defRPr>
-            </a:lvl8pPr>
-            <a:lvl9pPr marL="4114800" marR="0" lvl="8" indent="-342900" algn="l" rtl="0">
-              <a:lnSpc>
-                <a:spcPct val="115000"/>
-              </a:lnSpc>
-              <a:spcBef>
-                <a:spcPts val="2100"/>
-              </a:spcBef>
-              <a:spcAft>
-                <a:spcPts val="2100"/>
-              </a:spcAft>
-              <a:buClr>
-                <a:schemeClr val="dk2"/>
-              </a:buClr>
-              <a:buSzPts val="1800"/>
-              <a:buFont typeface="Roboto Mono"/>
-              <a:buNone/>
-              <a:defRPr sz="1800" b="0" i="0" u="none" strike="noStrike" cap="none">
-                <a:solidFill>
-                  <a:schemeClr val="dk2"/>
-                </a:solidFill>
-                <a:latin typeface="Roboto Mono"/>
-                <a:ea typeface="Roboto Mono"/>
-                <a:cs typeface="Roboto Mono"/>
-                <a:sym typeface="Roboto Mono"/>
-              </a:defRPr>
-            </a:lvl9pPr>
-          </a:lstStyle>
-          <a:p>
-            <a:pPr marL="1257300" marR="0" lvl="2">
-              <a:lnSpc>
-                <a:spcPct val="150000"/>
-              </a:lnSpc>
-              <a:spcBef>
-                <a:spcPts val="0"/>
-              </a:spcBef>
-              <a:spcAft>
-                <a:spcPts val="0"/>
-              </a:spcAft>
-              <a:buFont typeface="+mj-lt"/>
-              <a:buAutoNum type="arabicPeriod"/>
-            </a:pPr>
-            <a:r>
-              <a:rPr lang="es-PE" sz="1800" dirty="0">
-                <a:effectLst/>
-                <a:latin typeface="Times New Roman" panose="02020603050405020304" pitchFamily="18" charset="0"/>
-                <a:ea typeface="Arial" panose="020B0604020202020204" pitchFamily="34" charset="0"/>
-              </a:rPr>
-              <a:t>USUARIO: Almacena información de los usuarios que reportan incidentes.</a:t>
-            </a:r>
-            <a:endParaRPr lang="en-GB" sz="1800" dirty="0">
-              <a:effectLst/>
-              <a:latin typeface="Arial" panose="020B0604020202020204" pitchFamily="34" charset="0"/>
-              <a:ea typeface="Arial" panose="020B0604020202020204" pitchFamily="34" charset="0"/>
-            </a:endParaRPr>
-          </a:p>
-          <a:p>
-            <a:pPr marL="1257300" marR="0" lvl="2">
-              <a:lnSpc>
-                <a:spcPct val="150000"/>
-              </a:lnSpc>
-              <a:spcBef>
-                <a:spcPts val="0"/>
-              </a:spcBef>
-              <a:spcAft>
-                <a:spcPts val="0"/>
-              </a:spcAft>
-              <a:buFont typeface="+mj-lt"/>
-              <a:buAutoNum type="arabicPeriod"/>
-            </a:pPr>
-            <a:r>
-              <a:rPr lang="es-PE" sz="1800" dirty="0">
-                <a:effectLst/>
-                <a:latin typeface="Times New Roman" panose="02020603050405020304" pitchFamily="18" charset="0"/>
-                <a:ea typeface="Arial" panose="020B0604020202020204" pitchFamily="34" charset="0"/>
-              </a:rPr>
-              <a:t>ACTIVO: Almacena información sobre los activos que pueden ser comprometidos en un incidente.</a:t>
-            </a:r>
-            <a:endParaRPr lang="en-GB" sz="1800" dirty="0">
-              <a:effectLst/>
-              <a:latin typeface="Arial" panose="020B0604020202020204" pitchFamily="34" charset="0"/>
-              <a:ea typeface="Arial" panose="020B0604020202020204" pitchFamily="34" charset="0"/>
-            </a:endParaRPr>
-          </a:p>
-          <a:p>
-            <a:pPr marL="1257300" marR="0" lvl="2">
-              <a:lnSpc>
-                <a:spcPct val="150000"/>
-              </a:lnSpc>
-              <a:spcBef>
-                <a:spcPts val="0"/>
-              </a:spcBef>
-              <a:spcAft>
-                <a:spcPts val="0"/>
-              </a:spcAft>
-              <a:buFont typeface="+mj-lt"/>
-              <a:buAutoNum type="arabicPeriod"/>
-            </a:pPr>
-            <a:r>
-              <a:rPr lang="es-PE" sz="1800" dirty="0">
-                <a:effectLst/>
-                <a:latin typeface="Times New Roman" panose="02020603050405020304" pitchFamily="18" charset="0"/>
-                <a:ea typeface="Arial" panose="020B0604020202020204" pitchFamily="34" charset="0"/>
-              </a:rPr>
-              <a:t>INCIDENTE: Registra los incidentes reportados incluyendo detalles como el activo afectado y el usuario que reportó el incidente.</a:t>
-            </a:r>
-            <a:endParaRPr lang="en-GB" sz="1800" dirty="0">
-              <a:effectLst/>
-              <a:latin typeface="Arial" panose="020B0604020202020204" pitchFamily="34" charset="0"/>
-              <a:ea typeface="Arial" panose="020B0604020202020204" pitchFamily="34" charset="0"/>
-            </a:endParaRPr>
-          </a:p>
-          <a:p>
-            <a:pPr marL="1257300" marR="0" lvl="2">
-              <a:lnSpc>
-                <a:spcPct val="150000"/>
-              </a:lnSpc>
-              <a:spcBef>
-                <a:spcPts val="0"/>
-              </a:spcBef>
-              <a:spcAft>
-                <a:spcPts val="0"/>
-              </a:spcAft>
-              <a:buFont typeface="+mj-lt"/>
-              <a:buAutoNum type="arabicPeriod"/>
-            </a:pPr>
-            <a:r>
-              <a:rPr lang="es-PE" sz="1800" dirty="0">
-                <a:effectLst/>
-                <a:latin typeface="Times New Roman" panose="02020603050405020304" pitchFamily="18" charset="0"/>
-                <a:ea typeface="Arial" panose="020B0604020202020204" pitchFamily="34" charset="0"/>
-              </a:rPr>
-              <a:t>EQUIPO_IR: Almacena información sobre los equipos de respuesta a incidentes.</a:t>
-            </a:r>
-            <a:endParaRPr lang="en-GB" sz="1800" dirty="0">
-              <a:effectLst/>
-              <a:latin typeface="Arial" panose="020B0604020202020204" pitchFamily="34" charset="0"/>
-              <a:ea typeface="Arial" panose="020B0604020202020204" pitchFamily="34" charset="0"/>
-            </a:endParaRPr>
-          </a:p>
-          <a:p>
-            <a:pPr marL="1257300" marR="0" lvl="2">
-              <a:lnSpc>
-                <a:spcPct val="150000"/>
-              </a:lnSpc>
-              <a:spcBef>
-                <a:spcPts val="0"/>
-              </a:spcBef>
-              <a:spcAft>
-                <a:spcPts val="0"/>
-              </a:spcAft>
-              <a:buFont typeface="+mj-lt"/>
-              <a:buAutoNum type="arabicPeriod"/>
-            </a:pPr>
-            <a:r>
-              <a:rPr lang="es-PE" sz="1800" dirty="0">
-                <a:effectLst/>
-                <a:latin typeface="Times New Roman" panose="02020603050405020304" pitchFamily="18" charset="0"/>
-                <a:ea typeface="Arial" panose="020B0604020202020204" pitchFamily="34" charset="0"/>
-              </a:rPr>
-              <a:t>PERSONAL_IR: Almacena información sobre el personal que forma parte de los equipos de respuesta a incidentes.</a:t>
-            </a:r>
-            <a:endParaRPr lang="en-GB" sz="1800" dirty="0">
-              <a:effectLst/>
-              <a:latin typeface="Arial" panose="020B0604020202020204" pitchFamily="34" charset="0"/>
-              <a:ea typeface="Arial" panose="020B0604020202020204" pitchFamily="34" charset="0"/>
-            </a:endParaRPr>
-          </a:p>
-          <a:p>
-            <a:pPr marL="1257300" marR="0" lvl="2">
-              <a:lnSpc>
-                <a:spcPct val="150000"/>
-              </a:lnSpc>
-              <a:spcBef>
-                <a:spcPts val="0"/>
-              </a:spcBef>
-              <a:spcAft>
-                <a:spcPts val="0"/>
-              </a:spcAft>
-              <a:buFont typeface="+mj-lt"/>
-              <a:buAutoNum type="arabicPeriod"/>
-            </a:pPr>
-            <a:r>
-              <a:rPr lang="es-PE" sz="1800" dirty="0">
-                <a:effectLst/>
-                <a:latin typeface="Times New Roman" panose="02020603050405020304" pitchFamily="18" charset="0"/>
-                <a:ea typeface="Arial" panose="020B0604020202020204" pitchFamily="34" charset="0"/>
-              </a:rPr>
-              <a:t>VULNERABILIDAD: Almacena información sobre las vulnerabilidades que pueden ser o fueron explotadas en los activos.</a:t>
-            </a:r>
-            <a:endParaRPr lang="en-GB" sz="1800" dirty="0">
-              <a:effectLst/>
-              <a:latin typeface="Arial" panose="020B0604020202020204" pitchFamily="34" charset="0"/>
-              <a:ea typeface="Arial" panose="020B0604020202020204" pitchFamily="34" charset="0"/>
-            </a:endParaRPr>
-          </a:p>
-          <a:p>
-            <a:pPr marL="1257300" marR="0" lvl="2">
-              <a:lnSpc>
-                <a:spcPct val="150000"/>
-              </a:lnSpc>
-              <a:spcBef>
-                <a:spcPts val="0"/>
-              </a:spcBef>
-              <a:spcAft>
-                <a:spcPts val="0"/>
-              </a:spcAft>
-              <a:buFont typeface="+mj-lt"/>
-              <a:buAutoNum type="arabicPeriod"/>
-            </a:pPr>
-            <a:r>
-              <a:rPr lang="es-PE" sz="1800" dirty="0">
-                <a:effectLst/>
-                <a:latin typeface="Times New Roman" panose="02020603050405020304" pitchFamily="18" charset="0"/>
-                <a:ea typeface="Arial" panose="020B0604020202020204" pitchFamily="34" charset="0"/>
-              </a:rPr>
-              <a:t>RESPUESTA_INCIDENTE: Registra las respuestas a los incidentes, incluyendo las medidas de contención y el nivel de erradicación.</a:t>
-            </a:r>
-            <a:endParaRPr lang="en-GB" sz="1800" dirty="0">
-              <a:effectLst/>
-              <a:latin typeface="Arial" panose="020B0604020202020204" pitchFamily="34" charset="0"/>
-              <a:ea typeface="Arial" panose="020B0604020202020204" pitchFamily="34" charset="0"/>
-            </a:endParaRPr>
-          </a:p>
-          <a:p>
-            <a:pPr marL="1257300" marR="0" lvl="2">
-              <a:lnSpc>
-                <a:spcPct val="150000"/>
-              </a:lnSpc>
-              <a:spcBef>
-                <a:spcPts val="0"/>
-              </a:spcBef>
-              <a:spcAft>
-                <a:spcPts val="800"/>
-              </a:spcAft>
-              <a:buFont typeface="+mj-lt"/>
-              <a:buAutoNum type="arabicPeriod"/>
-            </a:pPr>
-            <a:r>
-              <a:rPr lang="es-PE" sz="1800" dirty="0">
-                <a:effectLst/>
-                <a:latin typeface="Times New Roman" panose="02020603050405020304" pitchFamily="18" charset="0"/>
-                <a:ea typeface="Arial" panose="020B0604020202020204" pitchFamily="34" charset="0"/>
-              </a:rPr>
-              <a:t>VULNERABILIDAD_ACTIVO: Relaciona las vulnerabilidades con los activos comprometidos, especificando los datos comprometidos.</a:t>
-            </a:r>
-            <a:endParaRPr lang="en-GB" sz="1800" dirty="0">
-              <a:effectLst/>
-              <a:latin typeface="Arial" panose="020B0604020202020204" pitchFamily="34" charset="0"/>
-              <a:ea typeface="Arial" panose="020B0604020202020204" pitchFamily="34" charset="0"/>
-            </a:endParaRPr>
-          </a:p>
-        </p:txBody>
-      </p:sp>
-    </p:spTree>
-    <p:extLst>
-      <p:ext uri="{BB962C8B-B14F-4D97-AF65-F5344CB8AC3E}">
-        <p14:creationId xmlns:p14="http://schemas.microsoft.com/office/powerpoint/2010/main" val="1291876214"/>
-      </p:ext>
-    </p:extLst>
-  </p:cSld>
-  <p:clrMapOvr>
-    <a:masterClrMapping/>
-  </p:clrMapOvr>
-</p:sld>
-</file>
-
-<file path=ppt/slides/slide6.xml><?xml version="1.0" encoding="utf-8"?>
-<p:sld xmlns:a="http://schemas.openxmlformats.org/drawingml/2006/main" xmlns:r="http://schemas.openxmlformats.org/officeDocument/2006/relationships" xmlns:p="http://schemas.openxmlformats.org/presentationml/2006/main">
-  <p:cSld>
-    <p:spTree>
-      <p:nvGrpSpPr>
-        <p:cNvPr id="1" name="Shape 463"/>
-        <p:cNvGrpSpPr/>
-        <p:nvPr/>
-      </p:nvGrpSpPr>
-      <p:grpSpPr>
-        <a:xfrm>
-          <a:off x="0" y="0"/>
-          <a:ext cx="0" cy="0"/>
-          <a:chOff x="0" y="0"/>
-          <a:chExt cx="0" cy="0"/>
-        </a:xfrm>
-      </p:grpSpPr>
-      <p:sp>
-        <p:nvSpPr>
-          <p:cNvPr id="9" name="Google Shape;424;p27">
-            <a:extLst>
-              <a:ext uri="{FF2B5EF4-FFF2-40B4-BE49-F238E27FC236}">
-                <a16:creationId xmlns:a16="http://schemas.microsoft.com/office/drawing/2014/main" id="{60D670A1-88F1-4C4E-91D5-A70F722DDED2}"/>
-              </a:ext>
-            </a:extLst>
-          </p:cNvPr>
-          <p:cNvSpPr txBox="1">
-            <a:spLocks noGrp="1"/>
-          </p:cNvSpPr>
-          <p:nvPr>
-            <p:ph type="title"/>
-          </p:nvPr>
-        </p:nvSpPr>
-        <p:spPr>
-          <a:xfrm>
-            <a:off x="593055" y="84198"/>
-            <a:ext cx="9478691" cy="491301"/>
-          </a:xfrm>
-          <a:prstGeom prst="rect">
-            <a:avLst/>
-          </a:prstGeom>
-        </p:spPr>
-        <p:txBody>
-          <a:bodyPr spcFirstLastPara="1" wrap="square" lIns="121900" tIns="121900" rIns="121900" bIns="121900" anchor="t" anchorCtr="0">
-            <a:noAutofit/>
-          </a:bodyPr>
-          <a:lstStyle/>
-          <a:p>
-            <a:pPr marL="0" lvl="0" indent="0" algn="l" rtl="0">
-              <a:spcBef>
-                <a:spcPts val="0"/>
-              </a:spcBef>
-              <a:spcAft>
-                <a:spcPts val="0"/>
-              </a:spcAft>
-              <a:buNone/>
-            </a:pPr>
-            <a:r>
-              <a:rPr lang="en-US" sz="2000" dirty="0"/>
-              <a:t>DIAGRAMA ENTIDAD RELACION</a:t>
-            </a:r>
-            <a:endParaRPr sz="2000" dirty="0">
-              <a:solidFill>
-                <a:schemeClr val="accent1"/>
-              </a:solidFill>
-            </a:endParaRPr>
-          </a:p>
-        </p:txBody>
-      </p:sp>
-      <p:pic>
-        <p:nvPicPr>
-          <p:cNvPr id="10" name="Picture 9">
-            <a:extLst>
-              <a:ext uri="{FF2B5EF4-FFF2-40B4-BE49-F238E27FC236}">
-                <a16:creationId xmlns:a16="http://schemas.microsoft.com/office/drawing/2014/main" id="{CCD0E55E-9C54-4AC8-9D48-AEC50DB72765}"/>
-              </a:ext>
-            </a:extLst>
-          </p:cNvPr>
-          <p:cNvPicPr/>
-          <p:nvPr/>
-        </p:nvPicPr>
-        <p:blipFill>
-          <a:blip r:embed="rId3" cstate="print">
-            <a:extLst>
-              <a:ext uri="{28A0092B-C50C-407E-A947-70E740481C1C}">
-                <a14:useLocalDpi xmlns:a14="http://schemas.microsoft.com/office/drawing/2010/main" val="0"/>
-              </a:ext>
-            </a:extLst>
-          </a:blip>
-          <a:srcRect/>
-          <a:stretch>
-            <a:fillRect/>
-          </a:stretch>
-        </p:blipFill>
-        <p:spPr bwMode="auto">
-          <a:xfrm>
-            <a:off x="694017" y="575499"/>
-            <a:ext cx="11079100" cy="5697274"/>
-          </a:xfrm>
-          <a:prstGeom prst="rect">
-            <a:avLst/>
-          </a:prstGeom>
-          <a:noFill/>
-          <a:ln>
-            <a:noFill/>
-          </a:ln>
-        </p:spPr>
-      </p:pic>
-    </p:spTree>
-  </p:cSld>
-  <p:clrMapOvr>
-    <a:masterClrMapping/>
-  </p:clrMapOvr>
-</p:sld>
-</file>
-
-<file path=ppt/slides/slide7.xml><?xml version="1.0" encoding="utf-8"?>
-<p:sld xmlns:a="http://schemas.openxmlformats.org/drawingml/2006/main" xmlns:r="http://schemas.openxmlformats.org/officeDocument/2006/relationships" xmlns:p="http://schemas.openxmlformats.org/presentationml/2006/main">
-  <p:cSld>
-    <p:spTree>
-      <p:nvGrpSpPr>
-        <p:cNvPr id="1" name="Shape 463"/>
-        <p:cNvGrpSpPr/>
-        <p:nvPr/>
-      </p:nvGrpSpPr>
-      <p:grpSpPr>
-        <a:xfrm>
-          <a:off x="0" y="0"/>
-          <a:ext cx="0" cy="0"/>
-          <a:chOff x="0" y="0"/>
-          <a:chExt cx="0" cy="0"/>
-        </a:xfrm>
-      </p:grpSpPr>
-      <p:sp>
-        <p:nvSpPr>
-          <p:cNvPr id="9" name="Google Shape;424;p27">
-            <a:extLst>
-              <a:ext uri="{FF2B5EF4-FFF2-40B4-BE49-F238E27FC236}">
-                <a16:creationId xmlns:a16="http://schemas.microsoft.com/office/drawing/2014/main" id="{60D670A1-88F1-4C4E-91D5-A70F722DDED2}"/>
-              </a:ext>
-            </a:extLst>
-          </p:cNvPr>
-          <p:cNvSpPr txBox="1">
-            <a:spLocks noGrp="1"/>
-          </p:cNvSpPr>
-          <p:nvPr>
-            <p:ph type="title"/>
-          </p:nvPr>
-        </p:nvSpPr>
-        <p:spPr>
-          <a:xfrm>
-            <a:off x="849086" y="466439"/>
-            <a:ext cx="9478691" cy="491301"/>
-          </a:xfrm>
-          <a:prstGeom prst="rect">
-            <a:avLst/>
-          </a:prstGeom>
-        </p:spPr>
-        <p:txBody>
-          <a:bodyPr spcFirstLastPara="1" wrap="square" lIns="121900" tIns="121900" rIns="121900" bIns="121900" anchor="t" anchorCtr="0">
-            <a:noAutofit/>
-          </a:bodyPr>
-          <a:lstStyle/>
-          <a:p>
-            <a:pPr marL="0" lvl="0" indent="0" algn="l" rtl="0">
-              <a:spcBef>
-                <a:spcPts val="0"/>
-              </a:spcBef>
-              <a:spcAft>
-                <a:spcPts val="0"/>
-              </a:spcAft>
-              <a:buNone/>
-            </a:pPr>
-            <a:r>
-              <a:rPr lang="en-US" sz="2400" dirty="0"/>
-              <a:t>MODELO RELACIONAL</a:t>
-            </a:r>
-            <a:endParaRPr lang="en-US" sz="2400" dirty="0">
-              <a:solidFill>
-                <a:schemeClr val="accent1"/>
-              </a:solidFill>
-            </a:endParaRPr>
-          </a:p>
-        </p:txBody>
-      </p:sp>
-      <p:sp>
-        <p:nvSpPr>
-          <p:cNvPr id="5" name="Google Shape;426;p27">
-            <a:extLst>
-              <a:ext uri="{FF2B5EF4-FFF2-40B4-BE49-F238E27FC236}">
-                <a16:creationId xmlns:a16="http://schemas.microsoft.com/office/drawing/2014/main" id="{97582337-065E-442B-B281-DE3D4C7BCF67}"/>
-              </a:ext>
-            </a:extLst>
-          </p:cNvPr>
-          <p:cNvSpPr txBox="1">
-            <a:spLocks/>
-          </p:cNvSpPr>
-          <p:nvPr/>
-        </p:nvSpPr>
-        <p:spPr>
-          <a:xfrm>
-            <a:off x="849086" y="1039269"/>
-            <a:ext cx="11108811" cy="3590100"/>
-          </a:xfrm>
-          <a:prstGeom prst="rect">
-            <a:avLst/>
-          </a:prstGeom>
-          <a:noFill/>
-          <a:ln>
-            <a:noFill/>
-          </a:ln>
-        </p:spPr>
-        <p:txBody>
-          <a:bodyPr spcFirstLastPara="1" wrap="square" lIns="121900" tIns="121900" rIns="121900" bIns="121900" anchor="t" anchorCtr="0">
-            <a:noAutofit/>
-          </a:bodyPr>
-          <a:lstStyle>
-            <a:defPPr marR="0" lvl="0" algn="l" rtl="0">
-              <a:lnSpc>
-                <a:spcPct val="100000"/>
-              </a:lnSpc>
-              <a:spcBef>
-                <a:spcPts val="0"/>
-              </a:spcBef>
-              <a:spcAft>
-                <a:spcPts val="0"/>
-              </a:spcAft>
-            </a:defPPr>
-            <a:lvl1pPr marL="457200" marR="0" lvl="0" indent="-342900" algn="l" rtl="0">
-              <a:lnSpc>
-                <a:spcPct val="115000"/>
-              </a:lnSpc>
-              <a:spcBef>
-                <a:spcPts val="0"/>
-              </a:spcBef>
-              <a:spcAft>
-                <a:spcPts val="0"/>
-              </a:spcAft>
-              <a:buClr>
-                <a:schemeClr val="dk2"/>
-              </a:buClr>
-              <a:buSzPts val="1800"/>
-              <a:buFont typeface="Roboto Mono"/>
-              <a:buNone/>
-              <a:defRPr sz="1800" b="0" i="0" u="none" strike="noStrike" cap="none">
-                <a:solidFill>
-                  <a:schemeClr val="dk2"/>
-                </a:solidFill>
-                <a:latin typeface="Roboto Mono"/>
-                <a:ea typeface="Roboto Mono"/>
-                <a:cs typeface="Roboto Mono"/>
-                <a:sym typeface="Roboto Mono"/>
-              </a:defRPr>
-            </a:lvl1pPr>
-            <a:lvl2pPr marL="914400" marR="0" lvl="1" indent="-342900" algn="l" rtl="0">
-              <a:lnSpc>
-                <a:spcPct val="115000"/>
-              </a:lnSpc>
-              <a:spcBef>
-                <a:spcPts val="2100"/>
-              </a:spcBef>
-              <a:spcAft>
-                <a:spcPts val="0"/>
-              </a:spcAft>
-              <a:buClr>
-                <a:schemeClr val="dk2"/>
-              </a:buClr>
-              <a:buSzPts val="1800"/>
-              <a:buFont typeface="Roboto Mono"/>
-              <a:buNone/>
-              <a:defRPr sz="1800" b="0" i="0" u="none" strike="noStrike" cap="none">
-                <a:solidFill>
-                  <a:schemeClr val="dk2"/>
-                </a:solidFill>
-                <a:latin typeface="Roboto Mono"/>
-                <a:ea typeface="Roboto Mono"/>
-                <a:cs typeface="Roboto Mono"/>
-                <a:sym typeface="Roboto Mono"/>
-              </a:defRPr>
-            </a:lvl2pPr>
-            <a:lvl3pPr marL="1371600" marR="0" lvl="2" indent="-342900" algn="l" rtl="0">
-              <a:lnSpc>
-                <a:spcPct val="115000"/>
-              </a:lnSpc>
-              <a:spcBef>
-                <a:spcPts val="2100"/>
-              </a:spcBef>
-              <a:spcAft>
-                <a:spcPts val="0"/>
-              </a:spcAft>
-              <a:buClr>
-                <a:schemeClr val="dk2"/>
-              </a:buClr>
-              <a:buSzPts val="1800"/>
-              <a:buFont typeface="Roboto Mono"/>
-              <a:buNone/>
-              <a:defRPr sz="1800" b="0" i="0" u="none" strike="noStrike" cap="none">
-                <a:solidFill>
-                  <a:schemeClr val="dk2"/>
-                </a:solidFill>
-                <a:latin typeface="Roboto Mono"/>
-                <a:ea typeface="Roboto Mono"/>
-                <a:cs typeface="Roboto Mono"/>
-                <a:sym typeface="Roboto Mono"/>
-              </a:defRPr>
-            </a:lvl3pPr>
-            <a:lvl4pPr marL="1828800" marR="0" lvl="3" indent="-342900" algn="l" rtl="0">
-              <a:lnSpc>
-                <a:spcPct val="115000"/>
-              </a:lnSpc>
-              <a:spcBef>
-                <a:spcPts val="2100"/>
-              </a:spcBef>
-              <a:spcAft>
-                <a:spcPts val="0"/>
-              </a:spcAft>
-              <a:buClr>
-                <a:schemeClr val="dk2"/>
-              </a:buClr>
-              <a:buSzPts val="1800"/>
-              <a:buFont typeface="Roboto Mono"/>
-              <a:buNone/>
-              <a:defRPr sz="1800" b="0" i="0" u="none" strike="noStrike" cap="none">
-                <a:solidFill>
-                  <a:schemeClr val="dk2"/>
-                </a:solidFill>
-                <a:latin typeface="Roboto Mono"/>
-                <a:ea typeface="Roboto Mono"/>
-                <a:cs typeface="Roboto Mono"/>
-                <a:sym typeface="Roboto Mono"/>
-              </a:defRPr>
-            </a:lvl4pPr>
-            <a:lvl5pPr marL="2286000" marR="0" lvl="4" indent="-342900" algn="l" rtl="0">
-              <a:lnSpc>
-                <a:spcPct val="115000"/>
-              </a:lnSpc>
-              <a:spcBef>
-                <a:spcPts val="2100"/>
-              </a:spcBef>
-              <a:spcAft>
-                <a:spcPts val="0"/>
-              </a:spcAft>
-              <a:buClr>
-                <a:schemeClr val="dk2"/>
-              </a:buClr>
-              <a:buSzPts val="1800"/>
-              <a:buFont typeface="Roboto Mono"/>
-              <a:buNone/>
-              <a:defRPr sz="1800" b="0" i="0" u="none" strike="noStrike" cap="none">
-                <a:solidFill>
-                  <a:schemeClr val="dk2"/>
-                </a:solidFill>
-                <a:latin typeface="Roboto Mono"/>
-                <a:ea typeface="Roboto Mono"/>
-                <a:cs typeface="Roboto Mono"/>
-                <a:sym typeface="Roboto Mono"/>
-              </a:defRPr>
-            </a:lvl5pPr>
-            <a:lvl6pPr marL="2743200" marR="0" lvl="5" indent="-342900" algn="l" rtl="0">
-              <a:lnSpc>
-                <a:spcPct val="115000"/>
-              </a:lnSpc>
-              <a:spcBef>
-                <a:spcPts val="2100"/>
-              </a:spcBef>
-              <a:spcAft>
-                <a:spcPts val="0"/>
-              </a:spcAft>
-              <a:buClr>
-                <a:schemeClr val="dk2"/>
-              </a:buClr>
-              <a:buSzPts val="1800"/>
-              <a:buFont typeface="Roboto Mono"/>
-              <a:buNone/>
-              <a:defRPr sz="1800" b="0" i="0" u="none" strike="noStrike" cap="none">
-                <a:solidFill>
-                  <a:schemeClr val="dk2"/>
-                </a:solidFill>
-                <a:latin typeface="Roboto Mono"/>
-                <a:ea typeface="Roboto Mono"/>
-                <a:cs typeface="Roboto Mono"/>
-                <a:sym typeface="Roboto Mono"/>
-              </a:defRPr>
-            </a:lvl6pPr>
-            <a:lvl7pPr marL="3200400" marR="0" lvl="6" indent="-342900" algn="l" rtl="0">
-              <a:lnSpc>
-                <a:spcPct val="115000"/>
-              </a:lnSpc>
-              <a:spcBef>
-                <a:spcPts val="2100"/>
-              </a:spcBef>
-              <a:spcAft>
-                <a:spcPts val="0"/>
-              </a:spcAft>
-              <a:buClr>
-                <a:schemeClr val="dk2"/>
-              </a:buClr>
-              <a:buSzPts val="1800"/>
-              <a:buFont typeface="Roboto Mono"/>
-              <a:buNone/>
-              <a:defRPr sz="1800" b="0" i="0" u="none" strike="noStrike" cap="none">
-                <a:solidFill>
-                  <a:schemeClr val="dk2"/>
-                </a:solidFill>
-                <a:latin typeface="Roboto Mono"/>
-                <a:ea typeface="Roboto Mono"/>
-                <a:cs typeface="Roboto Mono"/>
-                <a:sym typeface="Roboto Mono"/>
-              </a:defRPr>
-            </a:lvl7pPr>
-            <a:lvl8pPr marL="3657600" marR="0" lvl="7" indent="-342900" algn="l" rtl="0">
-              <a:lnSpc>
-                <a:spcPct val="115000"/>
-              </a:lnSpc>
-              <a:spcBef>
-                <a:spcPts val="2100"/>
-              </a:spcBef>
-              <a:spcAft>
-                <a:spcPts val="0"/>
-              </a:spcAft>
-              <a:buClr>
-                <a:schemeClr val="dk2"/>
-              </a:buClr>
-              <a:buSzPts val="1800"/>
-              <a:buFont typeface="Roboto Mono"/>
-              <a:buNone/>
-              <a:defRPr sz="1800" b="0" i="0" u="none" strike="noStrike" cap="none">
-                <a:solidFill>
-                  <a:schemeClr val="dk2"/>
-                </a:solidFill>
-                <a:latin typeface="Roboto Mono"/>
-                <a:ea typeface="Roboto Mono"/>
-                <a:cs typeface="Roboto Mono"/>
-                <a:sym typeface="Roboto Mono"/>
-              </a:defRPr>
-            </a:lvl8pPr>
-            <a:lvl9pPr marL="4114800" marR="0" lvl="8" indent="-342900" algn="l" rtl="0">
-              <a:lnSpc>
-                <a:spcPct val="115000"/>
-              </a:lnSpc>
-              <a:spcBef>
-                <a:spcPts val="2100"/>
-              </a:spcBef>
-              <a:spcAft>
-                <a:spcPts val="2100"/>
-              </a:spcAft>
-              <a:buClr>
-                <a:schemeClr val="dk2"/>
-              </a:buClr>
-              <a:buSzPts val="1800"/>
-              <a:buFont typeface="Roboto Mono"/>
-              <a:buNone/>
-              <a:defRPr sz="1800" b="0" i="0" u="none" strike="noStrike" cap="none">
-                <a:solidFill>
-                  <a:schemeClr val="dk2"/>
-                </a:solidFill>
-                <a:latin typeface="Roboto Mono"/>
-                <a:ea typeface="Roboto Mono"/>
-                <a:cs typeface="Roboto Mono"/>
-                <a:sym typeface="Roboto Mono"/>
-              </a:defRPr>
-            </a:lvl9pPr>
-          </a:lstStyle>
-          <a:p>
-            <a:pPr marL="0" marR="0">
-              <a:lnSpc>
-                <a:spcPct val="150000"/>
-              </a:lnSpc>
-              <a:spcBef>
-                <a:spcPts val="0"/>
-              </a:spcBef>
-              <a:spcAft>
-                <a:spcPts val="800"/>
-              </a:spcAft>
-            </a:pPr>
-            <a:r>
-              <a:rPr lang="es-PE" sz="1800" b="1" dirty="0">
-                <a:effectLst/>
-                <a:latin typeface="Times New Roman" panose="02020603050405020304" pitchFamily="18" charset="0"/>
-                <a:ea typeface="Arial" panose="020B0604020202020204" pitchFamily="34" charset="0"/>
-              </a:rPr>
-              <a:t>USUARIO</a:t>
-            </a:r>
-            <a:r>
-              <a:rPr lang="es-PE" sz="1800" dirty="0">
-                <a:effectLst/>
-                <a:latin typeface="Times New Roman" panose="02020603050405020304" pitchFamily="18" charset="0"/>
-                <a:ea typeface="Arial" panose="020B0604020202020204" pitchFamily="34" charset="0"/>
-              </a:rPr>
-              <a:t> (#USUARIO_ID, </a:t>
-            </a:r>
-            <a:r>
-              <a:rPr lang="es-PE" sz="1800" dirty="0" err="1">
-                <a:effectLst/>
-                <a:latin typeface="Times New Roman" panose="02020603050405020304" pitchFamily="18" charset="0"/>
-                <a:ea typeface="Arial" panose="020B0604020202020204" pitchFamily="34" charset="0"/>
-              </a:rPr>
-              <a:t>nombre_usuario</a:t>
-            </a:r>
-            <a:r>
-              <a:rPr lang="es-PE" sz="1800" dirty="0">
-                <a:effectLst/>
-                <a:latin typeface="Times New Roman" panose="02020603050405020304" pitchFamily="18" charset="0"/>
-                <a:ea typeface="Arial" panose="020B0604020202020204" pitchFamily="34" charset="0"/>
-              </a:rPr>
-              <a:t>, </a:t>
-            </a:r>
-            <a:r>
-              <a:rPr lang="es-PE" sz="1800" dirty="0" err="1">
-                <a:effectLst/>
-                <a:latin typeface="Times New Roman" panose="02020603050405020304" pitchFamily="18" charset="0"/>
-                <a:ea typeface="Arial" panose="020B0604020202020204" pitchFamily="34" charset="0"/>
-              </a:rPr>
-              <a:t>apellido_usuario</a:t>
-            </a:r>
-            <a:r>
-              <a:rPr lang="es-PE" sz="1800" dirty="0">
-                <a:effectLst/>
-                <a:latin typeface="Times New Roman" panose="02020603050405020304" pitchFamily="18" charset="0"/>
-                <a:ea typeface="Arial" panose="020B0604020202020204" pitchFamily="34" charset="0"/>
-              </a:rPr>
-              <a:t>, </a:t>
-            </a:r>
-            <a:r>
-              <a:rPr lang="es-PE" sz="1800" dirty="0" err="1">
-                <a:effectLst/>
-                <a:latin typeface="Times New Roman" panose="02020603050405020304" pitchFamily="18" charset="0"/>
-                <a:ea typeface="Arial" panose="020B0604020202020204" pitchFamily="34" charset="0"/>
-              </a:rPr>
-              <a:t>email_usuario</a:t>
-            </a:r>
-            <a:r>
-              <a:rPr lang="es-PE" sz="1800" dirty="0">
-                <a:effectLst/>
-                <a:latin typeface="Times New Roman" panose="02020603050405020304" pitchFamily="18" charset="0"/>
-                <a:ea typeface="Arial" panose="020B0604020202020204" pitchFamily="34" charset="0"/>
-              </a:rPr>
-              <a:t>, </a:t>
-            </a:r>
-            <a:r>
-              <a:rPr lang="es-PE" sz="1800" dirty="0" err="1">
-                <a:effectLst/>
-                <a:latin typeface="Times New Roman" panose="02020603050405020304" pitchFamily="18" charset="0"/>
-                <a:ea typeface="Arial" panose="020B0604020202020204" pitchFamily="34" charset="0"/>
-              </a:rPr>
-              <a:t>rol_usuario</a:t>
-            </a:r>
-            <a:r>
-              <a:rPr lang="es-PE" sz="1800" dirty="0">
-                <a:effectLst/>
-                <a:latin typeface="Times New Roman" panose="02020603050405020304" pitchFamily="18" charset="0"/>
-                <a:ea typeface="Arial" panose="020B0604020202020204" pitchFamily="34" charset="0"/>
-              </a:rPr>
-              <a:t>, </a:t>
-            </a:r>
-            <a:r>
-              <a:rPr lang="es-PE" sz="1800" dirty="0" err="1">
-                <a:effectLst/>
-                <a:latin typeface="Times New Roman" panose="02020603050405020304" pitchFamily="18" charset="0"/>
-                <a:ea typeface="Arial" panose="020B0604020202020204" pitchFamily="34" charset="0"/>
-              </a:rPr>
-              <a:t>telefono</a:t>
-            </a:r>
-            <a:r>
-              <a:rPr lang="es-PE" sz="1800" dirty="0">
-                <a:effectLst/>
-                <a:latin typeface="Times New Roman" panose="02020603050405020304" pitchFamily="18" charset="0"/>
-                <a:ea typeface="Arial" panose="020B0604020202020204" pitchFamily="34" charset="0"/>
-              </a:rPr>
-              <a:t>)</a:t>
-            </a:r>
-            <a:endParaRPr lang="en-GB" sz="1800" dirty="0">
-              <a:effectLst/>
-              <a:latin typeface="Arial" panose="020B0604020202020204" pitchFamily="34" charset="0"/>
-              <a:ea typeface="Arial" panose="020B0604020202020204" pitchFamily="34" charset="0"/>
-            </a:endParaRPr>
-          </a:p>
-          <a:p>
-            <a:pPr marL="0" marR="0">
-              <a:lnSpc>
-                <a:spcPct val="150000"/>
-              </a:lnSpc>
-              <a:spcBef>
-                <a:spcPts val="0"/>
-              </a:spcBef>
-              <a:spcAft>
-                <a:spcPts val="800"/>
-              </a:spcAft>
-            </a:pPr>
-            <a:r>
-              <a:rPr lang="es-PE" sz="1800" b="1" dirty="0">
-                <a:effectLst/>
-                <a:latin typeface="Times New Roman" panose="02020603050405020304" pitchFamily="18" charset="0"/>
-                <a:ea typeface="Arial" panose="020B0604020202020204" pitchFamily="34" charset="0"/>
-              </a:rPr>
-              <a:t>INCIDENTE</a:t>
-            </a:r>
-            <a:r>
-              <a:rPr lang="es-PE" sz="1800" dirty="0">
-                <a:effectLst/>
-                <a:latin typeface="Times New Roman" panose="02020603050405020304" pitchFamily="18" charset="0"/>
-                <a:ea typeface="Arial" panose="020B0604020202020204" pitchFamily="34" charset="0"/>
-              </a:rPr>
-              <a:t> (#INCIDENTE_ID, #ACTIVO_ID, #USUARIO_ID, </a:t>
-            </a:r>
-            <a:r>
-              <a:rPr lang="es-PE" sz="1800" dirty="0" err="1">
-                <a:effectLst/>
-                <a:latin typeface="Times New Roman" panose="02020603050405020304" pitchFamily="18" charset="0"/>
-                <a:ea typeface="Arial" panose="020B0604020202020204" pitchFamily="34" charset="0"/>
-              </a:rPr>
-              <a:t>descripcion</a:t>
-            </a:r>
-            <a:r>
-              <a:rPr lang="es-PE" sz="1800" dirty="0">
-                <a:effectLst/>
-                <a:latin typeface="Times New Roman" panose="02020603050405020304" pitchFamily="18" charset="0"/>
-                <a:ea typeface="Arial" panose="020B0604020202020204" pitchFamily="34" charset="0"/>
-              </a:rPr>
-              <a:t>, fecha, gravedad, estado)</a:t>
-            </a:r>
-            <a:endParaRPr lang="en-GB" sz="1800" dirty="0">
-              <a:effectLst/>
-              <a:latin typeface="Arial" panose="020B0604020202020204" pitchFamily="34" charset="0"/>
-              <a:ea typeface="Arial" panose="020B0604020202020204" pitchFamily="34" charset="0"/>
-            </a:endParaRPr>
-          </a:p>
-          <a:p>
-            <a:pPr marL="0" marR="0">
-              <a:lnSpc>
-                <a:spcPct val="150000"/>
-              </a:lnSpc>
-              <a:spcBef>
-                <a:spcPts val="0"/>
-              </a:spcBef>
-              <a:spcAft>
-                <a:spcPts val="800"/>
-              </a:spcAft>
-            </a:pPr>
-            <a:r>
-              <a:rPr lang="es-PE" sz="1800" b="1" dirty="0">
-                <a:effectLst/>
-                <a:latin typeface="Times New Roman" panose="02020603050405020304" pitchFamily="18" charset="0"/>
-                <a:ea typeface="Arial" panose="020B0604020202020204" pitchFamily="34" charset="0"/>
-              </a:rPr>
-              <a:t>ACTIVO</a:t>
-            </a:r>
-            <a:r>
-              <a:rPr lang="es-PE" sz="1800" dirty="0">
-                <a:effectLst/>
-                <a:latin typeface="Times New Roman" panose="02020603050405020304" pitchFamily="18" charset="0"/>
-                <a:ea typeface="Arial" panose="020B0604020202020204" pitchFamily="34" charset="0"/>
-              </a:rPr>
-              <a:t> (#ACTIVO_ID, </a:t>
-            </a:r>
-            <a:r>
-              <a:rPr lang="es-PE" sz="1800" dirty="0" err="1">
-                <a:effectLst/>
-                <a:latin typeface="Times New Roman" panose="02020603050405020304" pitchFamily="18" charset="0"/>
-                <a:ea typeface="Arial" panose="020B0604020202020204" pitchFamily="34" charset="0"/>
-              </a:rPr>
-              <a:t>nombre_activo</a:t>
-            </a:r>
-            <a:r>
-              <a:rPr lang="es-PE" sz="1800" dirty="0">
-                <a:effectLst/>
-                <a:latin typeface="Times New Roman" panose="02020603050405020304" pitchFamily="18" charset="0"/>
-                <a:ea typeface="Arial" panose="020B0604020202020204" pitchFamily="34" charset="0"/>
-              </a:rPr>
-              <a:t>, </a:t>
-            </a:r>
-            <a:r>
-              <a:rPr lang="es-PE" sz="1800" dirty="0" err="1">
-                <a:effectLst/>
-                <a:latin typeface="Times New Roman" panose="02020603050405020304" pitchFamily="18" charset="0"/>
-                <a:ea typeface="Arial" panose="020B0604020202020204" pitchFamily="34" charset="0"/>
-              </a:rPr>
-              <a:t>tipo_activo</a:t>
-            </a:r>
-            <a:r>
-              <a:rPr lang="es-PE" sz="1800" dirty="0">
-                <a:effectLst/>
-                <a:latin typeface="Times New Roman" panose="02020603050405020304" pitchFamily="18" charset="0"/>
-                <a:ea typeface="Arial" panose="020B0604020202020204" pitchFamily="34" charset="0"/>
-              </a:rPr>
-              <a:t>, </a:t>
-            </a:r>
-            <a:r>
-              <a:rPr lang="es-PE" sz="1800" dirty="0" err="1">
-                <a:effectLst/>
-                <a:latin typeface="Times New Roman" panose="02020603050405020304" pitchFamily="18" charset="0"/>
-                <a:ea typeface="Arial" panose="020B0604020202020204" pitchFamily="34" charset="0"/>
-              </a:rPr>
-              <a:t>direccion_ip</a:t>
-            </a:r>
-            <a:r>
-              <a:rPr lang="es-PE" sz="1800" dirty="0">
-                <a:effectLst/>
-                <a:latin typeface="Times New Roman" panose="02020603050405020304" pitchFamily="18" charset="0"/>
-                <a:ea typeface="Arial" panose="020B0604020202020204" pitchFamily="34" charset="0"/>
-              </a:rPr>
-              <a:t>, </a:t>
-            </a:r>
-            <a:r>
-              <a:rPr lang="es-PE" sz="1800" dirty="0" err="1">
-                <a:effectLst/>
-                <a:latin typeface="Times New Roman" panose="02020603050405020304" pitchFamily="18" charset="0"/>
-                <a:ea typeface="Arial" panose="020B0604020202020204" pitchFamily="34" charset="0"/>
-              </a:rPr>
-              <a:t>direccion_mac</a:t>
-            </a:r>
-            <a:r>
-              <a:rPr lang="es-PE" sz="1800" dirty="0">
-                <a:effectLst/>
-                <a:latin typeface="Times New Roman" panose="02020603050405020304" pitchFamily="18" charset="0"/>
-                <a:ea typeface="Arial" panose="020B0604020202020204" pitchFamily="34" charset="0"/>
-              </a:rPr>
-              <a:t>)</a:t>
-            </a:r>
-            <a:endParaRPr lang="en-GB" sz="1800" dirty="0">
-              <a:effectLst/>
-              <a:latin typeface="Arial" panose="020B0604020202020204" pitchFamily="34" charset="0"/>
-              <a:ea typeface="Arial" panose="020B0604020202020204" pitchFamily="34" charset="0"/>
-            </a:endParaRPr>
-          </a:p>
-          <a:p>
-            <a:pPr marL="0" marR="0">
-              <a:lnSpc>
-                <a:spcPct val="150000"/>
-              </a:lnSpc>
-              <a:spcBef>
-                <a:spcPts val="0"/>
-              </a:spcBef>
-              <a:spcAft>
-                <a:spcPts val="800"/>
-              </a:spcAft>
-            </a:pPr>
-            <a:r>
-              <a:rPr lang="es-PE" sz="1800" b="1" dirty="0">
-                <a:effectLst/>
-                <a:latin typeface="Times New Roman" panose="02020603050405020304" pitchFamily="18" charset="0"/>
-                <a:ea typeface="Arial" panose="020B0604020202020204" pitchFamily="34" charset="0"/>
-              </a:rPr>
-              <a:t>EQUIPO</a:t>
-            </a:r>
-            <a:r>
-              <a:rPr lang="es-PE" sz="1800" dirty="0">
-                <a:effectLst/>
-                <a:latin typeface="Times New Roman" panose="02020603050405020304" pitchFamily="18" charset="0"/>
-                <a:ea typeface="Arial" panose="020B0604020202020204" pitchFamily="34" charset="0"/>
-              </a:rPr>
-              <a:t>_IR (#EQUIPO_ID, </a:t>
-            </a:r>
-            <a:r>
-              <a:rPr lang="es-PE" sz="1800" dirty="0" err="1">
-                <a:effectLst/>
-                <a:latin typeface="Times New Roman" panose="02020603050405020304" pitchFamily="18" charset="0"/>
-                <a:ea typeface="Arial" panose="020B0604020202020204" pitchFamily="34" charset="0"/>
-              </a:rPr>
-              <a:t>nombre_equipo</a:t>
-            </a:r>
-            <a:r>
-              <a:rPr lang="es-PE" sz="1800" dirty="0">
-                <a:effectLst/>
-                <a:latin typeface="Times New Roman" panose="02020603050405020304" pitchFamily="18" charset="0"/>
-                <a:ea typeface="Arial" panose="020B0604020202020204" pitchFamily="34" charset="0"/>
-              </a:rPr>
-              <a:t>, </a:t>
-            </a:r>
-            <a:r>
-              <a:rPr lang="es-PE" sz="1800" dirty="0" err="1">
-                <a:effectLst/>
-                <a:latin typeface="Times New Roman" panose="02020603050405020304" pitchFamily="18" charset="0"/>
-                <a:ea typeface="Arial" panose="020B0604020202020204" pitchFamily="34" charset="0"/>
-              </a:rPr>
-              <a:t>descripcion_equipo</a:t>
-            </a:r>
-            <a:r>
-              <a:rPr lang="es-PE" sz="1800" dirty="0">
-                <a:effectLst/>
-                <a:latin typeface="Times New Roman" panose="02020603050405020304" pitchFamily="18" charset="0"/>
-                <a:ea typeface="Arial" panose="020B0604020202020204" pitchFamily="34" charset="0"/>
-              </a:rPr>
-              <a:t>)</a:t>
-            </a:r>
-            <a:endParaRPr lang="en-GB" sz="1800" dirty="0">
-              <a:effectLst/>
-              <a:latin typeface="Arial" panose="020B0604020202020204" pitchFamily="34" charset="0"/>
-              <a:ea typeface="Arial" panose="020B0604020202020204" pitchFamily="34" charset="0"/>
-            </a:endParaRPr>
-          </a:p>
-          <a:p>
-            <a:pPr marL="0" marR="0">
-              <a:lnSpc>
-                <a:spcPct val="150000"/>
-              </a:lnSpc>
-              <a:spcBef>
-                <a:spcPts val="0"/>
-              </a:spcBef>
-              <a:spcAft>
-                <a:spcPts val="800"/>
-              </a:spcAft>
-            </a:pPr>
-            <a:r>
-              <a:rPr lang="es-PE" sz="1800" b="1" dirty="0">
-                <a:effectLst/>
-                <a:latin typeface="Times New Roman" panose="02020603050405020304" pitchFamily="18" charset="0"/>
-                <a:ea typeface="Arial" panose="020B0604020202020204" pitchFamily="34" charset="0"/>
-              </a:rPr>
-              <a:t>PERSONAL</a:t>
-            </a:r>
-            <a:r>
-              <a:rPr lang="es-PE" sz="1800" dirty="0">
-                <a:effectLst/>
-                <a:latin typeface="Times New Roman" panose="02020603050405020304" pitchFamily="18" charset="0"/>
-                <a:ea typeface="Arial" panose="020B0604020202020204" pitchFamily="34" charset="0"/>
-              </a:rPr>
-              <a:t>_IR (#PERSONAL_IR_ID, </a:t>
-            </a:r>
-            <a:r>
-              <a:rPr lang="es-PE" sz="1800" dirty="0" err="1">
-                <a:effectLst/>
-                <a:latin typeface="Times New Roman" panose="02020603050405020304" pitchFamily="18" charset="0"/>
-                <a:ea typeface="Arial" panose="020B0604020202020204" pitchFamily="34" charset="0"/>
-              </a:rPr>
-              <a:t>nombre_personal_ir</a:t>
-            </a:r>
-            <a:r>
-              <a:rPr lang="es-PE" sz="1800" dirty="0">
-                <a:effectLst/>
-                <a:latin typeface="Times New Roman" panose="02020603050405020304" pitchFamily="18" charset="0"/>
-                <a:ea typeface="Arial" panose="020B0604020202020204" pitchFamily="34" charset="0"/>
-              </a:rPr>
-              <a:t>, </a:t>
-            </a:r>
-            <a:r>
-              <a:rPr lang="es-PE" sz="1800" dirty="0" err="1">
-                <a:effectLst/>
-                <a:latin typeface="Times New Roman" panose="02020603050405020304" pitchFamily="18" charset="0"/>
-                <a:ea typeface="Arial" panose="020B0604020202020204" pitchFamily="34" charset="0"/>
-              </a:rPr>
-              <a:t>apellido_personal_ir</a:t>
-            </a:r>
-            <a:r>
-              <a:rPr lang="es-PE" sz="1800" dirty="0">
-                <a:effectLst/>
-                <a:latin typeface="Times New Roman" panose="02020603050405020304" pitchFamily="18" charset="0"/>
-                <a:ea typeface="Arial" panose="020B0604020202020204" pitchFamily="34" charset="0"/>
-              </a:rPr>
-              <a:t>, </a:t>
-            </a:r>
-            <a:r>
-              <a:rPr lang="es-PE" sz="1800" dirty="0" err="1">
-                <a:effectLst/>
-                <a:latin typeface="Times New Roman" panose="02020603050405020304" pitchFamily="18" charset="0"/>
-                <a:ea typeface="Arial" panose="020B0604020202020204" pitchFamily="34" charset="0"/>
-              </a:rPr>
-              <a:t>rol_personal_ir</a:t>
-            </a:r>
-            <a:r>
-              <a:rPr lang="es-PE" sz="1800" dirty="0">
-                <a:effectLst/>
-                <a:latin typeface="Times New Roman" panose="02020603050405020304" pitchFamily="18" charset="0"/>
-                <a:ea typeface="Arial" panose="020B0604020202020204" pitchFamily="34" charset="0"/>
-              </a:rPr>
-              <a:t>, #EQUIPO_ID)</a:t>
-            </a:r>
-            <a:endParaRPr lang="en-GB" sz="1800" dirty="0">
-              <a:effectLst/>
-              <a:latin typeface="Arial" panose="020B0604020202020204" pitchFamily="34" charset="0"/>
-              <a:ea typeface="Arial" panose="020B0604020202020204" pitchFamily="34" charset="0"/>
-            </a:endParaRPr>
-          </a:p>
-          <a:p>
-            <a:pPr marL="0" marR="0">
-              <a:lnSpc>
-                <a:spcPct val="150000"/>
-              </a:lnSpc>
-              <a:spcBef>
-                <a:spcPts val="0"/>
-              </a:spcBef>
-              <a:spcAft>
-                <a:spcPts val="800"/>
-              </a:spcAft>
-            </a:pPr>
-            <a:r>
-              <a:rPr lang="es-PE" sz="1800" b="1" dirty="0">
-                <a:effectLst/>
-                <a:latin typeface="Times New Roman" panose="02020603050405020304" pitchFamily="18" charset="0"/>
-                <a:ea typeface="Arial" panose="020B0604020202020204" pitchFamily="34" charset="0"/>
-              </a:rPr>
-              <a:t>RESPUESTA</a:t>
-            </a:r>
-            <a:r>
-              <a:rPr lang="es-PE" sz="1800" dirty="0">
-                <a:effectLst/>
-                <a:latin typeface="Times New Roman" panose="02020603050405020304" pitchFamily="18" charset="0"/>
-                <a:ea typeface="Arial" panose="020B0604020202020204" pitchFamily="34" charset="0"/>
-              </a:rPr>
-              <a:t>_INCIDENTE (#RESPUESTA_ID, #EQUIPO_ID, #INCIDENTE_ID, #VULNERABILIDAD_ID, </a:t>
-            </a:r>
-            <a:r>
-              <a:rPr lang="es-PE" sz="1800" dirty="0" err="1">
-                <a:effectLst/>
-                <a:latin typeface="Times New Roman" panose="02020603050405020304" pitchFamily="18" charset="0"/>
-                <a:ea typeface="Arial" panose="020B0604020202020204" pitchFamily="34" charset="0"/>
-              </a:rPr>
-              <a:t>medidas_contencion</a:t>
-            </a:r>
-            <a:r>
-              <a:rPr lang="es-PE" sz="1800" dirty="0">
-                <a:effectLst/>
-                <a:latin typeface="Times New Roman" panose="02020603050405020304" pitchFamily="18" charset="0"/>
-                <a:ea typeface="Arial" panose="020B0604020202020204" pitchFamily="34" charset="0"/>
-              </a:rPr>
-              <a:t>, </a:t>
-            </a:r>
-            <a:r>
-              <a:rPr lang="es-PE" sz="1800" dirty="0" err="1">
-                <a:effectLst/>
-                <a:latin typeface="Times New Roman" panose="02020603050405020304" pitchFamily="18" charset="0"/>
-                <a:ea typeface="Arial" panose="020B0604020202020204" pitchFamily="34" charset="0"/>
-              </a:rPr>
-              <a:t>nivel_erradicacion</a:t>
-            </a:r>
-            <a:r>
-              <a:rPr lang="es-PE" sz="1800" dirty="0">
-                <a:effectLst/>
-                <a:latin typeface="Times New Roman" panose="02020603050405020304" pitchFamily="18" charset="0"/>
-                <a:ea typeface="Arial" panose="020B0604020202020204" pitchFamily="34" charset="0"/>
-              </a:rPr>
-              <a:t>)</a:t>
-            </a:r>
-            <a:endParaRPr lang="en-GB" sz="1800" dirty="0">
-              <a:effectLst/>
-              <a:latin typeface="Arial" panose="020B0604020202020204" pitchFamily="34" charset="0"/>
-              <a:ea typeface="Arial" panose="020B0604020202020204" pitchFamily="34" charset="0"/>
-            </a:endParaRPr>
-          </a:p>
-          <a:p>
-            <a:pPr marL="0" marR="0">
-              <a:lnSpc>
-                <a:spcPct val="150000"/>
-              </a:lnSpc>
-              <a:spcBef>
-                <a:spcPts val="0"/>
-              </a:spcBef>
-              <a:spcAft>
-                <a:spcPts val="800"/>
-              </a:spcAft>
-            </a:pPr>
-            <a:r>
-              <a:rPr lang="es-PE" sz="1800" b="1" dirty="0">
-                <a:effectLst/>
-                <a:latin typeface="Times New Roman" panose="02020603050405020304" pitchFamily="18" charset="0"/>
-                <a:ea typeface="Arial" panose="020B0604020202020204" pitchFamily="34" charset="0"/>
-              </a:rPr>
-              <a:t>VULNERABILIDAD</a:t>
-            </a:r>
-            <a:r>
-              <a:rPr lang="es-PE" sz="1800" dirty="0">
-                <a:effectLst/>
-                <a:latin typeface="Times New Roman" panose="02020603050405020304" pitchFamily="18" charset="0"/>
-                <a:ea typeface="Arial" panose="020B0604020202020204" pitchFamily="34" charset="0"/>
-              </a:rPr>
-              <a:t> (#VULNERABILIDAD_ID, </a:t>
-            </a:r>
-            <a:r>
-              <a:rPr lang="es-PE" sz="1800" dirty="0" err="1">
-                <a:effectLst/>
-                <a:latin typeface="Times New Roman" panose="02020603050405020304" pitchFamily="18" charset="0"/>
-                <a:ea typeface="Arial" panose="020B0604020202020204" pitchFamily="34" charset="0"/>
-              </a:rPr>
-              <a:t>nombre_vulnerabilidad</a:t>
-            </a:r>
-            <a:r>
-              <a:rPr lang="es-PE" sz="1800" dirty="0">
-                <a:effectLst/>
-                <a:latin typeface="Times New Roman" panose="02020603050405020304" pitchFamily="18" charset="0"/>
-                <a:ea typeface="Arial" panose="020B0604020202020204" pitchFamily="34" charset="0"/>
-              </a:rPr>
-              <a:t>, </a:t>
-            </a:r>
-            <a:r>
-              <a:rPr lang="es-PE" sz="1800" dirty="0" err="1">
-                <a:effectLst/>
-                <a:latin typeface="Times New Roman" panose="02020603050405020304" pitchFamily="18" charset="0"/>
-                <a:ea typeface="Arial" panose="020B0604020202020204" pitchFamily="34" charset="0"/>
-              </a:rPr>
-              <a:t>descripcion_vulnerabilidad</a:t>
-            </a:r>
-            <a:r>
-              <a:rPr lang="es-PE" sz="1800" dirty="0">
-                <a:effectLst/>
-                <a:latin typeface="Times New Roman" panose="02020603050405020304" pitchFamily="18" charset="0"/>
-                <a:ea typeface="Arial" panose="020B0604020202020204" pitchFamily="34" charset="0"/>
-              </a:rPr>
-              <a:t>)</a:t>
-            </a:r>
-            <a:endParaRPr lang="en-GB" sz="1800" dirty="0">
-              <a:effectLst/>
-              <a:latin typeface="Arial" panose="020B0604020202020204" pitchFamily="34" charset="0"/>
-              <a:ea typeface="Arial" panose="020B0604020202020204" pitchFamily="34" charset="0"/>
-            </a:endParaRPr>
-          </a:p>
-          <a:p>
-            <a:pPr marL="0" marR="0">
-              <a:lnSpc>
-                <a:spcPct val="150000"/>
-              </a:lnSpc>
-              <a:spcBef>
-                <a:spcPts val="0"/>
-              </a:spcBef>
-              <a:spcAft>
-                <a:spcPts val="800"/>
-              </a:spcAft>
-            </a:pPr>
-            <a:r>
-              <a:rPr lang="es-PE" sz="1800" b="1" dirty="0">
-                <a:effectLst/>
-                <a:latin typeface="Times New Roman" panose="02020603050405020304" pitchFamily="18" charset="0"/>
-                <a:ea typeface="Arial" panose="020B0604020202020204" pitchFamily="34" charset="0"/>
-              </a:rPr>
-              <a:t>VULNERABILIDAD_ACTIVO</a:t>
-            </a:r>
-            <a:r>
-              <a:rPr lang="es-PE" sz="1800" dirty="0">
-                <a:effectLst/>
-                <a:latin typeface="Times New Roman" panose="02020603050405020304" pitchFamily="18" charset="0"/>
-                <a:ea typeface="Arial" panose="020B0604020202020204" pitchFamily="34" charset="0"/>
-              </a:rPr>
-              <a:t> (#VULNERABILIDAD_ID, #ACTIVO_ID, </a:t>
-            </a:r>
-            <a:r>
-              <a:rPr lang="es-PE" sz="1800" dirty="0" err="1">
-                <a:effectLst/>
-                <a:latin typeface="Times New Roman" panose="02020603050405020304" pitchFamily="18" charset="0"/>
-                <a:ea typeface="Arial" panose="020B0604020202020204" pitchFamily="34" charset="0"/>
-              </a:rPr>
-              <a:t>datos_comprometidos</a:t>
-            </a:r>
-            <a:r>
-              <a:rPr lang="es-PE" sz="1800" dirty="0">
-                <a:effectLst/>
-                <a:latin typeface="Times New Roman" panose="02020603050405020304" pitchFamily="18" charset="0"/>
-                <a:ea typeface="Arial" panose="020B0604020202020204" pitchFamily="34" charset="0"/>
-              </a:rPr>
-              <a:t>)</a:t>
-            </a:r>
-            <a:endParaRPr lang="en-GB" sz="1800" dirty="0">
-              <a:effectLst/>
-              <a:latin typeface="Arial" panose="020B0604020202020204" pitchFamily="34" charset="0"/>
-              <a:ea typeface="Arial" panose="020B0604020202020204" pitchFamily="34" charset="0"/>
-            </a:endParaRPr>
-          </a:p>
-        </p:txBody>
-      </p:sp>
-    </p:spTree>
-    <p:extLst>
-      <p:ext uri="{BB962C8B-B14F-4D97-AF65-F5344CB8AC3E}">
-        <p14:creationId xmlns:p14="http://schemas.microsoft.com/office/powerpoint/2010/main" val="2261507734"/>
-      </p:ext>
-    </p:extLst>
-  </p:cSld>
-  <p:clrMapOvr>
-    <a:masterClrMapping/>
-  </p:clrMapOvr>
-</p:sld>
-</file>
-
-<file path=ppt/slides/slide8.xml><?xml version="1.0" encoding="utf-8"?>
-<p:sld xmlns:a="http://schemas.openxmlformats.org/drawingml/2006/main" xmlns:r="http://schemas.openxmlformats.org/officeDocument/2006/relationships" xmlns:p="http://schemas.openxmlformats.org/presentationml/2006/main">
-  <p:cSld>
-    <p:spTree>
-      <p:nvGrpSpPr>
-        <p:cNvPr id="1" name="Shape 463"/>
-        <p:cNvGrpSpPr/>
-        <p:nvPr/>
-      </p:nvGrpSpPr>
-      <p:grpSpPr>
-        <a:xfrm>
-          <a:off x="0" y="0"/>
-          <a:ext cx="0" cy="0"/>
-          <a:chOff x="0" y="0"/>
-          <a:chExt cx="0" cy="0"/>
-        </a:xfrm>
-      </p:grpSpPr>
-      <p:pic>
-        <p:nvPicPr>
-          <p:cNvPr id="4" name="Picture 3">
-            <a:extLst>
-              <a:ext uri="{FF2B5EF4-FFF2-40B4-BE49-F238E27FC236}">
-                <a16:creationId xmlns:a16="http://schemas.microsoft.com/office/drawing/2014/main" id="{F865FFA1-CF65-47B7-8C08-BFD3DD8BDEA5}"/>
-              </a:ext>
-            </a:extLst>
-          </p:cNvPr>
-          <p:cNvPicPr/>
-          <p:nvPr/>
-        </p:nvPicPr>
-        <p:blipFill>
-          <a:blip r:embed="rId3" cstate="print">
-            <a:extLst>
-              <a:ext uri="{28A0092B-C50C-407E-A947-70E740481C1C}">
-                <a14:useLocalDpi xmlns:a14="http://schemas.microsoft.com/office/drawing/2010/main" val="0"/>
-              </a:ext>
-            </a:extLst>
-          </a:blip>
-          <a:srcRect/>
-          <a:stretch>
-            <a:fillRect/>
-          </a:stretch>
-        </p:blipFill>
-        <p:spPr bwMode="auto">
-          <a:xfrm>
-            <a:off x="2344827" y="302719"/>
-            <a:ext cx="7049543" cy="6252561"/>
-          </a:xfrm>
-          <a:prstGeom prst="rect">
-            <a:avLst/>
-          </a:prstGeom>
-          <a:noFill/>
-          <a:ln>
-            <a:noFill/>
-          </a:ln>
-        </p:spPr>
-      </p:pic>
-    </p:spTree>
-    <p:extLst>
-      <p:ext uri="{BB962C8B-B14F-4D97-AF65-F5344CB8AC3E}">
-        <p14:creationId xmlns:p14="http://schemas.microsoft.com/office/powerpoint/2010/main" val="3983685227"/>
-      </p:ext>
-    </p:extLst>
-  </p:cSld>
-  <p:clrMapOvr>
-    <a:masterClrMapping/>
-  </p:clrMapOvr>
-</p:sld>
-</file>
-
-<file path=ppt/slides/slide9.xml><?xml version="1.0" encoding="utf-8"?>
+<file path=ppt/slides/slide10.xml><?xml version="1.0" encoding="utf-8"?>
 <p:sld xmlns:a="http://schemas.openxmlformats.org/drawingml/2006/main" xmlns:r="http://schemas.openxmlformats.org/officeDocument/2006/relationships" xmlns:p="http://schemas.openxmlformats.org/presentationml/2006/main">
   <p:cSld>
     <p:spTree>
@@ -18102,6 +15629,3808 @@
     <p:extLst>
       <p:ext uri="{BB962C8B-B14F-4D97-AF65-F5344CB8AC3E}">
         <p14:creationId xmlns:p14="http://schemas.microsoft.com/office/powerpoint/2010/main" val="3309163419"/>
+      </p:ext>
+    </p:extLst>
+  </p:cSld>
+  <p:clrMapOvr>
+    <a:masterClrMapping/>
+  </p:clrMapOvr>
+</p:sld>
+</file>
+
+<file path=ppt/slides/slide2.xml><?xml version="1.0" encoding="utf-8"?>
+<p:sld xmlns:a="http://schemas.openxmlformats.org/drawingml/2006/main" xmlns:r="http://schemas.openxmlformats.org/officeDocument/2006/relationships" xmlns:p="http://schemas.openxmlformats.org/presentationml/2006/main">
+  <p:cSld>
+    <p:spTree>
+      <p:nvGrpSpPr>
+        <p:cNvPr id="1" name=""/>
+        <p:cNvGrpSpPr/>
+        <p:nvPr/>
+      </p:nvGrpSpPr>
+      <p:grpSpPr>
+        <a:xfrm>
+          <a:off x="0" y="0"/>
+          <a:ext cx="0" cy="0"/>
+          <a:chOff x="0" y="0"/>
+          <a:chExt cx="0" cy="0"/>
+        </a:xfrm>
+      </p:grpSpPr>
+      <p:sp>
+        <p:nvSpPr>
+          <p:cNvPr id="2" name="Title 1">
+            <a:extLst>
+              <a:ext uri="{FF2B5EF4-FFF2-40B4-BE49-F238E27FC236}">
+                <a16:creationId xmlns:a16="http://schemas.microsoft.com/office/drawing/2014/main" id="{B5450753-8BA5-4FF6-89EC-FADF7004D982}"/>
+              </a:ext>
+            </a:extLst>
+          </p:cNvPr>
+          <p:cNvSpPr>
+            <a:spLocks noGrp="1"/>
+          </p:cNvSpPr>
+          <p:nvPr>
+            <p:ph type="title"/>
+          </p:nvPr>
+        </p:nvSpPr>
+        <p:spPr>
+          <a:xfrm>
+            <a:off x="639875" y="438958"/>
+            <a:ext cx="8057812" cy="929114"/>
+          </a:xfrm>
+        </p:spPr>
+        <p:txBody>
+          <a:bodyPr/>
+          <a:lstStyle/>
+          <a:p>
+            <a:r>
+              <a:rPr lang="es-ES" sz="3200" dirty="0"/>
+              <a:t>DESCRIPCIÓN DE LA EMPRESA</a:t>
+            </a:r>
+            <a:endParaRPr lang="en-GB" sz="3200" dirty="0"/>
+          </a:p>
+        </p:txBody>
+      </p:sp>
+      <p:sp>
+        <p:nvSpPr>
+          <p:cNvPr id="3" name="Subtitle 2">
+            <a:extLst>
+              <a:ext uri="{FF2B5EF4-FFF2-40B4-BE49-F238E27FC236}">
+                <a16:creationId xmlns:a16="http://schemas.microsoft.com/office/drawing/2014/main" id="{AF21E1D4-6076-4097-BD6B-FF846F537A84}"/>
+              </a:ext>
+            </a:extLst>
+          </p:cNvPr>
+          <p:cNvSpPr>
+            <a:spLocks noGrp="1"/>
+          </p:cNvSpPr>
+          <p:nvPr>
+            <p:ph type="subTitle" idx="1"/>
+          </p:nvPr>
+        </p:nvSpPr>
+        <p:spPr>
+          <a:xfrm>
+            <a:off x="291531" y="1524574"/>
+            <a:ext cx="6446725" cy="4429911"/>
+          </a:xfrm>
+        </p:spPr>
+        <p:txBody>
+          <a:bodyPr/>
+          <a:lstStyle/>
+          <a:p>
+            <a:r>
+              <a:rPr lang="es-ES" dirty="0"/>
+              <a:t>	DigiTech es un centro de formación profesional especializado en la enseñanza de informática.</a:t>
+            </a:r>
+          </a:p>
+          <a:p>
+            <a:endParaRPr lang="es-ES" dirty="0"/>
+          </a:p>
+          <a:p>
+            <a:r>
+              <a:rPr lang="es-ES" dirty="0"/>
+              <a:t> 	Ofrece cursos orientados a perfiles técnicos cuya misión es proporcionar a los estudiantes una educación de alta calidad en tecnologías de la información, preparando a futuros profesionales para enfrentar los desafíos del sector tecnológico.</a:t>
+            </a:r>
+          </a:p>
+        </p:txBody>
+      </p:sp>
+      <p:pic>
+        <p:nvPicPr>
+          <p:cNvPr id="1032" name="Picture 8" descr="FP Online de DIGITECH: la especialización en tecnología">
+            <a:extLst>
+              <a:ext uri="{FF2B5EF4-FFF2-40B4-BE49-F238E27FC236}">
+                <a16:creationId xmlns:a16="http://schemas.microsoft.com/office/drawing/2014/main" id="{D827CD52-FE8A-4FFC-9874-4EEDD0018D32}"/>
+              </a:ext>
+            </a:extLst>
+          </p:cNvPr>
+          <p:cNvPicPr>
+            <a:picLocks noChangeAspect="1" noChangeArrowheads="1"/>
+          </p:cNvPicPr>
+          <p:nvPr/>
+        </p:nvPicPr>
+        <p:blipFill>
+          <a:blip r:embed="rId2">
+            <a:extLst>
+              <a:ext uri="{28A0092B-C50C-407E-A947-70E740481C1C}">
+                <a14:useLocalDpi xmlns:a14="http://schemas.microsoft.com/office/drawing/2010/main" val="0"/>
+              </a:ext>
+            </a:extLst>
+          </a:blip>
+          <a:srcRect/>
+          <a:stretch>
+            <a:fillRect/>
+          </a:stretch>
+        </p:blipFill>
+        <p:spPr bwMode="auto">
+          <a:xfrm>
+            <a:off x="7108372" y="1736271"/>
+            <a:ext cx="4553448" cy="3037114"/>
+          </a:xfrm>
+          <a:prstGeom prst="rect">
+            <a:avLst/>
+          </a:prstGeom>
+          <a:noFill/>
+          <a:extLst>
+            <a:ext uri="{909E8E84-426E-40DD-AFC4-6F175D3DCCD1}">
+              <a14:hiddenFill xmlns:a14="http://schemas.microsoft.com/office/drawing/2010/main">
+                <a:solidFill>
+                  <a:srgbClr val="FFFFFF"/>
+                </a:solidFill>
+              </a14:hiddenFill>
+            </a:ext>
+          </a:extLst>
+        </p:spPr>
+      </p:pic>
+    </p:spTree>
+    <p:extLst>
+      <p:ext uri="{BB962C8B-B14F-4D97-AF65-F5344CB8AC3E}">
+        <p14:creationId xmlns:p14="http://schemas.microsoft.com/office/powerpoint/2010/main" val="3290569290"/>
+      </p:ext>
+    </p:extLst>
+  </p:cSld>
+  <p:clrMapOvr>
+    <a:masterClrMapping/>
+  </p:clrMapOvr>
+</p:sld>
+</file>
+
+<file path=ppt/slides/slide3.xml><?xml version="1.0" encoding="utf-8"?>
+<p:sld xmlns:a="http://schemas.openxmlformats.org/drawingml/2006/main" xmlns:r="http://schemas.openxmlformats.org/officeDocument/2006/relationships" xmlns:p="http://schemas.openxmlformats.org/presentationml/2006/main">
+  <p:cSld>
+    <p:spTree>
+      <p:nvGrpSpPr>
+        <p:cNvPr id="1" name="Shape 423"/>
+        <p:cNvGrpSpPr/>
+        <p:nvPr/>
+      </p:nvGrpSpPr>
+      <p:grpSpPr>
+        <a:xfrm>
+          <a:off x="0" y="0"/>
+          <a:ext cx="0" cy="0"/>
+          <a:chOff x="0" y="0"/>
+          <a:chExt cx="0" cy="0"/>
+        </a:xfrm>
+      </p:grpSpPr>
+      <p:sp>
+        <p:nvSpPr>
+          <p:cNvPr id="424" name="Google Shape;424;p27"/>
+          <p:cNvSpPr txBox="1">
+            <a:spLocks noGrp="1"/>
+          </p:cNvSpPr>
+          <p:nvPr>
+            <p:ph type="title"/>
+          </p:nvPr>
+        </p:nvSpPr>
+        <p:spPr>
+          <a:xfrm>
+            <a:off x="994425" y="361575"/>
+            <a:ext cx="10110300" cy="763500"/>
+          </a:xfrm>
+          <a:prstGeom prst="rect">
+            <a:avLst/>
+          </a:prstGeom>
+        </p:spPr>
+        <p:txBody>
+          <a:bodyPr spcFirstLastPara="1" wrap="square" lIns="121900" tIns="121900" rIns="121900" bIns="121900" anchor="t" anchorCtr="0">
+            <a:noAutofit/>
+          </a:bodyPr>
+          <a:lstStyle/>
+          <a:p>
+            <a:pPr marL="0" lvl="0" indent="0" algn="l" rtl="0">
+              <a:spcBef>
+                <a:spcPts val="0"/>
+              </a:spcBef>
+              <a:spcAft>
+                <a:spcPts val="0"/>
+              </a:spcAft>
+              <a:buNone/>
+            </a:pPr>
+            <a:r>
+              <a:rPr lang="en" dirty="0"/>
+              <a:t>PROBLEMA</a:t>
+            </a:r>
+            <a:endParaRPr sz="6000" dirty="0">
+              <a:solidFill>
+                <a:schemeClr val="accent1"/>
+              </a:solidFill>
+            </a:endParaRPr>
+          </a:p>
+        </p:txBody>
+      </p:sp>
+      <p:sp>
+        <p:nvSpPr>
+          <p:cNvPr id="425" name="Google Shape;425;p27"/>
+          <p:cNvSpPr txBox="1">
+            <a:spLocks noGrp="1"/>
+          </p:cNvSpPr>
+          <p:nvPr>
+            <p:ph type="body" idx="2"/>
+          </p:nvPr>
+        </p:nvSpPr>
+        <p:spPr>
+          <a:xfrm>
+            <a:off x="1128142" y="1868695"/>
+            <a:ext cx="4653468" cy="3864725"/>
+          </a:xfrm>
+          <a:prstGeom prst="rect">
+            <a:avLst/>
+          </a:prstGeom>
+        </p:spPr>
+        <p:txBody>
+          <a:bodyPr spcFirstLastPara="1" wrap="square" lIns="121900" tIns="121900" rIns="121900" bIns="121900" anchor="t" anchorCtr="0">
+            <a:noAutofit/>
+          </a:bodyPr>
+          <a:lstStyle/>
+          <a:p>
+            <a:pPr marL="0" lvl="0" indent="0" rtl="0">
+              <a:spcBef>
+                <a:spcPts val="0"/>
+              </a:spcBef>
+              <a:spcAft>
+                <a:spcPts val="0"/>
+              </a:spcAft>
+              <a:buNone/>
+            </a:pPr>
+            <a:r>
+              <a:rPr lang="es-ES" sz="2000" dirty="0"/>
+              <a:t>DigiTech carece de un sistema centralizado para gestionar y responder eficientemente a los incidentes de seguridad informática. Esto pone en riesgo la confidencialidad, integridad y disponibilidad de información crítica.</a:t>
+            </a:r>
+          </a:p>
+        </p:txBody>
+      </p:sp>
+      <p:sp>
+        <p:nvSpPr>
+          <p:cNvPr id="426" name="Google Shape;426;p27"/>
+          <p:cNvSpPr txBox="1">
+            <a:spLocks noGrp="1"/>
+          </p:cNvSpPr>
+          <p:nvPr>
+            <p:ph type="body" idx="1"/>
+          </p:nvPr>
+        </p:nvSpPr>
+        <p:spPr>
+          <a:xfrm>
+            <a:off x="6638411" y="1868695"/>
+            <a:ext cx="4425447" cy="3590100"/>
+          </a:xfrm>
+          <a:prstGeom prst="rect">
+            <a:avLst/>
+          </a:prstGeom>
+        </p:spPr>
+        <p:txBody>
+          <a:bodyPr spcFirstLastPara="1" wrap="square" lIns="121900" tIns="121900" rIns="121900" bIns="121900" anchor="t" anchorCtr="0">
+            <a:noAutofit/>
+          </a:bodyPr>
+          <a:lstStyle/>
+          <a:p>
+            <a:pPr marL="0" lvl="0" indent="0" rtl="0">
+              <a:spcBef>
+                <a:spcPts val="0"/>
+              </a:spcBef>
+              <a:spcAft>
+                <a:spcPts val="0"/>
+              </a:spcAft>
+              <a:buNone/>
+            </a:pPr>
+            <a:r>
+              <a:rPr lang="es-ES" sz="2000" dirty="0"/>
+              <a:t>La institución maneja grandes volúmenes de datos personales y académicos, lo que subraya la necesidad urgente de proteger esta información.</a:t>
+            </a:r>
+            <a:endParaRPr lang="en-GB" sz="2000" dirty="0"/>
+          </a:p>
+        </p:txBody>
+      </p:sp>
+      <p:pic>
+        <p:nvPicPr>
+          <p:cNvPr id="1030" name="Picture 6" descr="Cyber attack - Free computer icons">
+            <a:extLst>
+              <a:ext uri="{FF2B5EF4-FFF2-40B4-BE49-F238E27FC236}">
+                <a16:creationId xmlns:a16="http://schemas.microsoft.com/office/drawing/2014/main" id="{6501BD77-3EBA-44EC-877A-7C5BF5811308}"/>
+              </a:ext>
+            </a:extLst>
+          </p:cNvPr>
+          <p:cNvPicPr>
+            <a:picLocks noChangeAspect="1" noChangeArrowheads="1"/>
+          </p:cNvPicPr>
+          <p:nvPr/>
+        </p:nvPicPr>
+        <p:blipFill>
+          <a:blip r:embed="rId3">
+            <a:extLst>
+              <a:ext uri="{28A0092B-C50C-407E-A947-70E740481C1C}">
+                <a14:useLocalDpi xmlns:a14="http://schemas.microsoft.com/office/drawing/2010/main" val="0"/>
+              </a:ext>
+            </a:extLst>
+          </a:blip>
+          <a:srcRect/>
+          <a:stretch>
+            <a:fillRect/>
+          </a:stretch>
+        </p:blipFill>
+        <p:spPr bwMode="auto">
+          <a:xfrm>
+            <a:off x="7903029" y="4299858"/>
+            <a:ext cx="1591128" cy="1591128"/>
+          </a:xfrm>
+          <a:prstGeom prst="rect">
+            <a:avLst/>
+          </a:prstGeom>
+          <a:noFill/>
+          <a:extLst>
+            <a:ext uri="{909E8E84-426E-40DD-AFC4-6F175D3DCCD1}">
+              <a14:hiddenFill xmlns:a14="http://schemas.microsoft.com/office/drawing/2010/main">
+                <a:solidFill>
+                  <a:srgbClr val="FFFFFF"/>
+                </a:solidFill>
+              </a14:hiddenFill>
+            </a:ext>
+          </a:extLst>
+        </p:spPr>
+      </p:pic>
+    </p:spTree>
+  </p:cSld>
+  <p:clrMapOvr>
+    <a:masterClrMapping/>
+  </p:clrMapOvr>
+</p:sld>
+</file>
+
+<file path=ppt/slides/slide4.xml><?xml version="1.0" encoding="utf-8"?>
+<p:sld xmlns:a="http://schemas.openxmlformats.org/drawingml/2006/main" xmlns:r="http://schemas.openxmlformats.org/officeDocument/2006/relationships" xmlns:p="http://schemas.openxmlformats.org/presentationml/2006/main">
+  <p:cSld>
+    <p:spTree>
+      <p:nvGrpSpPr>
+        <p:cNvPr id="1" name="Shape 423"/>
+        <p:cNvGrpSpPr/>
+        <p:nvPr/>
+      </p:nvGrpSpPr>
+      <p:grpSpPr>
+        <a:xfrm>
+          <a:off x="0" y="0"/>
+          <a:ext cx="0" cy="0"/>
+          <a:chOff x="0" y="0"/>
+          <a:chExt cx="0" cy="0"/>
+        </a:xfrm>
+      </p:grpSpPr>
+      <p:sp>
+        <p:nvSpPr>
+          <p:cNvPr id="424" name="Google Shape;424;p27"/>
+          <p:cNvSpPr txBox="1">
+            <a:spLocks noGrp="1"/>
+          </p:cNvSpPr>
+          <p:nvPr>
+            <p:ph type="title"/>
+          </p:nvPr>
+        </p:nvSpPr>
+        <p:spPr>
+          <a:xfrm>
+            <a:off x="994425" y="361575"/>
+            <a:ext cx="3163918" cy="763500"/>
+          </a:xfrm>
+          <a:prstGeom prst="rect">
+            <a:avLst/>
+          </a:prstGeom>
+        </p:spPr>
+        <p:txBody>
+          <a:bodyPr spcFirstLastPara="1" wrap="square" lIns="121900" tIns="121900" rIns="121900" bIns="121900" anchor="t" anchorCtr="0">
+            <a:noAutofit/>
+          </a:bodyPr>
+          <a:lstStyle/>
+          <a:p>
+            <a:pPr marL="0" lvl="0" indent="0" algn="l" rtl="0">
+              <a:spcBef>
+                <a:spcPts val="0"/>
+              </a:spcBef>
+              <a:spcAft>
+                <a:spcPts val="0"/>
+              </a:spcAft>
+              <a:buNone/>
+            </a:pPr>
+            <a:r>
+              <a:rPr lang="en" dirty="0"/>
+              <a:t>SOLUCI</a:t>
+            </a:r>
+            <a:r>
+              <a:rPr lang="en-US" dirty="0"/>
+              <a:t>ÓN</a:t>
+            </a:r>
+            <a:endParaRPr sz="6000" dirty="0">
+              <a:solidFill>
+                <a:schemeClr val="accent1"/>
+              </a:solidFill>
+            </a:endParaRPr>
+          </a:p>
+        </p:txBody>
+      </p:sp>
+      <p:sp>
+        <p:nvSpPr>
+          <p:cNvPr id="425" name="Google Shape;425;p27"/>
+          <p:cNvSpPr txBox="1">
+            <a:spLocks noGrp="1"/>
+          </p:cNvSpPr>
+          <p:nvPr>
+            <p:ph type="body" idx="2"/>
+          </p:nvPr>
+        </p:nvSpPr>
+        <p:spPr>
+          <a:xfrm>
+            <a:off x="1128142" y="1868695"/>
+            <a:ext cx="4653468" cy="3864725"/>
+          </a:xfrm>
+          <a:prstGeom prst="rect">
+            <a:avLst/>
+          </a:prstGeom>
+        </p:spPr>
+        <p:txBody>
+          <a:bodyPr spcFirstLastPara="1" wrap="square" lIns="121900" tIns="121900" rIns="121900" bIns="121900" anchor="t" anchorCtr="0">
+            <a:noAutofit/>
+          </a:bodyPr>
+          <a:lstStyle/>
+          <a:p>
+            <a:pPr marL="0" lvl="0" indent="0" rtl="0">
+              <a:spcBef>
+                <a:spcPts val="0"/>
+              </a:spcBef>
+              <a:spcAft>
+                <a:spcPts val="0"/>
+              </a:spcAft>
+              <a:buNone/>
+            </a:pPr>
+            <a:r>
+              <a:rPr lang="es-ES" sz="2000" dirty="0"/>
+              <a:t>La implementación de una base de datos para un sistema de respuesta a incidentes de seguridad informática se presenta como una solución esencial.</a:t>
+            </a:r>
+          </a:p>
+        </p:txBody>
+      </p:sp>
+      <p:sp>
+        <p:nvSpPr>
+          <p:cNvPr id="426" name="Google Shape;426;p27"/>
+          <p:cNvSpPr txBox="1">
+            <a:spLocks noGrp="1"/>
+          </p:cNvSpPr>
+          <p:nvPr>
+            <p:ph type="body" idx="1"/>
+          </p:nvPr>
+        </p:nvSpPr>
+        <p:spPr>
+          <a:xfrm>
+            <a:off x="6638411" y="1868695"/>
+            <a:ext cx="4425447" cy="3590100"/>
+          </a:xfrm>
+          <a:prstGeom prst="rect">
+            <a:avLst/>
+          </a:prstGeom>
+        </p:spPr>
+        <p:txBody>
+          <a:bodyPr spcFirstLastPara="1" wrap="square" lIns="121900" tIns="121900" rIns="121900" bIns="121900" anchor="t" anchorCtr="0">
+            <a:noAutofit/>
+          </a:bodyPr>
+          <a:lstStyle/>
+          <a:p>
+            <a:pPr marL="0" lvl="0" indent="0" rtl="0">
+              <a:spcBef>
+                <a:spcPts val="0"/>
+              </a:spcBef>
+              <a:spcAft>
+                <a:spcPts val="0"/>
+              </a:spcAft>
+              <a:buNone/>
+            </a:pPr>
+            <a:r>
+              <a:rPr lang="es-ES" sz="2000" dirty="0"/>
+              <a:t>La base de datos está diseñada para gestionar y monitorear incidentes de seguridad informática, proporcionando un registro detallado de </a:t>
+            </a:r>
+            <a:r>
+              <a:rPr lang="es-ES" sz="2000" b="1" dirty="0"/>
+              <a:t>incidentes, los activos afectados, las vulnerabilidades explotadas, las respuestas implementadas y el personal involucrado. </a:t>
+            </a:r>
+            <a:endParaRPr lang="en-GB" sz="2000" b="1" dirty="0"/>
+          </a:p>
+        </p:txBody>
+      </p:sp>
+      <p:pic>
+        <p:nvPicPr>
+          <p:cNvPr id="1030" name="Picture 6" descr="Cyber attack - Free computer icons">
+            <a:extLst>
+              <a:ext uri="{FF2B5EF4-FFF2-40B4-BE49-F238E27FC236}">
+                <a16:creationId xmlns:a16="http://schemas.microsoft.com/office/drawing/2014/main" id="{6501BD77-3EBA-44EC-877A-7C5BF5811308}"/>
+              </a:ext>
+            </a:extLst>
+          </p:cNvPr>
+          <p:cNvPicPr>
+            <a:picLocks noChangeAspect="1" noChangeArrowheads="1"/>
+          </p:cNvPicPr>
+          <p:nvPr/>
+        </p:nvPicPr>
+        <p:blipFill>
+          <a:blip r:embed="rId3">
+            <a:extLst>
+              <a:ext uri="{28A0092B-C50C-407E-A947-70E740481C1C}">
+                <a14:useLocalDpi xmlns:a14="http://schemas.microsoft.com/office/drawing/2010/main" val="0"/>
+              </a:ext>
+            </a:extLst>
+          </a:blip>
+          <a:srcRect/>
+          <a:stretch>
+            <a:fillRect/>
+          </a:stretch>
+        </p:blipFill>
+        <p:spPr bwMode="auto">
+          <a:xfrm>
+            <a:off x="2340429" y="4321629"/>
+            <a:ext cx="1591128" cy="1591128"/>
+          </a:xfrm>
+          <a:prstGeom prst="rect">
+            <a:avLst/>
+          </a:prstGeom>
+          <a:noFill/>
+          <a:extLst>
+            <a:ext uri="{909E8E84-426E-40DD-AFC4-6F175D3DCCD1}">
+              <a14:hiddenFill xmlns:a14="http://schemas.microsoft.com/office/drawing/2010/main">
+                <a:solidFill>
+                  <a:srgbClr val="FFFFFF"/>
+                </a:solidFill>
+              </a14:hiddenFill>
+            </a:ext>
+          </a:extLst>
+        </p:spPr>
+      </p:pic>
+      <p:sp>
+        <p:nvSpPr>
+          <p:cNvPr id="6" name="Google Shape;424;p27">
+            <a:extLst>
+              <a:ext uri="{FF2B5EF4-FFF2-40B4-BE49-F238E27FC236}">
+                <a16:creationId xmlns:a16="http://schemas.microsoft.com/office/drawing/2014/main" id="{4BC70685-4967-4D91-A155-BF14360C4156}"/>
+              </a:ext>
+            </a:extLst>
+          </p:cNvPr>
+          <p:cNvSpPr txBox="1">
+            <a:spLocks/>
+          </p:cNvSpPr>
+          <p:nvPr/>
+        </p:nvSpPr>
+        <p:spPr>
+          <a:xfrm>
+            <a:off x="5921970" y="353036"/>
+            <a:ext cx="5858328" cy="763500"/>
+          </a:xfrm>
+          <a:prstGeom prst="rect">
+            <a:avLst/>
+          </a:prstGeom>
+          <a:noFill/>
+          <a:ln>
+            <a:noFill/>
+          </a:ln>
+        </p:spPr>
+        <p:txBody>
+          <a:bodyPr spcFirstLastPara="1" wrap="square" lIns="121900" tIns="121900" rIns="121900" bIns="121900" anchor="t" anchorCtr="0">
+            <a:noAutofit/>
+          </a:bodyPr>
+          <a:lstStyle>
+            <a:defPPr marR="0" lvl="0" algn="l" rtl="0">
+              <a:lnSpc>
+                <a:spcPct val="100000"/>
+              </a:lnSpc>
+              <a:spcBef>
+                <a:spcPts val="0"/>
+              </a:spcBef>
+              <a:spcAft>
+                <a:spcPts val="0"/>
+              </a:spcAft>
+            </a:defPPr>
+            <a:lvl1pPr marL="0" marR="0" lvl="0" indent="0" algn="l" rtl="0">
+              <a:lnSpc>
+                <a:spcPct val="100000"/>
+              </a:lnSpc>
+              <a:spcBef>
+                <a:spcPts val="0"/>
+              </a:spcBef>
+              <a:spcAft>
+                <a:spcPts val="0"/>
+              </a:spcAft>
+              <a:buClr>
+                <a:schemeClr val="dk1"/>
+              </a:buClr>
+              <a:buSzPts val="4000"/>
+              <a:buFont typeface="Aldrich"/>
+              <a:buNone/>
+              <a:defRPr sz="4000" b="1" i="0" u="none" strike="noStrike" cap="none">
+                <a:solidFill>
+                  <a:schemeClr val="dk1"/>
+                </a:solidFill>
+                <a:latin typeface="Roboto"/>
+                <a:ea typeface="Roboto"/>
+                <a:cs typeface="Roboto"/>
+                <a:sym typeface="Roboto"/>
+              </a:defRPr>
+            </a:lvl1pPr>
+            <a:lvl2pPr marR="0" lvl="1" algn="l" rtl="0">
+              <a:lnSpc>
+                <a:spcPct val="80000"/>
+              </a:lnSpc>
+              <a:spcBef>
+                <a:spcPts val="0"/>
+              </a:spcBef>
+              <a:spcAft>
+                <a:spcPts val="0"/>
+              </a:spcAft>
+              <a:buClr>
+                <a:schemeClr val="dk1"/>
+              </a:buClr>
+              <a:buSzPts val="4000"/>
+              <a:buFont typeface="Abril Fatface"/>
+              <a:buNone/>
+              <a:defRPr sz="4000" b="1" i="0" u="none" strike="noStrike" cap="none">
+                <a:solidFill>
+                  <a:schemeClr val="dk1"/>
+                </a:solidFill>
+                <a:latin typeface="Abril Fatface"/>
+                <a:ea typeface="Abril Fatface"/>
+                <a:cs typeface="Abril Fatface"/>
+                <a:sym typeface="Abril Fatface"/>
+              </a:defRPr>
+            </a:lvl2pPr>
+            <a:lvl3pPr marR="0" lvl="2" algn="l" rtl="0">
+              <a:lnSpc>
+                <a:spcPct val="80000"/>
+              </a:lnSpc>
+              <a:spcBef>
+                <a:spcPts val="0"/>
+              </a:spcBef>
+              <a:spcAft>
+                <a:spcPts val="0"/>
+              </a:spcAft>
+              <a:buClr>
+                <a:schemeClr val="dk1"/>
+              </a:buClr>
+              <a:buSzPts val="4000"/>
+              <a:buFont typeface="Abril Fatface"/>
+              <a:buNone/>
+              <a:defRPr sz="4000" b="1" i="0" u="none" strike="noStrike" cap="none">
+                <a:solidFill>
+                  <a:schemeClr val="dk1"/>
+                </a:solidFill>
+                <a:latin typeface="Abril Fatface"/>
+                <a:ea typeface="Abril Fatface"/>
+                <a:cs typeface="Abril Fatface"/>
+                <a:sym typeface="Abril Fatface"/>
+              </a:defRPr>
+            </a:lvl3pPr>
+            <a:lvl4pPr marR="0" lvl="3" algn="l" rtl="0">
+              <a:lnSpc>
+                <a:spcPct val="80000"/>
+              </a:lnSpc>
+              <a:spcBef>
+                <a:spcPts val="0"/>
+              </a:spcBef>
+              <a:spcAft>
+                <a:spcPts val="0"/>
+              </a:spcAft>
+              <a:buClr>
+                <a:schemeClr val="dk1"/>
+              </a:buClr>
+              <a:buSzPts val="4000"/>
+              <a:buFont typeface="Abril Fatface"/>
+              <a:buNone/>
+              <a:defRPr sz="4000" b="1" i="0" u="none" strike="noStrike" cap="none">
+                <a:solidFill>
+                  <a:schemeClr val="dk1"/>
+                </a:solidFill>
+                <a:latin typeface="Abril Fatface"/>
+                <a:ea typeface="Abril Fatface"/>
+                <a:cs typeface="Abril Fatface"/>
+                <a:sym typeface="Abril Fatface"/>
+              </a:defRPr>
+            </a:lvl4pPr>
+            <a:lvl5pPr marR="0" lvl="4" algn="l" rtl="0">
+              <a:lnSpc>
+                <a:spcPct val="80000"/>
+              </a:lnSpc>
+              <a:spcBef>
+                <a:spcPts val="0"/>
+              </a:spcBef>
+              <a:spcAft>
+                <a:spcPts val="0"/>
+              </a:spcAft>
+              <a:buClr>
+                <a:schemeClr val="dk1"/>
+              </a:buClr>
+              <a:buSzPts val="4000"/>
+              <a:buFont typeface="Abril Fatface"/>
+              <a:buNone/>
+              <a:defRPr sz="4000" b="1" i="0" u="none" strike="noStrike" cap="none">
+                <a:solidFill>
+                  <a:schemeClr val="dk1"/>
+                </a:solidFill>
+                <a:latin typeface="Abril Fatface"/>
+                <a:ea typeface="Abril Fatface"/>
+                <a:cs typeface="Abril Fatface"/>
+                <a:sym typeface="Abril Fatface"/>
+              </a:defRPr>
+            </a:lvl5pPr>
+            <a:lvl6pPr marR="0" lvl="5" algn="l" rtl="0">
+              <a:lnSpc>
+                <a:spcPct val="80000"/>
+              </a:lnSpc>
+              <a:spcBef>
+                <a:spcPts val="0"/>
+              </a:spcBef>
+              <a:spcAft>
+                <a:spcPts val="0"/>
+              </a:spcAft>
+              <a:buClr>
+                <a:schemeClr val="dk1"/>
+              </a:buClr>
+              <a:buSzPts val="4000"/>
+              <a:buFont typeface="Abril Fatface"/>
+              <a:buNone/>
+              <a:defRPr sz="4000" b="1" i="0" u="none" strike="noStrike" cap="none">
+                <a:solidFill>
+                  <a:schemeClr val="dk1"/>
+                </a:solidFill>
+                <a:latin typeface="Abril Fatface"/>
+                <a:ea typeface="Abril Fatface"/>
+                <a:cs typeface="Abril Fatface"/>
+                <a:sym typeface="Abril Fatface"/>
+              </a:defRPr>
+            </a:lvl6pPr>
+            <a:lvl7pPr marR="0" lvl="6" algn="l" rtl="0">
+              <a:lnSpc>
+                <a:spcPct val="80000"/>
+              </a:lnSpc>
+              <a:spcBef>
+                <a:spcPts val="0"/>
+              </a:spcBef>
+              <a:spcAft>
+                <a:spcPts val="0"/>
+              </a:spcAft>
+              <a:buClr>
+                <a:schemeClr val="dk1"/>
+              </a:buClr>
+              <a:buSzPts val="4000"/>
+              <a:buFont typeface="Abril Fatface"/>
+              <a:buNone/>
+              <a:defRPr sz="4000" b="1" i="0" u="none" strike="noStrike" cap="none">
+                <a:solidFill>
+                  <a:schemeClr val="dk1"/>
+                </a:solidFill>
+                <a:latin typeface="Abril Fatface"/>
+                <a:ea typeface="Abril Fatface"/>
+                <a:cs typeface="Abril Fatface"/>
+                <a:sym typeface="Abril Fatface"/>
+              </a:defRPr>
+            </a:lvl7pPr>
+            <a:lvl8pPr marR="0" lvl="7" algn="l" rtl="0">
+              <a:lnSpc>
+                <a:spcPct val="80000"/>
+              </a:lnSpc>
+              <a:spcBef>
+                <a:spcPts val="0"/>
+              </a:spcBef>
+              <a:spcAft>
+                <a:spcPts val="0"/>
+              </a:spcAft>
+              <a:buClr>
+                <a:schemeClr val="dk1"/>
+              </a:buClr>
+              <a:buSzPts val="4000"/>
+              <a:buFont typeface="Abril Fatface"/>
+              <a:buNone/>
+              <a:defRPr sz="4000" b="1" i="0" u="none" strike="noStrike" cap="none">
+                <a:solidFill>
+                  <a:schemeClr val="dk1"/>
+                </a:solidFill>
+                <a:latin typeface="Abril Fatface"/>
+                <a:ea typeface="Abril Fatface"/>
+                <a:cs typeface="Abril Fatface"/>
+                <a:sym typeface="Abril Fatface"/>
+              </a:defRPr>
+            </a:lvl8pPr>
+            <a:lvl9pPr marR="0" lvl="8" algn="l" rtl="0">
+              <a:lnSpc>
+                <a:spcPct val="80000"/>
+              </a:lnSpc>
+              <a:spcBef>
+                <a:spcPts val="0"/>
+              </a:spcBef>
+              <a:spcAft>
+                <a:spcPts val="0"/>
+              </a:spcAft>
+              <a:buClr>
+                <a:schemeClr val="dk1"/>
+              </a:buClr>
+              <a:buSzPts val="4000"/>
+              <a:buFont typeface="Abril Fatface"/>
+              <a:buNone/>
+              <a:defRPr sz="4000" b="1" i="0" u="none" strike="noStrike" cap="none">
+                <a:solidFill>
+                  <a:schemeClr val="dk1"/>
+                </a:solidFill>
+                <a:latin typeface="Abril Fatface"/>
+                <a:ea typeface="Abril Fatface"/>
+                <a:cs typeface="Abril Fatface"/>
+                <a:sym typeface="Abril Fatface"/>
+              </a:defRPr>
+            </a:lvl9pPr>
+          </a:lstStyle>
+          <a:p>
+            <a:r>
+              <a:rPr lang="en-GB" dirty="0"/>
+              <a:t>PROPOSITO/ALCANCE</a:t>
+            </a:r>
+            <a:endParaRPr lang="en-GB" sz="6000" dirty="0">
+              <a:solidFill>
+                <a:schemeClr val="accent1"/>
+              </a:solidFill>
+            </a:endParaRPr>
+          </a:p>
+        </p:txBody>
+      </p:sp>
+    </p:spTree>
+    <p:extLst>
+      <p:ext uri="{BB962C8B-B14F-4D97-AF65-F5344CB8AC3E}">
+        <p14:creationId xmlns:p14="http://schemas.microsoft.com/office/powerpoint/2010/main" val="1628402489"/>
+      </p:ext>
+    </p:extLst>
+  </p:cSld>
+  <p:clrMapOvr>
+    <a:masterClrMapping/>
+  </p:clrMapOvr>
+</p:sld>
+</file>
+
+<file path=ppt/slides/slide5.xml><?xml version="1.0" encoding="utf-8"?>
+<p:sld xmlns:a="http://schemas.openxmlformats.org/drawingml/2006/main" xmlns:r="http://schemas.openxmlformats.org/officeDocument/2006/relationships" xmlns:p="http://schemas.openxmlformats.org/presentationml/2006/main">
+  <p:cSld>
+    <p:spTree>
+      <p:nvGrpSpPr>
+        <p:cNvPr id="1" name="Shape 463"/>
+        <p:cNvGrpSpPr/>
+        <p:nvPr/>
+      </p:nvGrpSpPr>
+      <p:grpSpPr>
+        <a:xfrm>
+          <a:off x="0" y="0"/>
+          <a:ext cx="0" cy="0"/>
+          <a:chOff x="0" y="0"/>
+          <a:chExt cx="0" cy="0"/>
+        </a:xfrm>
+      </p:grpSpPr>
+      <p:sp>
+        <p:nvSpPr>
+          <p:cNvPr id="9" name="Google Shape;424;p27">
+            <a:extLst>
+              <a:ext uri="{FF2B5EF4-FFF2-40B4-BE49-F238E27FC236}">
+                <a16:creationId xmlns:a16="http://schemas.microsoft.com/office/drawing/2014/main" id="{60D670A1-88F1-4C4E-91D5-A70F722DDED2}"/>
+              </a:ext>
+            </a:extLst>
+          </p:cNvPr>
+          <p:cNvSpPr txBox="1">
+            <a:spLocks noGrp="1"/>
+          </p:cNvSpPr>
+          <p:nvPr>
+            <p:ph type="title"/>
+          </p:nvPr>
+        </p:nvSpPr>
+        <p:spPr>
+          <a:xfrm>
+            <a:off x="849086" y="466439"/>
+            <a:ext cx="9478691" cy="491301"/>
+          </a:xfrm>
+          <a:prstGeom prst="rect">
+            <a:avLst/>
+          </a:prstGeom>
+        </p:spPr>
+        <p:txBody>
+          <a:bodyPr spcFirstLastPara="1" wrap="square" lIns="121900" tIns="121900" rIns="121900" bIns="121900" anchor="t" anchorCtr="0">
+            <a:noAutofit/>
+          </a:bodyPr>
+          <a:lstStyle/>
+          <a:p>
+            <a:pPr marL="0" lvl="0" indent="0" algn="l" rtl="0">
+              <a:spcBef>
+                <a:spcPts val="0"/>
+              </a:spcBef>
+              <a:spcAft>
+                <a:spcPts val="0"/>
+              </a:spcAft>
+              <a:buNone/>
+            </a:pPr>
+            <a:r>
+              <a:rPr lang="en-US" sz="2400" dirty="0">
+                <a:solidFill>
+                  <a:schemeClr val="tx1"/>
+                </a:solidFill>
+              </a:rPr>
+              <a:t>DESCRIPCION DE LA ENTIDADES</a:t>
+            </a:r>
+          </a:p>
+        </p:txBody>
+      </p:sp>
+      <p:sp>
+        <p:nvSpPr>
+          <p:cNvPr id="5" name="Google Shape;426;p27">
+            <a:extLst>
+              <a:ext uri="{FF2B5EF4-FFF2-40B4-BE49-F238E27FC236}">
+                <a16:creationId xmlns:a16="http://schemas.microsoft.com/office/drawing/2014/main" id="{97582337-065E-442B-B281-DE3D4C7BCF67}"/>
+              </a:ext>
+            </a:extLst>
+          </p:cNvPr>
+          <p:cNvSpPr txBox="1">
+            <a:spLocks/>
+          </p:cNvSpPr>
+          <p:nvPr/>
+        </p:nvSpPr>
+        <p:spPr>
+          <a:xfrm>
+            <a:off x="-207818" y="1039269"/>
+            <a:ext cx="12165715" cy="3590100"/>
+          </a:xfrm>
+          <a:prstGeom prst="rect">
+            <a:avLst/>
+          </a:prstGeom>
+          <a:noFill/>
+          <a:ln>
+            <a:noFill/>
+          </a:ln>
+        </p:spPr>
+        <p:txBody>
+          <a:bodyPr spcFirstLastPara="1" wrap="square" lIns="121900" tIns="121900" rIns="121900" bIns="121900" anchor="t" anchorCtr="0">
+            <a:noAutofit/>
+          </a:bodyPr>
+          <a:lstStyle>
+            <a:defPPr marR="0" lvl="0" algn="l" rtl="0">
+              <a:lnSpc>
+                <a:spcPct val="100000"/>
+              </a:lnSpc>
+              <a:spcBef>
+                <a:spcPts val="0"/>
+              </a:spcBef>
+              <a:spcAft>
+                <a:spcPts val="0"/>
+              </a:spcAft>
+            </a:defPPr>
+            <a:lvl1pPr marL="457200" marR="0" lvl="0" indent="-342900" algn="l" rtl="0">
+              <a:lnSpc>
+                <a:spcPct val="115000"/>
+              </a:lnSpc>
+              <a:spcBef>
+                <a:spcPts val="0"/>
+              </a:spcBef>
+              <a:spcAft>
+                <a:spcPts val="0"/>
+              </a:spcAft>
+              <a:buClr>
+                <a:schemeClr val="dk2"/>
+              </a:buClr>
+              <a:buSzPts val="1800"/>
+              <a:buFont typeface="Roboto Mono"/>
+              <a:buNone/>
+              <a:defRPr sz="1800" b="0" i="0" u="none" strike="noStrike" cap="none">
+                <a:solidFill>
+                  <a:schemeClr val="dk2"/>
+                </a:solidFill>
+                <a:latin typeface="Roboto Mono"/>
+                <a:ea typeface="Roboto Mono"/>
+                <a:cs typeface="Roboto Mono"/>
+                <a:sym typeface="Roboto Mono"/>
+              </a:defRPr>
+            </a:lvl1pPr>
+            <a:lvl2pPr marL="914400" marR="0" lvl="1" indent="-342900" algn="l" rtl="0">
+              <a:lnSpc>
+                <a:spcPct val="115000"/>
+              </a:lnSpc>
+              <a:spcBef>
+                <a:spcPts val="2100"/>
+              </a:spcBef>
+              <a:spcAft>
+                <a:spcPts val="0"/>
+              </a:spcAft>
+              <a:buClr>
+                <a:schemeClr val="dk2"/>
+              </a:buClr>
+              <a:buSzPts val="1800"/>
+              <a:buFont typeface="Roboto Mono"/>
+              <a:buNone/>
+              <a:defRPr sz="1800" b="0" i="0" u="none" strike="noStrike" cap="none">
+                <a:solidFill>
+                  <a:schemeClr val="dk2"/>
+                </a:solidFill>
+                <a:latin typeface="Roboto Mono"/>
+                <a:ea typeface="Roboto Mono"/>
+                <a:cs typeface="Roboto Mono"/>
+                <a:sym typeface="Roboto Mono"/>
+              </a:defRPr>
+            </a:lvl2pPr>
+            <a:lvl3pPr marL="1371600" marR="0" lvl="2" indent="-342900" algn="l" rtl="0">
+              <a:lnSpc>
+                <a:spcPct val="115000"/>
+              </a:lnSpc>
+              <a:spcBef>
+                <a:spcPts val="2100"/>
+              </a:spcBef>
+              <a:spcAft>
+                <a:spcPts val="0"/>
+              </a:spcAft>
+              <a:buClr>
+                <a:schemeClr val="dk2"/>
+              </a:buClr>
+              <a:buSzPts val="1800"/>
+              <a:buFont typeface="Roboto Mono"/>
+              <a:buNone/>
+              <a:defRPr sz="1800" b="0" i="0" u="none" strike="noStrike" cap="none">
+                <a:solidFill>
+                  <a:schemeClr val="dk2"/>
+                </a:solidFill>
+                <a:latin typeface="Roboto Mono"/>
+                <a:ea typeface="Roboto Mono"/>
+                <a:cs typeface="Roboto Mono"/>
+                <a:sym typeface="Roboto Mono"/>
+              </a:defRPr>
+            </a:lvl3pPr>
+            <a:lvl4pPr marL="1828800" marR="0" lvl="3" indent="-342900" algn="l" rtl="0">
+              <a:lnSpc>
+                <a:spcPct val="115000"/>
+              </a:lnSpc>
+              <a:spcBef>
+                <a:spcPts val="2100"/>
+              </a:spcBef>
+              <a:spcAft>
+                <a:spcPts val="0"/>
+              </a:spcAft>
+              <a:buClr>
+                <a:schemeClr val="dk2"/>
+              </a:buClr>
+              <a:buSzPts val="1800"/>
+              <a:buFont typeface="Roboto Mono"/>
+              <a:buNone/>
+              <a:defRPr sz="1800" b="0" i="0" u="none" strike="noStrike" cap="none">
+                <a:solidFill>
+                  <a:schemeClr val="dk2"/>
+                </a:solidFill>
+                <a:latin typeface="Roboto Mono"/>
+                <a:ea typeface="Roboto Mono"/>
+                <a:cs typeface="Roboto Mono"/>
+                <a:sym typeface="Roboto Mono"/>
+              </a:defRPr>
+            </a:lvl4pPr>
+            <a:lvl5pPr marL="2286000" marR="0" lvl="4" indent="-342900" algn="l" rtl="0">
+              <a:lnSpc>
+                <a:spcPct val="115000"/>
+              </a:lnSpc>
+              <a:spcBef>
+                <a:spcPts val="2100"/>
+              </a:spcBef>
+              <a:spcAft>
+                <a:spcPts val="0"/>
+              </a:spcAft>
+              <a:buClr>
+                <a:schemeClr val="dk2"/>
+              </a:buClr>
+              <a:buSzPts val="1800"/>
+              <a:buFont typeface="Roboto Mono"/>
+              <a:buNone/>
+              <a:defRPr sz="1800" b="0" i="0" u="none" strike="noStrike" cap="none">
+                <a:solidFill>
+                  <a:schemeClr val="dk2"/>
+                </a:solidFill>
+                <a:latin typeface="Roboto Mono"/>
+                <a:ea typeface="Roboto Mono"/>
+                <a:cs typeface="Roboto Mono"/>
+                <a:sym typeface="Roboto Mono"/>
+              </a:defRPr>
+            </a:lvl5pPr>
+            <a:lvl6pPr marL="2743200" marR="0" lvl="5" indent="-342900" algn="l" rtl="0">
+              <a:lnSpc>
+                <a:spcPct val="115000"/>
+              </a:lnSpc>
+              <a:spcBef>
+                <a:spcPts val="2100"/>
+              </a:spcBef>
+              <a:spcAft>
+                <a:spcPts val="0"/>
+              </a:spcAft>
+              <a:buClr>
+                <a:schemeClr val="dk2"/>
+              </a:buClr>
+              <a:buSzPts val="1800"/>
+              <a:buFont typeface="Roboto Mono"/>
+              <a:buNone/>
+              <a:defRPr sz="1800" b="0" i="0" u="none" strike="noStrike" cap="none">
+                <a:solidFill>
+                  <a:schemeClr val="dk2"/>
+                </a:solidFill>
+                <a:latin typeface="Roboto Mono"/>
+                <a:ea typeface="Roboto Mono"/>
+                <a:cs typeface="Roboto Mono"/>
+                <a:sym typeface="Roboto Mono"/>
+              </a:defRPr>
+            </a:lvl6pPr>
+            <a:lvl7pPr marL="3200400" marR="0" lvl="6" indent="-342900" algn="l" rtl="0">
+              <a:lnSpc>
+                <a:spcPct val="115000"/>
+              </a:lnSpc>
+              <a:spcBef>
+                <a:spcPts val="2100"/>
+              </a:spcBef>
+              <a:spcAft>
+                <a:spcPts val="0"/>
+              </a:spcAft>
+              <a:buClr>
+                <a:schemeClr val="dk2"/>
+              </a:buClr>
+              <a:buSzPts val="1800"/>
+              <a:buFont typeface="Roboto Mono"/>
+              <a:buNone/>
+              <a:defRPr sz="1800" b="0" i="0" u="none" strike="noStrike" cap="none">
+                <a:solidFill>
+                  <a:schemeClr val="dk2"/>
+                </a:solidFill>
+                <a:latin typeface="Roboto Mono"/>
+                <a:ea typeface="Roboto Mono"/>
+                <a:cs typeface="Roboto Mono"/>
+                <a:sym typeface="Roboto Mono"/>
+              </a:defRPr>
+            </a:lvl7pPr>
+            <a:lvl8pPr marL="3657600" marR="0" lvl="7" indent="-342900" algn="l" rtl="0">
+              <a:lnSpc>
+                <a:spcPct val="115000"/>
+              </a:lnSpc>
+              <a:spcBef>
+                <a:spcPts val="2100"/>
+              </a:spcBef>
+              <a:spcAft>
+                <a:spcPts val="0"/>
+              </a:spcAft>
+              <a:buClr>
+                <a:schemeClr val="dk2"/>
+              </a:buClr>
+              <a:buSzPts val="1800"/>
+              <a:buFont typeface="Roboto Mono"/>
+              <a:buNone/>
+              <a:defRPr sz="1800" b="0" i="0" u="none" strike="noStrike" cap="none">
+                <a:solidFill>
+                  <a:schemeClr val="dk2"/>
+                </a:solidFill>
+                <a:latin typeface="Roboto Mono"/>
+                <a:ea typeface="Roboto Mono"/>
+                <a:cs typeface="Roboto Mono"/>
+                <a:sym typeface="Roboto Mono"/>
+              </a:defRPr>
+            </a:lvl8pPr>
+            <a:lvl9pPr marL="4114800" marR="0" lvl="8" indent="-342900" algn="l" rtl="0">
+              <a:lnSpc>
+                <a:spcPct val="115000"/>
+              </a:lnSpc>
+              <a:spcBef>
+                <a:spcPts val="2100"/>
+              </a:spcBef>
+              <a:spcAft>
+                <a:spcPts val="2100"/>
+              </a:spcAft>
+              <a:buClr>
+                <a:schemeClr val="dk2"/>
+              </a:buClr>
+              <a:buSzPts val="1800"/>
+              <a:buFont typeface="Roboto Mono"/>
+              <a:buNone/>
+              <a:defRPr sz="1800" b="0" i="0" u="none" strike="noStrike" cap="none">
+                <a:solidFill>
+                  <a:schemeClr val="dk2"/>
+                </a:solidFill>
+                <a:latin typeface="Roboto Mono"/>
+                <a:ea typeface="Roboto Mono"/>
+                <a:cs typeface="Roboto Mono"/>
+                <a:sym typeface="Roboto Mono"/>
+              </a:defRPr>
+            </a:lvl9pPr>
+          </a:lstStyle>
+          <a:p>
+            <a:pPr marL="1257300" marR="0" lvl="2">
+              <a:lnSpc>
+                <a:spcPct val="150000"/>
+              </a:lnSpc>
+              <a:spcBef>
+                <a:spcPts val="0"/>
+              </a:spcBef>
+              <a:spcAft>
+                <a:spcPts val="0"/>
+              </a:spcAft>
+              <a:buFont typeface="+mj-lt"/>
+              <a:buAutoNum type="arabicPeriod"/>
+            </a:pPr>
+            <a:r>
+              <a:rPr lang="es-PE" sz="1800" dirty="0">
+                <a:effectLst/>
+                <a:latin typeface="Times New Roman" panose="02020603050405020304" pitchFamily="18" charset="0"/>
+                <a:ea typeface="Arial" panose="020B0604020202020204" pitchFamily="34" charset="0"/>
+              </a:rPr>
+              <a:t>USUARIO: Almacena información de los usuarios que reportan incidentes.</a:t>
+            </a:r>
+            <a:endParaRPr lang="en-GB" sz="1800" dirty="0">
+              <a:effectLst/>
+              <a:latin typeface="Arial" panose="020B0604020202020204" pitchFamily="34" charset="0"/>
+              <a:ea typeface="Arial" panose="020B0604020202020204" pitchFamily="34" charset="0"/>
+            </a:endParaRPr>
+          </a:p>
+          <a:p>
+            <a:pPr marL="1257300" marR="0" lvl="2">
+              <a:lnSpc>
+                <a:spcPct val="150000"/>
+              </a:lnSpc>
+              <a:spcBef>
+                <a:spcPts val="0"/>
+              </a:spcBef>
+              <a:spcAft>
+                <a:spcPts val="0"/>
+              </a:spcAft>
+              <a:buFont typeface="+mj-lt"/>
+              <a:buAutoNum type="arabicPeriod"/>
+            </a:pPr>
+            <a:r>
+              <a:rPr lang="es-PE" sz="1800" dirty="0">
+                <a:effectLst/>
+                <a:latin typeface="Times New Roman" panose="02020603050405020304" pitchFamily="18" charset="0"/>
+                <a:ea typeface="Arial" panose="020B0604020202020204" pitchFamily="34" charset="0"/>
+              </a:rPr>
+              <a:t>ACTIVO: Almacena información sobre los activos que pueden ser comprometidos en un incidente.</a:t>
+            </a:r>
+            <a:endParaRPr lang="en-GB" sz="1800" dirty="0">
+              <a:effectLst/>
+              <a:latin typeface="Arial" panose="020B0604020202020204" pitchFamily="34" charset="0"/>
+              <a:ea typeface="Arial" panose="020B0604020202020204" pitchFamily="34" charset="0"/>
+            </a:endParaRPr>
+          </a:p>
+          <a:p>
+            <a:pPr marL="1257300" marR="0" lvl="2">
+              <a:lnSpc>
+                <a:spcPct val="150000"/>
+              </a:lnSpc>
+              <a:spcBef>
+                <a:spcPts val="0"/>
+              </a:spcBef>
+              <a:spcAft>
+                <a:spcPts val="0"/>
+              </a:spcAft>
+              <a:buFont typeface="+mj-lt"/>
+              <a:buAutoNum type="arabicPeriod"/>
+            </a:pPr>
+            <a:r>
+              <a:rPr lang="es-PE" sz="1800" dirty="0">
+                <a:effectLst/>
+                <a:latin typeface="Times New Roman" panose="02020603050405020304" pitchFamily="18" charset="0"/>
+                <a:ea typeface="Arial" panose="020B0604020202020204" pitchFamily="34" charset="0"/>
+              </a:rPr>
+              <a:t>INCIDENTE: Registra los incidentes reportados incluyendo detalles como el activo afectado y el usuario que reportó el incidente.</a:t>
+            </a:r>
+            <a:endParaRPr lang="en-GB" sz="1800" dirty="0">
+              <a:effectLst/>
+              <a:latin typeface="Arial" panose="020B0604020202020204" pitchFamily="34" charset="0"/>
+              <a:ea typeface="Arial" panose="020B0604020202020204" pitchFamily="34" charset="0"/>
+            </a:endParaRPr>
+          </a:p>
+          <a:p>
+            <a:pPr marL="1257300" marR="0" lvl="2">
+              <a:lnSpc>
+                <a:spcPct val="150000"/>
+              </a:lnSpc>
+              <a:spcBef>
+                <a:spcPts val="0"/>
+              </a:spcBef>
+              <a:spcAft>
+                <a:spcPts val="0"/>
+              </a:spcAft>
+              <a:buFont typeface="+mj-lt"/>
+              <a:buAutoNum type="arabicPeriod"/>
+            </a:pPr>
+            <a:r>
+              <a:rPr lang="es-PE" sz="1800" dirty="0">
+                <a:effectLst/>
+                <a:latin typeface="Times New Roman" panose="02020603050405020304" pitchFamily="18" charset="0"/>
+                <a:ea typeface="Arial" panose="020B0604020202020204" pitchFamily="34" charset="0"/>
+              </a:rPr>
+              <a:t>EQUIPO_IR: Almacena información sobre los equipos de respuesta a incidentes.</a:t>
+            </a:r>
+            <a:endParaRPr lang="en-GB" sz="1800" dirty="0">
+              <a:effectLst/>
+              <a:latin typeface="Arial" panose="020B0604020202020204" pitchFamily="34" charset="0"/>
+              <a:ea typeface="Arial" panose="020B0604020202020204" pitchFamily="34" charset="0"/>
+            </a:endParaRPr>
+          </a:p>
+          <a:p>
+            <a:pPr marL="1257300" marR="0" lvl="2">
+              <a:lnSpc>
+                <a:spcPct val="150000"/>
+              </a:lnSpc>
+              <a:spcBef>
+                <a:spcPts val="0"/>
+              </a:spcBef>
+              <a:spcAft>
+                <a:spcPts val="0"/>
+              </a:spcAft>
+              <a:buFont typeface="+mj-lt"/>
+              <a:buAutoNum type="arabicPeriod"/>
+            </a:pPr>
+            <a:r>
+              <a:rPr lang="es-PE" sz="1800" dirty="0">
+                <a:effectLst/>
+                <a:latin typeface="Times New Roman" panose="02020603050405020304" pitchFamily="18" charset="0"/>
+                <a:ea typeface="Arial" panose="020B0604020202020204" pitchFamily="34" charset="0"/>
+              </a:rPr>
+              <a:t>PERSONAL_IR: Almacena información sobre el personal que forma parte de los equipos de respuesta a incidentes.</a:t>
+            </a:r>
+            <a:endParaRPr lang="en-GB" sz="1800" dirty="0">
+              <a:effectLst/>
+              <a:latin typeface="Arial" panose="020B0604020202020204" pitchFamily="34" charset="0"/>
+              <a:ea typeface="Arial" panose="020B0604020202020204" pitchFamily="34" charset="0"/>
+            </a:endParaRPr>
+          </a:p>
+          <a:p>
+            <a:pPr marL="1257300" marR="0" lvl="2">
+              <a:lnSpc>
+                <a:spcPct val="150000"/>
+              </a:lnSpc>
+              <a:spcBef>
+                <a:spcPts val="0"/>
+              </a:spcBef>
+              <a:spcAft>
+                <a:spcPts val="0"/>
+              </a:spcAft>
+              <a:buFont typeface="+mj-lt"/>
+              <a:buAutoNum type="arabicPeriod"/>
+            </a:pPr>
+            <a:r>
+              <a:rPr lang="es-PE" sz="1800" dirty="0">
+                <a:effectLst/>
+                <a:latin typeface="Times New Roman" panose="02020603050405020304" pitchFamily="18" charset="0"/>
+                <a:ea typeface="Arial" panose="020B0604020202020204" pitchFamily="34" charset="0"/>
+              </a:rPr>
+              <a:t>VULNERABILIDAD: Almacena información sobre las vulnerabilidades que pueden ser o fueron explotadas en los activos.</a:t>
+            </a:r>
+            <a:endParaRPr lang="en-GB" sz="1800" dirty="0">
+              <a:effectLst/>
+              <a:latin typeface="Arial" panose="020B0604020202020204" pitchFamily="34" charset="0"/>
+              <a:ea typeface="Arial" panose="020B0604020202020204" pitchFamily="34" charset="0"/>
+            </a:endParaRPr>
+          </a:p>
+          <a:p>
+            <a:pPr marL="1257300" marR="0" lvl="2">
+              <a:lnSpc>
+                <a:spcPct val="150000"/>
+              </a:lnSpc>
+              <a:spcBef>
+                <a:spcPts val="0"/>
+              </a:spcBef>
+              <a:spcAft>
+                <a:spcPts val="0"/>
+              </a:spcAft>
+              <a:buFont typeface="+mj-lt"/>
+              <a:buAutoNum type="arabicPeriod"/>
+            </a:pPr>
+            <a:r>
+              <a:rPr lang="es-PE" sz="1800" dirty="0">
+                <a:effectLst/>
+                <a:latin typeface="Times New Roman" panose="02020603050405020304" pitchFamily="18" charset="0"/>
+                <a:ea typeface="Arial" panose="020B0604020202020204" pitchFamily="34" charset="0"/>
+              </a:rPr>
+              <a:t>RESPUESTA_INCIDENTE: Registra las respuestas a los incidentes, incluyendo las medidas de contención y el nivel de erradicación.</a:t>
+            </a:r>
+            <a:endParaRPr lang="en-GB" sz="1800" dirty="0">
+              <a:effectLst/>
+              <a:latin typeface="Arial" panose="020B0604020202020204" pitchFamily="34" charset="0"/>
+              <a:ea typeface="Arial" panose="020B0604020202020204" pitchFamily="34" charset="0"/>
+            </a:endParaRPr>
+          </a:p>
+          <a:p>
+            <a:pPr marL="1257300" marR="0" lvl="2">
+              <a:lnSpc>
+                <a:spcPct val="150000"/>
+              </a:lnSpc>
+              <a:spcBef>
+                <a:spcPts val="0"/>
+              </a:spcBef>
+              <a:spcAft>
+                <a:spcPts val="800"/>
+              </a:spcAft>
+              <a:buFont typeface="+mj-lt"/>
+              <a:buAutoNum type="arabicPeriod"/>
+            </a:pPr>
+            <a:r>
+              <a:rPr lang="es-PE" sz="1800" dirty="0">
+                <a:effectLst/>
+                <a:latin typeface="Times New Roman" panose="02020603050405020304" pitchFamily="18" charset="0"/>
+                <a:ea typeface="Arial" panose="020B0604020202020204" pitchFamily="34" charset="0"/>
+              </a:rPr>
+              <a:t>VULNERABILIDAD_ACTIVO: Relaciona las vulnerabilidades con los activos comprometidos, especificando los datos comprometidos.</a:t>
+            </a:r>
+            <a:endParaRPr lang="en-GB" sz="1800" dirty="0">
+              <a:effectLst/>
+              <a:latin typeface="Arial" panose="020B0604020202020204" pitchFamily="34" charset="0"/>
+              <a:ea typeface="Arial" panose="020B0604020202020204" pitchFamily="34" charset="0"/>
+            </a:endParaRPr>
+          </a:p>
+        </p:txBody>
+      </p:sp>
+    </p:spTree>
+    <p:extLst>
+      <p:ext uri="{BB962C8B-B14F-4D97-AF65-F5344CB8AC3E}">
+        <p14:creationId xmlns:p14="http://schemas.microsoft.com/office/powerpoint/2010/main" val="1291876214"/>
+      </p:ext>
+    </p:extLst>
+  </p:cSld>
+  <p:clrMapOvr>
+    <a:masterClrMapping/>
+  </p:clrMapOvr>
+</p:sld>
+</file>
+
+<file path=ppt/slides/slide6.xml><?xml version="1.0" encoding="utf-8"?>
+<p:sld xmlns:a="http://schemas.openxmlformats.org/drawingml/2006/main" xmlns:r="http://schemas.openxmlformats.org/officeDocument/2006/relationships" xmlns:p="http://schemas.openxmlformats.org/presentationml/2006/main">
+  <p:cSld>
+    <p:spTree>
+      <p:nvGrpSpPr>
+        <p:cNvPr id="1" name="Shape 463"/>
+        <p:cNvGrpSpPr/>
+        <p:nvPr/>
+      </p:nvGrpSpPr>
+      <p:grpSpPr>
+        <a:xfrm>
+          <a:off x="0" y="0"/>
+          <a:ext cx="0" cy="0"/>
+          <a:chOff x="0" y="0"/>
+          <a:chExt cx="0" cy="0"/>
+        </a:xfrm>
+      </p:grpSpPr>
+      <p:sp>
+        <p:nvSpPr>
+          <p:cNvPr id="9" name="Google Shape;424;p27">
+            <a:extLst>
+              <a:ext uri="{FF2B5EF4-FFF2-40B4-BE49-F238E27FC236}">
+                <a16:creationId xmlns:a16="http://schemas.microsoft.com/office/drawing/2014/main" id="{60D670A1-88F1-4C4E-91D5-A70F722DDED2}"/>
+              </a:ext>
+            </a:extLst>
+          </p:cNvPr>
+          <p:cNvSpPr txBox="1">
+            <a:spLocks noGrp="1"/>
+          </p:cNvSpPr>
+          <p:nvPr>
+            <p:ph type="title"/>
+          </p:nvPr>
+        </p:nvSpPr>
+        <p:spPr>
+          <a:xfrm>
+            <a:off x="499754" y="366820"/>
+            <a:ext cx="9478691" cy="491301"/>
+          </a:xfrm>
+          <a:prstGeom prst="rect">
+            <a:avLst/>
+          </a:prstGeom>
+        </p:spPr>
+        <p:txBody>
+          <a:bodyPr spcFirstLastPara="1" wrap="square" lIns="121900" tIns="121900" rIns="121900" bIns="121900" anchor="t" anchorCtr="0">
+            <a:noAutofit/>
+          </a:bodyPr>
+          <a:lstStyle/>
+          <a:p>
+            <a:pPr marL="0" lvl="0" indent="0" algn="l" rtl="0">
+              <a:spcBef>
+                <a:spcPts val="0"/>
+              </a:spcBef>
+              <a:spcAft>
+                <a:spcPts val="0"/>
+              </a:spcAft>
+              <a:buNone/>
+            </a:pPr>
+            <a:r>
+              <a:rPr lang="en-US" sz="2400" dirty="0">
+                <a:solidFill>
+                  <a:schemeClr val="tx1"/>
+                </a:solidFill>
+              </a:rPr>
+              <a:t>FLUJO DE DATOS</a:t>
+            </a:r>
+          </a:p>
+        </p:txBody>
+      </p:sp>
+      <p:sp>
+        <p:nvSpPr>
+          <p:cNvPr id="5" name="Google Shape;426;p27">
+            <a:extLst>
+              <a:ext uri="{FF2B5EF4-FFF2-40B4-BE49-F238E27FC236}">
+                <a16:creationId xmlns:a16="http://schemas.microsoft.com/office/drawing/2014/main" id="{97582337-065E-442B-B281-DE3D4C7BCF67}"/>
+              </a:ext>
+            </a:extLst>
+          </p:cNvPr>
+          <p:cNvSpPr txBox="1">
+            <a:spLocks/>
+          </p:cNvSpPr>
+          <p:nvPr/>
+        </p:nvSpPr>
+        <p:spPr>
+          <a:xfrm>
+            <a:off x="322686" y="960173"/>
+            <a:ext cx="3223161" cy="5352292"/>
+          </a:xfrm>
+          <a:prstGeom prst="rect">
+            <a:avLst/>
+          </a:prstGeom>
+          <a:noFill/>
+          <a:ln>
+            <a:noFill/>
+          </a:ln>
+        </p:spPr>
+        <p:txBody>
+          <a:bodyPr spcFirstLastPara="1" wrap="square" lIns="121900" tIns="121900" rIns="121900" bIns="121900" anchor="t" anchorCtr="0">
+            <a:noAutofit/>
+          </a:bodyPr>
+          <a:lstStyle>
+            <a:defPPr marR="0" lvl="0" algn="l" rtl="0">
+              <a:lnSpc>
+                <a:spcPct val="100000"/>
+              </a:lnSpc>
+              <a:spcBef>
+                <a:spcPts val="0"/>
+              </a:spcBef>
+              <a:spcAft>
+                <a:spcPts val="0"/>
+              </a:spcAft>
+            </a:defPPr>
+            <a:lvl1pPr marL="457200" marR="0" lvl="0" indent="-342900" algn="l" rtl="0">
+              <a:lnSpc>
+                <a:spcPct val="115000"/>
+              </a:lnSpc>
+              <a:spcBef>
+                <a:spcPts val="0"/>
+              </a:spcBef>
+              <a:spcAft>
+                <a:spcPts val="0"/>
+              </a:spcAft>
+              <a:buClr>
+                <a:schemeClr val="dk2"/>
+              </a:buClr>
+              <a:buSzPts val="1800"/>
+              <a:buFont typeface="Roboto Mono"/>
+              <a:buNone/>
+              <a:defRPr sz="1800" b="0" i="0" u="none" strike="noStrike" cap="none">
+                <a:solidFill>
+                  <a:schemeClr val="dk2"/>
+                </a:solidFill>
+                <a:latin typeface="Roboto Mono"/>
+                <a:ea typeface="Roboto Mono"/>
+                <a:cs typeface="Roboto Mono"/>
+                <a:sym typeface="Roboto Mono"/>
+              </a:defRPr>
+            </a:lvl1pPr>
+            <a:lvl2pPr marL="914400" marR="0" lvl="1" indent="-342900" algn="l" rtl="0">
+              <a:lnSpc>
+                <a:spcPct val="115000"/>
+              </a:lnSpc>
+              <a:spcBef>
+                <a:spcPts val="2100"/>
+              </a:spcBef>
+              <a:spcAft>
+                <a:spcPts val="0"/>
+              </a:spcAft>
+              <a:buClr>
+                <a:schemeClr val="dk2"/>
+              </a:buClr>
+              <a:buSzPts val="1800"/>
+              <a:buFont typeface="Roboto Mono"/>
+              <a:buNone/>
+              <a:defRPr sz="1800" b="0" i="0" u="none" strike="noStrike" cap="none">
+                <a:solidFill>
+                  <a:schemeClr val="dk2"/>
+                </a:solidFill>
+                <a:latin typeface="Roboto Mono"/>
+                <a:ea typeface="Roboto Mono"/>
+                <a:cs typeface="Roboto Mono"/>
+                <a:sym typeface="Roboto Mono"/>
+              </a:defRPr>
+            </a:lvl2pPr>
+            <a:lvl3pPr marL="1371600" marR="0" lvl="2" indent="-342900" algn="l" rtl="0">
+              <a:lnSpc>
+                <a:spcPct val="115000"/>
+              </a:lnSpc>
+              <a:spcBef>
+                <a:spcPts val="2100"/>
+              </a:spcBef>
+              <a:spcAft>
+                <a:spcPts val="0"/>
+              </a:spcAft>
+              <a:buClr>
+                <a:schemeClr val="dk2"/>
+              </a:buClr>
+              <a:buSzPts val="1800"/>
+              <a:buFont typeface="Roboto Mono"/>
+              <a:buNone/>
+              <a:defRPr sz="1800" b="0" i="0" u="none" strike="noStrike" cap="none">
+                <a:solidFill>
+                  <a:schemeClr val="dk2"/>
+                </a:solidFill>
+                <a:latin typeface="Roboto Mono"/>
+                <a:ea typeface="Roboto Mono"/>
+                <a:cs typeface="Roboto Mono"/>
+                <a:sym typeface="Roboto Mono"/>
+              </a:defRPr>
+            </a:lvl3pPr>
+            <a:lvl4pPr marL="1828800" marR="0" lvl="3" indent="-342900" algn="l" rtl="0">
+              <a:lnSpc>
+                <a:spcPct val="115000"/>
+              </a:lnSpc>
+              <a:spcBef>
+                <a:spcPts val="2100"/>
+              </a:spcBef>
+              <a:spcAft>
+                <a:spcPts val="0"/>
+              </a:spcAft>
+              <a:buClr>
+                <a:schemeClr val="dk2"/>
+              </a:buClr>
+              <a:buSzPts val="1800"/>
+              <a:buFont typeface="Roboto Mono"/>
+              <a:buNone/>
+              <a:defRPr sz="1800" b="0" i="0" u="none" strike="noStrike" cap="none">
+                <a:solidFill>
+                  <a:schemeClr val="dk2"/>
+                </a:solidFill>
+                <a:latin typeface="Roboto Mono"/>
+                <a:ea typeface="Roboto Mono"/>
+                <a:cs typeface="Roboto Mono"/>
+                <a:sym typeface="Roboto Mono"/>
+              </a:defRPr>
+            </a:lvl4pPr>
+            <a:lvl5pPr marL="2286000" marR="0" lvl="4" indent="-342900" algn="l" rtl="0">
+              <a:lnSpc>
+                <a:spcPct val="115000"/>
+              </a:lnSpc>
+              <a:spcBef>
+                <a:spcPts val="2100"/>
+              </a:spcBef>
+              <a:spcAft>
+                <a:spcPts val="0"/>
+              </a:spcAft>
+              <a:buClr>
+                <a:schemeClr val="dk2"/>
+              </a:buClr>
+              <a:buSzPts val="1800"/>
+              <a:buFont typeface="Roboto Mono"/>
+              <a:buNone/>
+              <a:defRPr sz="1800" b="0" i="0" u="none" strike="noStrike" cap="none">
+                <a:solidFill>
+                  <a:schemeClr val="dk2"/>
+                </a:solidFill>
+                <a:latin typeface="Roboto Mono"/>
+                <a:ea typeface="Roboto Mono"/>
+                <a:cs typeface="Roboto Mono"/>
+                <a:sym typeface="Roboto Mono"/>
+              </a:defRPr>
+            </a:lvl5pPr>
+            <a:lvl6pPr marL="2743200" marR="0" lvl="5" indent="-342900" algn="l" rtl="0">
+              <a:lnSpc>
+                <a:spcPct val="115000"/>
+              </a:lnSpc>
+              <a:spcBef>
+                <a:spcPts val="2100"/>
+              </a:spcBef>
+              <a:spcAft>
+                <a:spcPts val="0"/>
+              </a:spcAft>
+              <a:buClr>
+                <a:schemeClr val="dk2"/>
+              </a:buClr>
+              <a:buSzPts val="1800"/>
+              <a:buFont typeface="Roboto Mono"/>
+              <a:buNone/>
+              <a:defRPr sz="1800" b="0" i="0" u="none" strike="noStrike" cap="none">
+                <a:solidFill>
+                  <a:schemeClr val="dk2"/>
+                </a:solidFill>
+                <a:latin typeface="Roboto Mono"/>
+                <a:ea typeface="Roboto Mono"/>
+                <a:cs typeface="Roboto Mono"/>
+                <a:sym typeface="Roboto Mono"/>
+              </a:defRPr>
+            </a:lvl6pPr>
+            <a:lvl7pPr marL="3200400" marR="0" lvl="6" indent="-342900" algn="l" rtl="0">
+              <a:lnSpc>
+                <a:spcPct val="115000"/>
+              </a:lnSpc>
+              <a:spcBef>
+                <a:spcPts val="2100"/>
+              </a:spcBef>
+              <a:spcAft>
+                <a:spcPts val="0"/>
+              </a:spcAft>
+              <a:buClr>
+                <a:schemeClr val="dk2"/>
+              </a:buClr>
+              <a:buSzPts val="1800"/>
+              <a:buFont typeface="Roboto Mono"/>
+              <a:buNone/>
+              <a:defRPr sz="1800" b="0" i="0" u="none" strike="noStrike" cap="none">
+                <a:solidFill>
+                  <a:schemeClr val="dk2"/>
+                </a:solidFill>
+                <a:latin typeface="Roboto Mono"/>
+                <a:ea typeface="Roboto Mono"/>
+                <a:cs typeface="Roboto Mono"/>
+                <a:sym typeface="Roboto Mono"/>
+              </a:defRPr>
+            </a:lvl7pPr>
+            <a:lvl8pPr marL="3657600" marR="0" lvl="7" indent="-342900" algn="l" rtl="0">
+              <a:lnSpc>
+                <a:spcPct val="115000"/>
+              </a:lnSpc>
+              <a:spcBef>
+                <a:spcPts val="2100"/>
+              </a:spcBef>
+              <a:spcAft>
+                <a:spcPts val="0"/>
+              </a:spcAft>
+              <a:buClr>
+                <a:schemeClr val="dk2"/>
+              </a:buClr>
+              <a:buSzPts val="1800"/>
+              <a:buFont typeface="Roboto Mono"/>
+              <a:buNone/>
+              <a:defRPr sz="1800" b="0" i="0" u="none" strike="noStrike" cap="none">
+                <a:solidFill>
+                  <a:schemeClr val="dk2"/>
+                </a:solidFill>
+                <a:latin typeface="Roboto Mono"/>
+                <a:ea typeface="Roboto Mono"/>
+                <a:cs typeface="Roboto Mono"/>
+                <a:sym typeface="Roboto Mono"/>
+              </a:defRPr>
+            </a:lvl8pPr>
+            <a:lvl9pPr marL="4114800" marR="0" lvl="8" indent="-342900" algn="l" rtl="0">
+              <a:lnSpc>
+                <a:spcPct val="115000"/>
+              </a:lnSpc>
+              <a:spcBef>
+                <a:spcPts val="2100"/>
+              </a:spcBef>
+              <a:spcAft>
+                <a:spcPts val="2100"/>
+              </a:spcAft>
+              <a:buClr>
+                <a:schemeClr val="dk2"/>
+              </a:buClr>
+              <a:buSzPts val="1800"/>
+              <a:buFont typeface="Roboto Mono"/>
+              <a:buNone/>
+              <a:defRPr sz="1800" b="0" i="0" u="none" strike="noStrike" cap="none">
+                <a:solidFill>
+                  <a:schemeClr val="dk2"/>
+                </a:solidFill>
+                <a:latin typeface="Roboto Mono"/>
+                <a:ea typeface="Roboto Mono"/>
+                <a:cs typeface="Roboto Mono"/>
+                <a:sym typeface="Roboto Mono"/>
+              </a:defRPr>
+            </a:lvl9pPr>
+          </a:lstStyle>
+          <a:p>
+            <a:pPr marL="0" marR="0" lvl="0" indent="0">
+              <a:lnSpc>
+                <a:spcPct val="150000"/>
+              </a:lnSpc>
+              <a:spcBef>
+                <a:spcPts val="0"/>
+              </a:spcBef>
+              <a:spcAft>
+                <a:spcPts val="0"/>
+              </a:spcAft>
+            </a:pPr>
+            <a:r>
+              <a:rPr lang="es-PE" sz="1800" dirty="0">
+                <a:effectLst/>
+                <a:latin typeface="Times New Roman" panose="02020603050405020304" pitchFamily="18" charset="0"/>
+                <a:ea typeface="Arial" panose="020B0604020202020204" pitchFamily="34" charset="0"/>
+              </a:rPr>
+              <a:t>1. REPORTE DE INCIDENTE:</a:t>
+            </a:r>
+            <a:endParaRPr lang="en-GB" dirty="0">
+              <a:latin typeface="Arial" panose="020B0604020202020204" pitchFamily="34" charset="0"/>
+              <a:ea typeface="Arial" panose="020B0604020202020204" pitchFamily="34" charset="0"/>
+            </a:endParaRPr>
+          </a:p>
+          <a:p>
+            <a:pPr marL="0" marR="0" lvl="0" indent="0">
+              <a:lnSpc>
+                <a:spcPct val="150000"/>
+              </a:lnSpc>
+              <a:spcBef>
+                <a:spcPts val="0"/>
+              </a:spcBef>
+              <a:spcAft>
+                <a:spcPts val="0"/>
+              </a:spcAft>
+            </a:pPr>
+            <a:endParaRPr lang="en-GB" sz="1800" dirty="0">
+              <a:effectLst/>
+              <a:latin typeface="Arial" panose="020B0604020202020204" pitchFamily="34" charset="0"/>
+              <a:ea typeface="Arial" panose="020B0604020202020204" pitchFamily="34" charset="0"/>
+            </a:endParaRPr>
+          </a:p>
+          <a:p>
+            <a:pPr marL="0" marR="0" lvl="0" indent="0">
+              <a:lnSpc>
+                <a:spcPct val="150000"/>
+              </a:lnSpc>
+              <a:spcBef>
+                <a:spcPts val="0"/>
+              </a:spcBef>
+              <a:spcAft>
+                <a:spcPts val="0"/>
+              </a:spcAft>
+            </a:pPr>
+            <a:r>
+              <a:rPr lang="es-PE" sz="1800" dirty="0">
+                <a:effectLst/>
+                <a:latin typeface="Times New Roman" panose="02020603050405020304" pitchFamily="18" charset="0"/>
+                <a:ea typeface="Arial" panose="020B0604020202020204" pitchFamily="34" charset="0"/>
+              </a:rPr>
+              <a:t>Un usuario (tabla </a:t>
+            </a:r>
+            <a:r>
+              <a:rPr lang="es-PE" sz="1800" b="1" dirty="0">
+                <a:effectLst/>
+                <a:latin typeface="Times New Roman" panose="02020603050405020304" pitchFamily="18" charset="0"/>
+                <a:ea typeface="Arial" panose="020B0604020202020204" pitchFamily="34" charset="0"/>
+              </a:rPr>
+              <a:t>USUARIO</a:t>
+            </a:r>
+            <a:r>
+              <a:rPr lang="es-PE" sz="1800" dirty="0">
+                <a:effectLst/>
+                <a:latin typeface="Times New Roman" panose="02020603050405020304" pitchFamily="18" charset="0"/>
+                <a:ea typeface="Arial" panose="020B0604020202020204" pitchFamily="34" charset="0"/>
+              </a:rPr>
+              <a:t>) reporta un incidente (tabla </a:t>
+            </a:r>
+            <a:r>
+              <a:rPr lang="es-PE" sz="1800" b="1" dirty="0">
+                <a:effectLst/>
+                <a:latin typeface="Times New Roman" panose="02020603050405020304" pitchFamily="18" charset="0"/>
+                <a:ea typeface="Arial" panose="020B0604020202020204" pitchFamily="34" charset="0"/>
+              </a:rPr>
+              <a:t>INCIDENTE</a:t>
+            </a:r>
+            <a:r>
+              <a:rPr lang="es-PE" sz="1800" dirty="0">
+                <a:effectLst/>
+                <a:latin typeface="Times New Roman" panose="02020603050405020304" pitchFamily="18" charset="0"/>
+                <a:ea typeface="Arial" panose="020B0604020202020204" pitchFamily="34" charset="0"/>
+              </a:rPr>
+              <a:t>), indicando el activo comprometido (tabla </a:t>
+            </a:r>
+            <a:r>
+              <a:rPr lang="es-PE" sz="1800" b="1" dirty="0">
+                <a:effectLst/>
+                <a:latin typeface="Times New Roman" panose="02020603050405020304" pitchFamily="18" charset="0"/>
+                <a:ea typeface="Arial" panose="020B0604020202020204" pitchFamily="34" charset="0"/>
+              </a:rPr>
+              <a:t>ACTIVO</a:t>
+            </a:r>
+            <a:r>
+              <a:rPr lang="es-PE" sz="1800" dirty="0">
+                <a:effectLst/>
+                <a:latin typeface="Times New Roman" panose="02020603050405020304" pitchFamily="18" charset="0"/>
+                <a:ea typeface="Arial" panose="020B0604020202020204" pitchFamily="34" charset="0"/>
+              </a:rPr>
+              <a:t>) y proporcionando detalles como descripción, fecha, gravedad y estado.</a:t>
+            </a:r>
+            <a:endParaRPr lang="en-GB" sz="1800" dirty="0">
+              <a:effectLst/>
+              <a:latin typeface="Arial" panose="020B0604020202020204" pitchFamily="34" charset="0"/>
+              <a:ea typeface="Arial" panose="020B0604020202020204" pitchFamily="34" charset="0"/>
+            </a:endParaRPr>
+          </a:p>
+        </p:txBody>
+      </p:sp>
+      <p:sp>
+        <p:nvSpPr>
+          <p:cNvPr id="7" name="Google Shape;426;p27">
+            <a:extLst>
+              <a:ext uri="{FF2B5EF4-FFF2-40B4-BE49-F238E27FC236}">
+                <a16:creationId xmlns:a16="http://schemas.microsoft.com/office/drawing/2014/main" id="{C00B22B2-83A1-4724-B53A-97FC05E9B37A}"/>
+              </a:ext>
+            </a:extLst>
+          </p:cNvPr>
+          <p:cNvSpPr txBox="1">
+            <a:spLocks/>
+          </p:cNvSpPr>
+          <p:nvPr/>
+        </p:nvSpPr>
+        <p:spPr>
+          <a:xfrm>
+            <a:off x="4113353" y="960173"/>
+            <a:ext cx="3755570" cy="5352292"/>
+          </a:xfrm>
+          <a:prstGeom prst="rect">
+            <a:avLst/>
+          </a:prstGeom>
+          <a:noFill/>
+          <a:ln>
+            <a:noFill/>
+          </a:ln>
+        </p:spPr>
+        <p:txBody>
+          <a:bodyPr spcFirstLastPara="1" wrap="square" lIns="121900" tIns="121900" rIns="121900" bIns="121900" anchor="t" anchorCtr="0">
+            <a:noAutofit/>
+          </a:bodyPr>
+          <a:lstStyle>
+            <a:defPPr marR="0" lvl="0" algn="l" rtl="0">
+              <a:lnSpc>
+                <a:spcPct val="100000"/>
+              </a:lnSpc>
+              <a:spcBef>
+                <a:spcPts val="0"/>
+              </a:spcBef>
+              <a:spcAft>
+                <a:spcPts val="0"/>
+              </a:spcAft>
+            </a:defPPr>
+            <a:lvl1pPr marL="457200" marR="0" lvl="0" indent="-342900" algn="l" rtl="0">
+              <a:lnSpc>
+                <a:spcPct val="115000"/>
+              </a:lnSpc>
+              <a:spcBef>
+                <a:spcPts val="0"/>
+              </a:spcBef>
+              <a:spcAft>
+                <a:spcPts val="0"/>
+              </a:spcAft>
+              <a:buClr>
+                <a:schemeClr val="dk2"/>
+              </a:buClr>
+              <a:buSzPts val="1800"/>
+              <a:buFont typeface="Roboto Mono"/>
+              <a:buNone/>
+              <a:defRPr sz="1800" b="0" i="0" u="none" strike="noStrike" cap="none">
+                <a:solidFill>
+                  <a:schemeClr val="dk2"/>
+                </a:solidFill>
+                <a:latin typeface="Roboto Mono"/>
+                <a:ea typeface="Roboto Mono"/>
+                <a:cs typeface="Roboto Mono"/>
+                <a:sym typeface="Roboto Mono"/>
+              </a:defRPr>
+            </a:lvl1pPr>
+            <a:lvl2pPr marL="914400" marR="0" lvl="1" indent="-342900" algn="l" rtl="0">
+              <a:lnSpc>
+                <a:spcPct val="115000"/>
+              </a:lnSpc>
+              <a:spcBef>
+                <a:spcPts val="2100"/>
+              </a:spcBef>
+              <a:spcAft>
+                <a:spcPts val="0"/>
+              </a:spcAft>
+              <a:buClr>
+                <a:schemeClr val="dk2"/>
+              </a:buClr>
+              <a:buSzPts val="1800"/>
+              <a:buFont typeface="Roboto Mono"/>
+              <a:buNone/>
+              <a:defRPr sz="1800" b="0" i="0" u="none" strike="noStrike" cap="none">
+                <a:solidFill>
+                  <a:schemeClr val="dk2"/>
+                </a:solidFill>
+                <a:latin typeface="Roboto Mono"/>
+                <a:ea typeface="Roboto Mono"/>
+                <a:cs typeface="Roboto Mono"/>
+                <a:sym typeface="Roboto Mono"/>
+              </a:defRPr>
+            </a:lvl2pPr>
+            <a:lvl3pPr marL="1371600" marR="0" lvl="2" indent="-342900" algn="l" rtl="0">
+              <a:lnSpc>
+                <a:spcPct val="115000"/>
+              </a:lnSpc>
+              <a:spcBef>
+                <a:spcPts val="2100"/>
+              </a:spcBef>
+              <a:spcAft>
+                <a:spcPts val="0"/>
+              </a:spcAft>
+              <a:buClr>
+                <a:schemeClr val="dk2"/>
+              </a:buClr>
+              <a:buSzPts val="1800"/>
+              <a:buFont typeface="Roboto Mono"/>
+              <a:buNone/>
+              <a:defRPr sz="1800" b="0" i="0" u="none" strike="noStrike" cap="none">
+                <a:solidFill>
+                  <a:schemeClr val="dk2"/>
+                </a:solidFill>
+                <a:latin typeface="Roboto Mono"/>
+                <a:ea typeface="Roboto Mono"/>
+                <a:cs typeface="Roboto Mono"/>
+                <a:sym typeface="Roboto Mono"/>
+              </a:defRPr>
+            </a:lvl3pPr>
+            <a:lvl4pPr marL="1828800" marR="0" lvl="3" indent="-342900" algn="l" rtl="0">
+              <a:lnSpc>
+                <a:spcPct val="115000"/>
+              </a:lnSpc>
+              <a:spcBef>
+                <a:spcPts val="2100"/>
+              </a:spcBef>
+              <a:spcAft>
+                <a:spcPts val="0"/>
+              </a:spcAft>
+              <a:buClr>
+                <a:schemeClr val="dk2"/>
+              </a:buClr>
+              <a:buSzPts val="1800"/>
+              <a:buFont typeface="Roboto Mono"/>
+              <a:buNone/>
+              <a:defRPr sz="1800" b="0" i="0" u="none" strike="noStrike" cap="none">
+                <a:solidFill>
+                  <a:schemeClr val="dk2"/>
+                </a:solidFill>
+                <a:latin typeface="Roboto Mono"/>
+                <a:ea typeface="Roboto Mono"/>
+                <a:cs typeface="Roboto Mono"/>
+                <a:sym typeface="Roboto Mono"/>
+              </a:defRPr>
+            </a:lvl4pPr>
+            <a:lvl5pPr marL="2286000" marR="0" lvl="4" indent="-342900" algn="l" rtl="0">
+              <a:lnSpc>
+                <a:spcPct val="115000"/>
+              </a:lnSpc>
+              <a:spcBef>
+                <a:spcPts val="2100"/>
+              </a:spcBef>
+              <a:spcAft>
+                <a:spcPts val="0"/>
+              </a:spcAft>
+              <a:buClr>
+                <a:schemeClr val="dk2"/>
+              </a:buClr>
+              <a:buSzPts val="1800"/>
+              <a:buFont typeface="Roboto Mono"/>
+              <a:buNone/>
+              <a:defRPr sz="1800" b="0" i="0" u="none" strike="noStrike" cap="none">
+                <a:solidFill>
+                  <a:schemeClr val="dk2"/>
+                </a:solidFill>
+                <a:latin typeface="Roboto Mono"/>
+                <a:ea typeface="Roboto Mono"/>
+                <a:cs typeface="Roboto Mono"/>
+                <a:sym typeface="Roboto Mono"/>
+              </a:defRPr>
+            </a:lvl5pPr>
+            <a:lvl6pPr marL="2743200" marR="0" lvl="5" indent="-342900" algn="l" rtl="0">
+              <a:lnSpc>
+                <a:spcPct val="115000"/>
+              </a:lnSpc>
+              <a:spcBef>
+                <a:spcPts val="2100"/>
+              </a:spcBef>
+              <a:spcAft>
+                <a:spcPts val="0"/>
+              </a:spcAft>
+              <a:buClr>
+                <a:schemeClr val="dk2"/>
+              </a:buClr>
+              <a:buSzPts val="1800"/>
+              <a:buFont typeface="Roboto Mono"/>
+              <a:buNone/>
+              <a:defRPr sz="1800" b="0" i="0" u="none" strike="noStrike" cap="none">
+                <a:solidFill>
+                  <a:schemeClr val="dk2"/>
+                </a:solidFill>
+                <a:latin typeface="Roboto Mono"/>
+                <a:ea typeface="Roboto Mono"/>
+                <a:cs typeface="Roboto Mono"/>
+                <a:sym typeface="Roboto Mono"/>
+              </a:defRPr>
+            </a:lvl6pPr>
+            <a:lvl7pPr marL="3200400" marR="0" lvl="6" indent="-342900" algn="l" rtl="0">
+              <a:lnSpc>
+                <a:spcPct val="115000"/>
+              </a:lnSpc>
+              <a:spcBef>
+                <a:spcPts val="2100"/>
+              </a:spcBef>
+              <a:spcAft>
+                <a:spcPts val="0"/>
+              </a:spcAft>
+              <a:buClr>
+                <a:schemeClr val="dk2"/>
+              </a:buClr>
+              <a:buSzPts val="1800"/>
+              <a:buFont typeface="Roboto Mono"/>
+              <a:buNone/>
+              <a:defRPr sz="1800" b="0" i="0" u="none" strike="noStrike" cap="none">
+                <a:solidFill>
+                  <a:schemeClr val="dk2"/>
+                </a:solidFill>
+                <a:latin typeface="Roboto Mono"/>
+                <a:ea typeface="Roboto Mono"/>
+                <a:cs typeface="Roboto Mono"/>
+                <a:sym typeface="Roboto Mono"/>
+              </a:defRPr>
+            </a:lvl7pPr>
+            <a:lvl8pPr marL="3657600" marR="0" lvl="7" indent="-342900" algn="l" rtl="0">
+              <a:lnSpc>
+                <a:spcPct val="115000"/>
+              </a:lnSpc>
+              <a:spcBef>
+                <a:spcPts val="2100"/>
+              </a:spcBef>
+              <a:spcAft>
+                <a:spcPts val="0"/>
+              </a:spcAft>
+              <a:buClr>
+                <a:schemeClr val="dk2"/>
+              </a:buClr>
+              <a:buSzPts val="1800"/>
+              <a:buFont typeface="Roboto Mono"/>
+              <a:buNone/>
+              <a:defRPr sz="1800" b="0" i="0" u="none" strike="noStrike" cap="none">
+                <a:solidFill>
+                  <a:schemeClr val="dk2"/>
+                </a:solidFill>
+                <a:latin typeface="Roboto Mono"/>
+                <a:ea typeface="Roboto Mono"/>
+                <a:cs typeface="Roboto Mono"/>
+                <a:sym typeface="Roboto Mono"/>
+              </a:defRPr>
+            </a:lvl8pPr>
+            <a:lvl9pPr marL="4114800" marR="0" lvl="8" indent="-342900" algn="l" rtl="0">
+              <a:lnSpc>
+                <a:spcPct val="115000"/>
+              </a:lnSpc>
+              <a:spcBef>
+                <a:spcPts val="2100"/>
+              </a:spcBef>
+              <a:spcAft>
+                <a:spcPts val="2100"/>
+              </a:spcAft>
+              <a:buClr>
+                <a:schemeClr val="dk2"/>
+              </a:buClr>
+              <a:buSzPts val="1800"/>
+              <a:buFont typeface="Roboto Mono"/>
+              <a:buNone/>
+              <a:defRPr sz="1800" b="0" i="0" u="none" strike="noStrike" cap="none">
+                <a:solidFill>
+                  <a:schemeClr val="dk2"/>
+                </a:solidFill>
+                <a:latin typeface="Roboto Mono"/>
+                <a:ea typeface="Roboto Mono"/>
+                <a:cs typeface="Roboto Mono"/>
+                <a:sym typeface="Roboto Mono"/>
+              </a:defRPr>
+            </a:lvl9pPr>
+          </a:lstStyle>
+          <a:p>
+            <a:pPr marL="0" marR="0" lvl="0" indent="0">
+              <a:lnSpc>
+                <a:spcPct val="150000"/>
+              </a:lnSpc>
+              <a:spcBef>
+                <a:spcPts val="0"/>
+              </a:spcBef>
+              <a:spcAft>
+                <a:spcPts val="0"/>
+              </a:spcAft>
+            </a:pPr>
+            <a:r>
+              <a:rPr lang="es-PE" sz="1800" dirty="0">
+                <a:effectLst/>
+                <a:latin typeface="Times New Roman" panose="02020603050405020304" pitchFamily="18" charset="0"/>
+                <a:ea typeface="Arial" panose="020B0604020202020204" pitchFamily="34" charset="0"/>
+              </a:rPr>
+              <a:t>2. RESPUESTA A INCIDENTE</a:t>
+            </a:r>
+            <a:endParaRPr lang="en-GB" dirty="0">
+              <a:latin typeface="Arial" panose="020B0604020202020204" pitchFamily="34" charset="0"/>
+              <a:ea typeface="Arial" panose="020B0604020202020204" pitchFamily="34" charset="0"/>
+            </a:endParaRPr>
+          </a:p>
+          <a:p>
+            <a:pPr marL="0" marR="0" lvl="0" indent="0">
+              <a:lnSpc>
+                <a:spcPct val="150000"/>
+              </a:lnSpc>
+              <a:spcBef>
+                <a:spcPts val="0"/>
+              </a:spcBef>
+              <a:spcAft>
+                <a:spcPts val="0"/>
+              </a:spcAft>
+            </a:pPr>
+            <a:endParaRPr lang="en-GB" sz="1800" dirty="0">
+              <a:effectLst/>
+              <a:latin typeface="Arial" panose="020B0604020202020204" pitchFamily="34" charset="0"/>
+              <a:ea typeface="Arial" panose="020B0604020202020204" pitchFamily="34" charset="0"/>
+            </a:endParaRPr>
+          </a:p>
+          <a:p>
+            <a:pPr marL="0" marR="0" lvl="0" indent="0">
+              <a:lnSpc>
+                <a:spcPct val="150000"/>
+              </a:lnSpc>
+              <a:spcBef>
+                <a:spcPts val="0"/>
+              </a:spcBef>
+              <a:spcAft>
+                <a:spcPts val="0"/>
+              </a:spcAft>
+            </a:pPr>
+            <a:r>
+              <a:rPr lang="es-PE" sz="1800" dirty="0">
+                <a:effectLst/>
+                <a:latin typeface="Times New Roman" panose="02020603050405020304" pitchFamily="18" charset="0"/>
+                <a:ea typeface="Arial" panose="020B0604020202020204" pitchFamily="34" charset="0"/>
+              </a:rPr>
+              <a:t>Un equipo de respuesta (tabla </a:t>
+            </a:r>
+            <a:r>
+              <a:rPr lang="es-PE" sz="1800" b="1" dirty="0">
+                <a:effectLst/>
+                <a:latin typeface="Times New Roman" panose="02020603050405020304" pitchFamily="18" charset="0"/>
+                <a:ea typeface="Arial" panose="020B0604020202020204" pitchFamily="34" charset="0"/>
+              </a:rPr>
+              <a:t>EQUIPO_IR</a:t>
+            </a:r>
+            <a:r>
+              <a:rPr lang="es-PE" sz="1800" dirty="0">
+                <a:effectLst/>
+                <a:latin typeface="Times New Roman" panose="02020603050405020304" pitchFamily="18" charset="0"/>
+                <a:ea typeface="Arial" panose="020B0604020202020204" pitchFamily="34" charset="0"/>
+              </a:rPr>
+              <a:t>) se asigna al incidente y proporciona una respuesta (tabla </a:t>
+            </a:r>
+            <a:r>
+              <a:rPr lang="es-PE" sz="1800" b="1" dirty="0">
+                <a:effectLst/>
+                <a:latin typeface="Times New Roman" panose="02020603050405020304" pitchFamily="18" charset="0"/>
+                <a:ea typeface="Arial" panose="020B0604020202020204" pitchFamily="34" charset="0"/>
+              </a:rPr>
+              <a:t>RESPUESTA_INCIDENTE</a:t>
+            </a:r>
+            <a:r>
+              <a:rPr lang="es-PE" sz="1800" dirty="0">
+                <a:effectLst/>
+                <a:latin typeface="Times New Roman" panose="02020603050405020304" pitchFamily="18" charset="0"/>
+                <a:ea typeface="Arial" panose="020B0604020202020204" pitchFamily="34" charset="0"/>
+              </a:rPr>
+              <a:t>). La respuesta incluye medidas de contención y el nivel de erradicación, y está relacionada con una vulnerabilidad específica (tabla </a:t>
+            </a:r>
+            <a:r>
+              <a:rPr lang="es-PE" sz="1800" b="1" dirty="0">
+                <a:effectLst/>
+                <a:latin typeface="Times New Roman" panose="02020603050405020304" pitchFamily="18" charset="0"/>
+                <a:ea typeface="Arial" panose="020B0604020202020204" pitchFamily="34" charset="0"/>
+              </a:rPr>
+              <a:t>VULNERABILIDAD</a:t>
+            </a:r>
+            <a:r>
+              <a:rPr lang="es-PE" sz="1800" dirty="0">
+                <a:effectLst/>
+                <a:latin typeface="Times New Roman" panose="02020603050405020304" pitchFamily="18" charset="0"/>
+                <a:ea typeface="Arial" panose="020B0604020202020204" pitchFamily="34" charset="0"/>
+              </a:rPr>
+              <a:t>).</a:t>
+            </a:r>
+            <a:endParaRPr lang="en-GB" sz="1800" dirty="0">
+              <a:effectLst/>
+              <a:latin typeface="Arial" panose="020B0604020202020204" pitchFamily="34" charset="0"/>
+              <a:ea typeface="Arial" panose="020B0604020202020204" pitchFamily="34" charset="0"/>
+            </a:endParaRPr>
+          </a:p>
+        </p:txBody>
+      </p:sp>
+      <p:sp>
+        <p:nvSpPr>
+          <p:cNvPr id="8" name="Google Shape;426;p27">
+            <a:extLst>
+              <a:ext uri="{FF2B5EF4-FFF2-40B4-BE49-F238E27FC236}">
+                <a16:creationId xmlns:a16="http://schemas.microsoft.com/office/drawing/2014/main" id="{58A9B666-9B41-477A-B731-731DE462BEED}"/>
+              </a:ext>
+            </a:extLst>
+          </p:cNvPr>
+          <p:cNvSpPr txBox="1">
+            <a:spLocks/>
+          </p:cNvSpPr>
+          <p:nvPr/>
+        </p:nvSpPr>
+        <p:spPr>
+          <a:xfrm>
+            <a:off x="8436429" y="960173"/>
+            <a:ext cx="3755572" cy="5352292"/>
+          </a:xfrm>
+          <a:prstGeom prst="rect">
+            <a:avLst/>
+          </a:prstGeom>
+          <a:noFill/>
+          <a:ln>
+            <a:noFill/>
+          </a:ln>
+        </p:spPr>
+        <p:txBody>
+          <a:bodyPr spcFirstLastPara="1" wrap="square" lIns="121900" tIns="121900" rIns="121900" bIns="121900" anchor="t" anchorCtr="0">
+            <a:noAutofit/>
+          </a:bodyPr>
+          <a:lstStyle>
+            <a:defPPr marR="0" lvl="0" algn="l" rtl="0">
+              <a:lnSpc>
+                <a:spcPct val="100000"/>
+              </a:lnSpc>
+              <a:spcBef>
+                <a:spcPts val="0"/>
+              </a:spcBef>
+              <a:spcAft>
+                <a:spcPts val="0"/>
+              </a:spcAft>
+            </a:defPPr>
+            <a:lvl1pPr marL="457200" marR="0" lvl="0" indent="-342900" algn="l" rtl="0">
+              <a:lnSpc>
+                <a:spcPct val="115000"/>
+              </a:lnSpc>
+              <a:spcBef>
+                <a:spcPts val="0"/>
+              </a:spcBef>
+              <a:spcAft>
+                <a:spcPts val="0"/>
+              </a:spcAft>
+              <a:buClr>
+                <a:schemeClr val="dk2"/>
+              </a:buClr>
+              <a:buSzPts val="1800"/>
+              <a:buFont typeface="Roboto Mono"/>
+              <a:buNone/>
+              <a:defRPr sz="1800" b="0" i="0" u="none" strike="noStrike" cap="none">
+                <a:solidFill>
+                  <a:schemeClr val="dk2"/>
+                </a:solidFill>
+                <a:latin typeface="Roboto Mono"/>
+                <a:ea typeface="Roboto Mono"/>
+                <a:cs typeface="Roboto Mono"/>
+                <a:sym typeface="Roboto Mono"/>
+              </a:defRPr>
+            </a:lvl1pPr>
+            <a:lvl2pPr marL="914400" marR="0" lvl="1" indent="-342900" algn="l" rtl="0">
+              <a:lnSpc>
+                <a:spcPct val="115000"/>
+              </a:lnSpc>
+              <a:spcBef>
+                <a:spcPts val="2100"/>
+              </a:spcBef>
+              <a:spcAft>
+                <a:spcPts val="0"/>
+              </a:spcAft>
+              <a:buClr>
+                <a:schemeClr val="dk2"/>
+              </a:buClr>
+              <a:buSzPts val="1800"/>
+              <a:buFont typeface="Roboto Mono"/>
+              <a:buNone/>
+              <a:defRPr sz="1800" b="0" i="0" u="none" strike="noStrike" cap="none">
+                <a:solidFill>
+                  <a:schemeClr val="dk2"/>
+                </a:solidFill>
+                <a:latin typeface="Roboto Mono"/>
+                <a:ea typeface="Roboto Mono"/>
+                <a:cs typeface="Roboto Mono"/>
+                <a:sym typeface="Roboto Mono"/>
+              </a:defRPr>
+            </a:lvl2pPr>
+            <a:lvl3pPr marL="1371600" marR="0" lvl="2" indent="-342900" algn="l" rtl="0">
+              <a:lnSpc>
+                <a:spcPct val="115000"/>
+              </a:lnSpc>
+              <a:spcBef>
+                <a:spcPts val="2100"/>
+              </a:spcBef>
+              <a:spcAft>
+                <a:spcPts val="0"/>
+              </a:spcAft>
+              <a:buClr>
+                <a:schemeClr val="dk2"/>
+              </a:buClr>
+              <a:buSzPts val="1800"/>
+              <a:buFont typeface="Roboto Mono"/>
+              <a:buNone/>
+              <a:defRPr sz="1800" b="0" i="0" u="none" strike="noStrike" cap="none">
+                <a:solidFill>
+                  <a:schemeClr val="dk2"/>
+                </a:solidFill>
+                <a:latin typeface="Roboto Mono"/>
+                <a:ea typeface="Roboto Mono"/>
+                <a:cs typeface="Roboto Mono"/>
+                <a:sym typeface="Roboto Mono"/>
+              </a:defRPr>
+            </a:lvl3pPr>
+            <a:lvl4pPr marL="1828800" marR="0" lvl="3" indent="-342900" algn="l" rtl="0">
+              <a:lnSpc>
+                <a:spcPct val="115000"/>
+              </a:lnSpc>
+              <a:spcBef>
+                <a:spcPts val="2100"/>
+              </a:spcBef>
+              <a:spcAft>
+                <a:spcPts val="0"/>
+              </a:spcAft>
+              <a:buClr>
+                <a:schemeClr val="dk2"/>
+              </a:buClr>
+              <a:buSzPts val="1800"/>
+              <a:buFont typeface="Roboto Mono"/>
+              <a:buNone/>
+              <a:defRPr sz="1800" b="0" i="0" u="none" strike="noStrike" cap="none">
+                <a:solidFill>
+                  <a:schemeClr val="dk2"/>
+                </a:solidFill>
+                <a:latin typeface="Roboto Mono"/>
+                <a:ea typeface="Roboto Mono"/>
+                <a:cs typeface="Roboto Mono"/>
+                <a:sym typeface="Roboto Mono"/>
+              </a:defRPr>
+            </a:lvl4pPr>
+            <a:lvl5pPr marL="2286000" marR="0" lvl="4" indent="-342900" algn="l" rtl="0">
+              <a:lnSpc>
+                <a:spcPct val="115000"/>
+              </a:lnSpc>
+              <a:spcBef>
+                <a:spcPts val="2100"/>
+              </a:spcBef>
+              <a:spcAft>
+                <a:spcPts val="0"/>
+              </a:spcAft>
+              <a:buClr>
+                <a:schemeClr val="dk2"/>
+              </a:buClr>
+              <a:buSzPts val="1800"/>
+              <a:buFont typeface="Roboto Mono"/>
+              <a:buNone/>
+              <a:defRPr sz="1800" b="0" i="0" u="none" strike="noStrike" cap="none">
+                <a:solidFill>
+                  <a:schemeClr val="dk2"/>
+                </a:solidFill>
+                <a:latin typeface="Roboto Mono"/>
+                <a:ea typeface="Roboto Mono"/>
+                <a:cs typeface="Roboto Mono"/>
+                <a:sym typeface="Roboto Mono"/>
+              </a:defRPr>
+            </a:lvl5pPr>
+            <a:lvl6pPr marL="2743200" marR="0" lvl="5" indent="-342900" algn="l" rtl="0">
+              <a:lnSpc>
+                <a:spcPct val="115000"/>
+              </a:lnSpc>
+              <a:spcBef>
+                <a:spcPts val="2100"/>
+              </a:spcBef>
+              <a:spcAft>
+                <a:spcPts val="0"/>
+              </a:spcAft>
+              <a:buClr>
+                <a:schemeClr val="dk2"/>
+              </a:buClr>
+              <a:buSzPts val="1800"/>
+              <a:buFont typeface="Roboto Mono"/>
+              <a:buNone/>
+              <a:defRPr sz="1800" b="0" i="0" u="none" strike="noStrike" cap="none">
+                <a:solidFill>
+                  <a:schemeClr val="dk2"/>
+                </a:solidFill>
+                <a:latin typeface="Roboto Mono"/>
+                <a:ea typeface="Roboto Mono"/>
+                <a:cs typeface="Roboto Mono"/>
+                <a:sym typeface="Roboto Mono"/>
+              </a:defRPr>
+            </a:lvl6pPr>
+            <a:lvl7pPr marL="3200400" marR="0" lvl="6" indent="-342900" algn="l" rtl="0">
+              <a:lnSpc>
+                <a:spcPct val="115000"/>
+              </a:lnSpc>
+              <a:spcBef>
+                <a:spcPts val="2100"/>
+              </a:spcBef>
+              <a:spcAft>
+                <a:spcPts val="0"/>
+              </a:spcAft>
+              <a:buClr>
+                <a:schemeClr val="dk2"/>
+              </a:buClr>
+              <a:buSzPts val="1800"/>
+              <a:buFont typeface="Roboto Mono"/>
+              <a:buNone/>
+              <a:defRPr sz="1800" b="0" i="0" u="none" strike="noStrike" cap="none">
+                <a:solidFill>
+                  <a:schemeClr val="dk2"/>
+                </a:solidFill>
+                <a:latin typeface="Roboto Mono"/>
+                <a:ea typeface="Roboto Mono"/>
+                <a:cs typeface="Roboto Mono"/>
+                <a:sym typeface="Roboto Mono"/>
+              </a:defRPr>
+            </a:lvl7pPr>
+            <a:lvl8pPr marL="3657600" marR="0" lvl="7" indent="-342900" algn="l" rtl="0">
+              <a:lnSpc>
+                <a:spcPct val="115000"/>
+              </a:lnSpc>
+              <a:spcBef>
+                <a:spcPts val="2100"/>
+              </a:spcBef>
+              <a:spcAft>
+                <a:spcPts val="0"/>
+              </a:spcAft>
+              <a:buClr>
+                <a:schemeClr val="dk2"/>
+              </a:buClr>
+              <a:buSzPts val="1800"/>
+              <a:buFont typeface="Roboto Mono"/>
+              <a:buNone/>
+              <a:defRPr sz="1800" b="0" i="0" u="none" strike="noStrike" cap="none">
+                <a:solidFill>
+                  <a:schemeClr val="dk2"/>
+                </a:solidFill>
+                <a:latin typeface="Roboto Mono"/>
+                <a:ea typeface="Roboto Mono"/>
+                <a:cs typeface="Roboto Mono"/>
+                <a:sym typeface="Roboto Mono"/>
+              </a:defRPr>
+            </a:lvl8pPr>
+            <a:lvl9pPr marL="4114800" marR="0" lvl="8" indent="-342900" algn="l" rtl="0">
+              <a:lnSpc>
+                <a:spcPct val="115000"/>
+              </a:lnSpc>
+              <a:spcBef>
+                <a:spcPts val="2100"/>
+              </a:spcBef>
+              <a:spcAft>
+                <a:spcPts val="2100"/>
+              </a:spcAft>
+              <a:buClr>
+                <a:schemeClr val="dk2"/>
+              </a:buClr>
+              <a:buSzPts val="1800"/>
+              <a:buFont typeface="Roboto Mono"/>
+              <a:buNone/>
+              <a:defRPr sz="1800" b="0" i="0" u="none" strike="noStrike" cap="none">
+                <a:solidFill>
+                  <a:schemeClr val="dk2"/>
+                </a:solidFill>
+                <a:latin typeface="Roboto Mono"/>
+                <a:ea typeface="Roboto Mono"/>
+                <a:cs typeface="Roboto Mono"/>
+                <a:sym typeface="Roboto Mono"/>
+              </a:defRPr>
+            </a:lvl9pPr>
+          </a:lstStyle>
+          <a:p>
+            <a:pPr marL="0" marR="0" lvl="0" indent="0">
+              <a:lnSpc>
+                <a:spcPct val="150000"/>
+              </a:lnSpc>
+              <a:spcBef>
+                <a:spcPts val="0"/>
+              </a:spcBef>
+              <a:spcAft>
+                <a:spcPts val="0"/>
+              </a:spcAft>
+            </a:pPr>
+            <a:r>
+              <a:rPr lang="es-PE" sz="1800" dirty="0">
+                <a:effectLst/>
+                <a:latin typeface="Times New Roman" panose="02020603050405020304" pitchFamily="18" charset="0"/>
+                <a:ea typeface="Arial" panose="020B0604020202020204" pitchFamily="34" charset="0"/>
+              </a:rPr>
+              <a:t>3. DOCUMENTACIÓN DE VULNERABILIDADES</a:t>
+            </a:r>
+          </a:p>
+          <a:p>
+            <a:pPr marL="0" marR="0" lvl="0" indent="0">
+              <a:lnSpc>
+                <a:spcPct val="150000"/>
+              </a:lnSpc>
+              <a:spcBef>
+                <a:spcPts val="0"/>
+              </a:spcBef>
+              <a:spcAft>
+                <a:spcPts val="0"/>
+              </a:spcAft>
+            </a:pPr>
+            <a:endParaRPr lang="en-GB" dirty="0">
+              <a:latin typeface="Arial" panose="020B0604020202020204" pitchFamily="34" charset="0"/>
+              <a:ea typeface="Arial" panose="020B0604020202020204" pitchFamily="34" charset="0"/>
+            </a:endParaRPr>
+          </a:p>
+          <a:p>
+            <a:pPr marL="0" marR="0" lvl="0" indent="0">
+              <a:lnSpc>
+                <a:spcPct val="150000"/>
+              </a:lnSpc>
+              <a:spcBef>
+                <a:spcPts val="0"/>
+              </a:spcBef>
+              <a:spcAft>
+                <a:spcPts val="0"/>
+              </a:spcAft>
+            </a:pPr>
+            <a:r>
+              <a:rPr lang="es-PE" sz="1800" dirty="0">
+                <a:effectLst/>
+                <a:latin typeface="Times New Roman" panose="02020603050405020304" pitchFamily="18" charset="0"/>
+                <a:ea typeface="Arial" panose="020B0604020202020204" pitchFamily="34" charset="0"/>
+              </a:rPr>
+              <a:t>Las vulnerabilidades (tabla VULNERABILIDAD) que comprometen los activos se registran y se relacionan con los activos afectados (tabla VULNERABILIDAD_ACTIVO), especificando los datos comprometidos.</a:t>
+            </a:r>
+            <a:endParaRPr lang="en-GB" sz="1800" dirty="0">
+              <a:effectLst/>
+              <a:latin typeface="Arial" panose="020B0604020202020204" pitchFamily="34" charset="0"/>
+              <a:ea typeface="Arial" panose="020B0604020202020204" pitchFamily="34" charset="0"/>
+            </a:endParaRPr>
+          </a:p>
+        </p:txBody>
+      </p:sp>
+    </p:spTree>
+    <p:extLst>
+      <p:ext uri="{BB962C8B-B14F-4D97-AF65-F5344CB8AC3E}">
+        <p14:creationId xmlns:p14="http://schemas.microsoft.com/office/powerpoint/2010/main" val="3709196464"/>
+      </p:ext>
+    </p:extLst>
+  </p:cSld>
+  <p:clrMapOvr>
+    <a:masterClrMapping/>
+  </p:clrMapOvr>
+</p:sld>
+</file>
+
+<file path=ppt/slides/slide7.xml><?xml version="1.0" encoding="utf-8"?>
+<p:sld xmlns:a="http://schemas.openxmlformats.org/drawingml/2006/main" xmlns:r="http://schemas.openxmlformats.org/officeDocument/2006/relationships" xmlns:p="http://schemas.openxmlformats.org/presentationml/2006/main">
+  <p:cSld>
+    <p:spTree>
+      <p:nvGrpSpPr>
+        <p:cNvPr id="1" name="Shape 463"/>
+        <p:cNvGrpSpPr/>
+        <p:nvPr/>
+      </p:nvGrpSpPr>
+      <p:grpSpPr>
+        <a:xfrm>
+          <a:off x="0" y="0"/>
+          <a:ext cx="0" cy="0"/>
+          <a:chOff x="0" y="0"/>
+          <a:chExt cx="0" cy="0"/>
+        </a:xfrm>
+      </p:grpSpPr>
+      <p:sp>
+        <p:nvSpPr>
+          <p:cNvPr id="9" name="Google Shape;424;p27">
+            <a:extLst>
+              <a:ext uri="{FF2B5EF4-FFF2-40B4-BE49-F238E27FC236}">
+                <a16:creationId xmlns:a16="http://schemas.microsoft.com/office/drawing/2014/main" id="{60D670A1-88F1-4C4E-91D5-A70F722DDED2}"/>
+              </a:ext>
+            </a:extLst>
+          </p:cNvPr>
+          <p:cNvSpPr txBox="1">
+            <a:spLocks noGrp="1"/>
+          </p:cNvSpPr>
+          <p:nvPr>
+            <p:ph type="title"/>
+          </p:nvPr>
+        </p:nvSpPr>
+        <p:spPr>
+          <a:xfrm>
+            <a:off x="593055" y="84198"/>
+            <a:ext cx="9478691" cy="491301"/>
+          </a:xfrm>
+          <a:prstGeom prst="rect">
+            <a:avLst/>
+          </a:prstGeom>
+        </p:spPr>
+        <p:txBody>
+          <a:bodyPr spcFirstLastPara="1" wrap="square" lIns="121900" tIns="121900" rIns="121900" bIns="121900" anchor="t" anchorCtr="0">
+            <a:noAutofit/>
+          </a:bodyPr>
+          <a:lstStyle/>
+          <a:p>
+            <a:pPr marL="0" lvl="0" indent="0" algn="l" rtl="0">
+              <a:spcBef>
+                <a:spcPts val="0"/>
+              </a:spcBef>
+              <a:spcAft>
+                <a:spcPts val="0"/>
+              </a:spcAft>
+              <a:buNone/>
+            </a:pPr>
+            <a:r>
+              <a:rPr lang="en-US" sz="2000" dirty="0"/>
+              <a:t>DIAGRAMA ENTIDAD RELACION</a:t>
+            </a:r>
+            <a:endParaRPr sz="2000" dirty="0">
+              <a:solidFill>
+                <a:schemeClr val="accent1"/>
+              </a:solidFill>
+            </a:endParaRPr>
+          </a:p>
+        </p:txBody>
+      </p:sp>
+      <p:pic>
+        <p:nvPicPr>
+          <p:cNvPr id="10" name="Picture 9">
+            <a:extLst>
+              <a:ext uri="{FF2B5EF4-FFF2-40B4-BE49-F238E27FC236}">
+                <a16:creationId xmlns:a16="http://schemas.microsoft.com/office/drawing/2014/main" id="{CCD0E55E-9C54-4AC8-9D48-AEC50DB72765}"/>
+              </a:ext>
+            </a:extLst>
+          </p:cNvPr>
+          <p:cNvPicPr/>
+          <p:nvPr/>
+        </p:nvPicPr>
+        <p:blipFill>
+          <a:blip r:embed="rId3" cstate="print">
+            <a:extLst>
+              <a:ext uri="{28A0092B-C50C-407E-A947-70E740481C1C}">
+                <a14:useLocalDpi xmlns:a14="http://schemas.microsoft.com/office/drawing/2010/main" val="0"/>
+              </a:ext>
+            </a:extLst>
+          </a:blip>
+          <a:srcRect/>
+          <a:stretch>
+            <a:fillRect/>
+          </a:stretch>
+        </p:blipFill>
+        <p:spPr bwMode="auto">
+          <a:xfrm>
+            <a:off x="694017" y="575499"/>
+            <a:ext cx="11079100" cy="5697274"/>
+          </a:xfrm>
+          <a:prstGeom prst="rect">
+            <a:avLst/>
+          </a:prstGeom>
+          <a:noFill/>
+          <a:ln>
+            <a:noFill/>
+          </a:ln>
+        </p:spPr>
+      </p:pic>
+    </p:spTree>
+  </p:cSld>
+  <p:clrMapOvr>
+    <a:masterClrMapping/>
+  </p:clrMapOvr>
+</p:sld>
+</file>
+
+<file path=ppt/slides/slide8.xml><?xml version="1.0" encoding="utf-8"?>
+<p:sld xmlns:a="http://schemas.openxmlformats.org/drawingml/2006/main" xmlns:r="http://schemas.openxmlformats.org/officeDocument/2006/relationships" xmlns:p="http://schemas.openxmlformats.org/presentationml/2006/main">
+  <p:cSld>
+    <p:spTree>
+      <p:nvGrpSpPr>
+        <p:cNvPr id="1" name="Shape 463"/>
+        <p:cNvGrpSpPr/>
+        <p:nvPr/>
+      </p:nvGrpSpPr>
+      <p:grpSpPr>
+        <a:xfrm>
+          <a:off x="0" y="0"/>
+          <a:ext cx="0" cy="0"/>
+          <a:chOff x="0" y="0"/>
+          <a:chExt cx="0" cy="0"/>
+        </a:xfrm>
+      </p:grpSpPr>
+      <p:sp>
+        <p:nvSpPr>
+          <p:cNvPr id="9" name="Google Shape;424;p27">
+            <a:extLst>
+              <a:ext uri="{FF2B5EF4-FFF2-40B4-BE49-F238E27FC236}">
+                <a16:creationId xmlns:a16="http://schemas.microsoft.com/office/drawing/2014/main" id="{60D670A1-88F1-4C4E-91D5-A70F722DDED2}"/>
+              </a:ext>
+            </a:extLst>
+          </p:cNvPr>
+          <p:cNvSpPr txBox="1">
+            <a:spLocks noGrp="1"/>
+          </p:cNvSpPr>
+          <p:nvPr>
+            <p:ph type="title"/>
+          </p:nvPr>
+        </p:nvSpPr>
+        <p:spPr>
+          <a:xfrm>
+            <a:off x="849086" y="466439"/>
+            <a:ext cx="9478691" cy="491301"/>
+          </a:xfrm>
+          <a:prstGeom prst="rect">
+            <a:avLst/>
+          </a:prstGeom>
+        </p:spPr>
+        <p:txBody>
+          <a:bodyPr spcFirstLastPara="1" wrap="square" lIns="121900" tIns="121900" rIns="121900" bIns="121900" anchor="t" anchorCtr="0">
+            <a:noAutofit/>
+          </a:bodyPr>
+          <a:lstStyle/>
+          <a:p>
+            <a:pPr marL="0" lvl="0" indent="0" algn="l" rtl="0">
+              <a:spcBef>
+                <a:spcPts val="0"/>
+              </a:spcBef>
+              <a:spcAft>
+                <a:spcPts val="0"/>
+              </a:spcAft>
+              <a:buNone/>
+            </a:pPr>
+            <a:r>
+              <a:rPr lang="en-US" sz="2400" dirty="0"/>
+              <a:t>MODELO RELACIONAL</a:t>
+            </a:r>
+            <a:endParaRPr lang="en-US" sz="2400" dirty="0">
+              <a:solidFill>
+                <a:schemeClr val="accent1"/>
+              </a:solidFill>
+            </a:endParaRPr>
+          </a:p>
+        </p:txBody>
+      </p:sp>
+      <p:sp>
+        <p:nvSpPr>
+          <p:cNvPr id="5" name="Google Shape;426;p27">
+            <a:extLst>
+              <a:ext uri="{FF2B5EF4-FFF2-40B4-BE49-F238E27FC236}">
+                <a16:creationId xmlns:a16="http://schemas.microsoft.com/office/drawing/2014/main" id="{97582337-065E-442B-B281-DE3D4C7BCF67}"/>
+              </a:ext>
+            </a:extLst>
+          </p:cNvPr>
+          <p:cNvSpPr txBox="1">
+            <a:spLocks/>
+          </p:cNvSpPr>
+          <p:nvPr/>
+        </p:nvSpPr>
+        <p:spPr>
+          <a:xfrm>
+            <a:off x="849086" y="1039269"/>
+            <a:ext cx="11108811" cy="3590100"/>
+          </a:xfrm>
+          <a:prstGeom prst="rect">
+            <a:avLst/>
+          </a:prstGeom>
+          <a:noFill/>
+          <a:ln>
+            <a:noFill/>
+          </a:ln>
+        </p:spPr>
+        <p:txBody>
+          <a:bodyPr spcFirstLastPara="1" wrap="square" lIns="121900" tIns="121900" rIns="121900" bIns="121900" anchor="t" anchorCtr="0">
+            <a:noAutofit/>
+          </a:bodyPr>
+          <a:lstStyle>
+            <a:defPPr marR="0" lvl="0" algn="l" rtl="0">
+              <a:lnSpc>
+                <a:spcPct val="100000"/>
+              </a:lnSpc>
+              <a:spcBef>
+                <a:spcPts val="0"/>
+              </a:spcBef>
+              <a:spcAft>
+                <a:spcPts val="0"/>
+              </a:spcAft>
+            </a:defPPr>
+            <a:lvl1pPr marL="457200" marR="0" lvl="0" indent="-342900" algn="l" rtl="0">
+              <a:lnSpc>
+                <a:spcPct val="115000"/>
+              </a:lnSpc>
+              <a:spcBef>
+                <a:spcPts val="0"/>
+              </a:spcBef>
+              <a:spcAft>
+                <a:spcPts val="0"/>
+              </a:spcAft>
+              <a:buClr>
+                <a:schemeClr val="dk2"/>
+              </a:buClr>
+              <a:buSzPts val="1800"/>
+              <a:buFont typeface="Roboto Mono"/>
+              <a:buNone/>
+              <a:defRPr sz="1800" b="0" i="0" u="none" strike="noStrike" cap="none">
+                <a:solidFill>
+                  <a:schemeClr val="dk2"/>
+                </a:solidFill>
+                <a:latin typeface="Roboto Mono"/>
+                <a:ea typeface="Roboto Mono"/>
+                <a:cs typeface="Roboto Mono"/>
+                <a:sym typeface="Roboto Mono"/>
+              </a:defRPr>
+            </a:lvl1pPr>
+            <a:lvl2pPr marL="914400" marR="0" lvl="1" indent="-342900" algn="l" rtl="0">
+              <a:lnSpc>
+                <a:spcPct val="115000"/>
+              </a:lnSpc>
+              <a:spcBef>
+                <a:spcPts val="2100"/>
+              </a:spcBef>
+              <a:spcAft>
+                <a:spcPts val="0"/>
+              </a:spcAft>
+              <a:buClr>
+                <a:schemeClr val="dk2"/>
+              </a:buClr>
+              <a:buSzPts val="1800"/>
+              <a:buFont typeface="Roboto Mono"/>
+              <a:buNone/>
+              <a:defRPr sz="1800" b="0" i="0" u="none" strike="noStrike" cap="none">
+                <a:solidFill>
+                  <a:schemeClr val="dk2"/>
+                </a:solidFill>
+                <a:latin typeface="Roboto Mono"/>
+                <a:ea typeface="Roboto Mono"/>
+                <a:cs typeface="Roboto Mono"/>
+                <a:sym typeface="Roboto Mono"/>
+              </a:defRPr>
+            </a:lvl2pPr>
+            <a:lvl3pPr marL="1371600" marR="0" lvl="2" indent="-342900" algn="l" rtl="0">
+              <a:lnSpc>
+                <a:spcPct val="115000"/>
+              </a:lnSpc>
+              <a:spcBef>
+                <a:spcPts val="2100"/>
+              </a:spcBef>
+              <a:spcAft>
+                <a:spcPts val="0"/>
+              </a:spcAft>
+              <a:buClr>
+                <a:schemeClr val="dk2"/>
+              </a:buClr>
+              <a:buSzPts val="1800"/>
+              <a:buFont typeface="Roboto Mono"/>
+              <a:buNone/>
+              <a:defRPr sz="1800" b="0" i="0" u="none" strike="noStrike" cap="none">
+                <a:solidFill>
+                  <a:schemeClr val="dk2"/>
+                </a:solidFill>
+                <a:latin typeface="Roboto Mono"/>
+                <a:ea typeface="Roboto Mono"/>
+                <a:cs typeface="Roboto Mono"/>
+                <a:sym typeface="Roboto Mono"/>
+              </a:defRPr>
+            </a:lvl3pPr>
+            <a:lvl4pPr marL="1828800" marR="0" lvl="3" indent="-342900" algn="l" rtl="0">
+              <a:lnSpc>
+                <a:spcPct val="115000"/>
+              </a:lnSpc>
+              <a:spcBef>
+                <a:spcPts val="2100"/>
+              </a:spcBef>
+              <a:spcAft>
+                <a:spcPts val="0"/>
+              </a:spcAft>
+              <a:buClr>
+                <a:schemeClr val="dk2"/>
+              </a:buClr>
+              <a:buSzPts val="1800"/>
+              <a:buFont typeface="Roboto Mono"/>
+              <a:buNone/>
+              <a:defRPr sz="1800" b="0" i="0" u="none" strike="noStrike" cap="none">
+                <a:solidFill>
+                  <a:schemeClr val="dk2"/>
+                </a:solidFill>
+                <a:latin typeface="Roboto Mono"/>
+                <a:ea typeface="Roboto Mono"/>
+                <a:cs typeface="Roboto Mono"/>
+                <a:sym typeface="Roboto Mono"/>
+              </a:defRPr>
+            </a:lvl4pPr>
+            <a:lvl5pPr marL="2286000" marR="0" lvl="4" indent="-342900" algn="l" rtl="0">
+              <a:lnSpc>
+                <a:spcPct val="115000"/>
+              </a:lnSpc>
+              <a:spcBef>
+                <a:spcPts val="2100"/>
+              </a:spcBef>
+              <a:spcAft>
+                <a:spcPts val="0"/>
+              </a:spcAft>
+              <a:buClr>
+                <a:schemeClr val="dk2"/>
+              </a:buClr>
+              <a:buSzPts val="1800"/>
+              <a:buFont typeface="Roboto Mono"/>
+              <a:buNone/>
+              <a:defRPr sz="1800" b="0" i="0" u="none" strike="noStrike" cap="none">
+                <a:solidFill>
+                  <a:schemeClr val="dk2"/>
+                </a:solidFill>
+                <a:latin typeface="Roboto Mono"/>
+                <a:ea typeface="Roboto Mono"/>
+                <a:cs typeface="Roboto Mono"/>
+                <a:sym typeface="Roboto Mono"/>
+              </a:defRPr>
+            </a:lvl5pPr>
+            <a:lvl6pPr marL="2743200" marR="0" lvl="5" indent="-342900" algn="l" rtl="0">
+              <a:lnSpc>
+                <a:spcPct val="115000"/>
+              </a:lnSpc>
+              <a:spcBef>
+                <a:spcPts val="2100"/>
+              </a:spcBef>
+              <a:spcAft>
+                <a:spcPts val="0"/>
+              </a:spcAft>
+              <a:buClr>
+                <a:schemeClr val="dk2"/>
+              </a:buClr>
+              <a:buSzPts val="1800"/>
+              <a:buFont typeface="Roboto Mono"/>
+              <a:buNone/>
+              <a:defRPr sz="1800" b="0" i="0" u="none" strike="noStrike" cap="none">
+                <a:solidFill>
+                  <a:schemeClr val="dk2"/>
+                </a:solidFill>
+                <a:latin typeface="Roboto Mono"/>
+                <a:ea typeface="Roboto Mono"/>
+                <a:cs typeface="Roboto Mono"/>
+                <a:sym typeface="Roboto Mono"/>
+              </a:defRPr>
+            </a:lvl6pPr>
+            <a:lvl7pPr marL="3200400" marR="0" lvl="6" indent="-342900" algn="l" rtl="0">
+              <a:lnSpc>
+                <a:spcPct val="115000"/>
+              </a:lnSpc>
+              <a:spcBef>
+                <a:spcPts val="2100"/>
+              </a:spcBef>
+              <a:spcAft>
+                <a:spcPts val="0"/>
+              </a:spcAft>
+              <a:buClr>
+                <a:schemeClr val="dk2"/>
+              </a:buClr>
+              <a:buSzPts val="1800"/>
+              <a:buFont typeface="Roboto Mono"/>
+              <a:buNone/>
+              <a:defRPr sz="1800" b="0" i="0" u="none" strike="noStrike" cap="none">
+                <a:solidFill>
+                  <a:schemeClr val="dk2"/>
+                </a:solidFill>
+                <a:latin typeface="Roboto Mono"/>
+                <a:ea typeface="Roboto Mono"/>
+                <a:cs typeface="Roboto Mono"/>
+                <a:sym typeface="Roboto Mono"/>
+              </a:defRPr>
+            </a:lvl7pPr>
+            <a:lvl8pPr marL="3657600" marR="0" lvl="7" indent="-342900" algn="l" rtl="0">
+              <a:lnSpc>
+                <a:spcPct val="115000"/>
+              </a:lnSpc>
+              <a:spcBef>
+                <a:spcPts val="2100"/>
+              </a:spcBef>
+              <a:spcAft>
+                <a:spcPts val="0"/>
+              </a:spcAft>
+              <a:buClr>
+                <a:schemeClr val="dk2"/>
+              </a:buClr>
+              <a:buSzPts val="1800"/>
+              <a:buFont typeface="Roboto Mono"/>
+              <a:buNone/>
+              <a:defRPr sz="1800" b="0" i="0" u="none" strike="noStrike" cap="none">
+                <a:solidFill>
+                  <a:schemeClr val="dk2"/>
+                </a:solidFill>
+                <a:latin typeface="Roboto Mono"/>
+                <a:ea typeface="Roboto Mono"/>
+                <a:cs typeface="Roboto Mono"/>
+                <a:sym typeface="Roboto Mono"/>
+              </a:defRPr>
+            </a:lvl8pPr>
+            <a:lvl9pPr marL="4114800" marR="0" lvl="8" indent="-342900" algn="l" rtl="0">
+              <a:lnSpc>
+                <a:spcPct val="115000"/>
+              </a:lnSpc>
+              <a:spcBef>
+                <a:spcPts val="2100"/>
+              </a:spcBef>
+              <a:spcAft>
+                <a:spcPts val="2100"/>
+              </a:spcAft>
+              <a:buClr>
+                <a:schemeClr val="dk2"/>
+              </a:buClr>
+              <a:buSzPts val="1800"/>
+              <a:buFont typeface="Roboto Mono"/>
+              <a:buNone/>
+              <a:defRPr sz="1800" b="0" i="0" u="none" strike="noStrike" cap="none">
+                <a:solidFill>
+                  <a:schemeClr val="dk2"/>
+                </a:solidFill>
+                <a:latin typeface="Roboto Mono"/>
+                <a:ea typeface="Roboto Mono"/>
+                <a:cs typeface="Roboto Mono"/>
+                <a:sym typeface="Roboto Mono"/>
+              </a:defRPr>
+            </a:lvl9pPr>
+          </a:lstStyle>
+          <a:p>
+            <a:pPr marL="0" marR="0">
+              <a:lnSpc>
+                <a:spcPct val="150000"/>
+              </a:lnSpc>
+              <a:spcBef>
+                <a:spcPts val="0"/>
+              </a:spcBef>
+              <a:spcAft>
+                <a:spcPts val="800"/>
+              </a:spcAft>
+            </a:pPr>
+            <a:r>
+              <a:rPr lang="es-PE" sz="1800" b="1" dirty="0">
+                <a:effectLst/>
+                <a:latin typeface="Times New Roman" panose="02020603050405020304" pitchFamily="18" charset="0"/>
+                <a:ea typeface="Arial" panose="020B0604020202020204" pitchFamily="34" charset="0"/>
+              </a:rPr>
+              <a:t>USUARIO</a:t>
+            </a:r>
+            <a:r>
+              <a:rPr lang="es-PE" sz="1800" dirty="0">
+                <a:effectLst/>
+                <a:latin typeface="Times New Roman" panose="02020603050405020304" pitchFamily="18" charset="0"/>
+                <a:ea typeface="Arial" panose="020B0604020202020204" pitchFamily="34" charset="0"/>
+              </a:rPr>
+              <a:t> (#USUARIO_ID, </a:t>
+            </a:r>
+            <a:r>
+              <a:rPr lang="es-PE" sz="1800" dirty="0" err="1">
+                <a:effectLst/>
+                <a:latin typeface="Times New Roman" panose="02020603050405020304" pitchFamily="18" charset="0"/>
+                <a:ea typeface="Arial" panose="020B0604020202020204" pitchFamily="34" charset="0"/>
+              </a:rPr>
+              <a:t>nombre_usuario</a:t>
+            </a:r>
+            <a:r>
+              <a:rPr lang="es-PE" sz="1800" dirty="0">
+                <a:effectLst/>
+                <a:latin typeface="Times New Roman" panose="02020603050405020304" pitchFamily="18" charset="0"/>
+                <a:ea typeface="Arial" panose="020B0604020202020204" pitchFamily="34" charset="0"/>
+              </a:rPr>
+              <a:t>, </a:t>
+            </a:r>
+            <a:r>
+              <a:rPr lang="es-PE" sz="1800" dirty="0" err="1">
+                <a:effectLst/>
+                <a:latin typeface="Times New Roman" panose="02020603050405020304" pitchFamily="18" charset="0"/>
+                <a:ea typeface="Arial" panose="020B0604020202020204" pitchFamily="34" charset="0"/>
+              </a:rPr>
+              <a:t>apellido_usuario</a:t>
+            </a:r>
+            <a:r>
+              <a:rPr lang="es-PE" sz="1800" dirty="0">
+                <a:effectLst/>
+                <a:latin typeface="Times New Roman" panose="02020603050405020304" pitchFamily="18" charset="0"/>
+                <a:ea typeface="Arial" panose="020B0604020202020204" pitchFamily="34" charset="0"/>
+              </a:rPr>
+              <a:t>, </a:t>
+            </a:r>
+            <a:r>
+              <a:rPr lang="es-PE" sz="1800" dirty="0" err="1">
+                <a:effectLst/>
+                <a:latin typeface="Times New Roman" panose="02020603050405020304" pitchFamily="18" charset="0"/>
+                <a:ea typeface="Arial" panose="020B0604020202020204" pitchFamily="34" charset="0"/>
+              </a:rPr>
+              <a:t>email_usuario</a:t>
+            </a:r>
+            <a:r>
+              <a:rPr lang="es-PE" sz="1800" dirty="0">
+                <a:effectLst/>
+                <a:latin typeface="Times New Roman" panose="02020603050405020304" pitchFamily="18" charset="0"/>
+                <a:ea typeface="Arial" panose="020B0604020202020204" pitchFamily="34" charset="0"/>
+              </a:rPr>
+              <a:t>, </a:t>
+            </a:r>
+            <a:r>
+              <a:rPr lang="es-PE" sz="1800" dirty="0" err="1">
+                <a:effectLst/>
+                <a:latin typeface="Times New Roman" panose="02020603050405020304" pitchFamily="18" charset="0"/>
+                <a:ea typeface="Arial" panose="020B0604020202020204" pitchFamily="34" charset="0"/>
+              </a:rPr>
+              <a:t>rol_usuario</a:t>
+            </a:r>
+            <a:r>
+              <a:rPr lang="es-PE" sz="1800" dirty="0">
+                <a:effectLst/>
+                <a:latin typeface="Times New Roman" panose="02020603050405020304" pitchFamily="18" charset="0"/>
+                <a:ea typeface="Arial" panose="020B0604020202020204" pitchFamily="34" charset="0"/>
+              </a:rPr>
+              <a:t>, </a:t>
+            </a:r>
+            <a:r>
+              <a:rPr lang="es-PE" sz="1800" dirty="0" err="1">
+                <a:effectLst/>
+                <a:latin typeface="Times New Roman" panose="02020603050405020304" pitchFamily="18" charset="0"/>
+                <a:ea typeface="Arial" panose="020B0604020202020204" pitchFamily="34" charset="0"/>
+              </a:rPr>
+              <a:t>telefono</a:t>
+            </a:r>
+            <a:r>
+              <a:rPr lang="es-PE" sz="1800" dirty="0">
+                <a:effectLst/>
+                <a:latin typeface="Times New Roman" panose="02020603050405020304" pitchFamily="18" charset="0"/>
+                <a:ea typeface="Arial" panose="020B0604020202020204" pitchFamily="34" charset="0"/>
+              </a:rPr>
+              <a:t>)</a:t>
+            </a:r>
+            <a:endParaRPr lang="en-GB" sz="1800" dirty="0">
+              <a:effectLst/>
+              <a:latin typeface="Arial" panose="020B0604020202020204" pitchFamily="34" charset="0"/>
+              <a:ea typeface="Arial" panose="020B0604020202020204" pitchFamily="34" charset="0"/>
+            </a:endParaRPr>
+          </a:p>
+          <a:p>
+            <a:pPr marL="0" marR="0">
+              <a:lnSpc>
+                <a:spcPct val="150000"/>
+              </a:lnSpc>
+              <a:spcBef>
+                <a:spcPts val="0"/>
+              </a:spcBef>
+              <a:spcAft>
+                <a:spcPts val="800"/>
+              </a:spcAft>
+            </a:pPr>
+            <a:r>
+              <a:rPr lang="es-PE" sz="1800" b="1" dirty="0">
+                <a:effectLst/>
+                <a:latin typeface="Times New Roman" panose="02020603050405020304" pitchFamily="18" charset="0"/>
+                <a:ea typeface="Arial" panose="020B0604020202020204" pitchFamily="34" charset="0"/>
+              </a:rPr>
+              <a:t>INCIDENTE</a:t>
+            </a:r>
+            <a:r>
+              <a:rPr lang="es-PE" sz="1800" dirty="0">
+                <a:effectLst/>
+                <a:latin typeface="Times New Roman" panose="02020603050405020304" pitchFamily="18" charset="0"/>
+                <a:ea typeface="Arial" panose="020B0604020202020204" pitchFamily="34" charset="0"/>
+              </a:rPr>
+              <a:t> (#INCIDENTE_ID, #ACTIVO_ID, #USUARIO_ID, </a:t>
+            </a:r>
+            <a:r>
+              <a:rPr lang="es-PE" sz="1800" dirty="0" err="1">
+                <a:effectLst/>
+                <a:latin typeface="Times New Roman" panose="02020603050405020304" pitchFamily="18" charset="0"/>
+                <a:ea typeface="Arial" panose="020B0604020202020204" pitchFamily="34" charset="0"/>
+              </a:rPr>
+              <a:t>descripcion</a:t>
+            </a:r>
+            <a:r>
+              <a:rPr lang="es-PE" sz="1800" dirty="0">
+                <a:effectLst/>
+                <a:latin typeface="Times New Roman" panose="02020603050405020304" pitchFamily="18" charset="0"/>
+                <a:ea typeface="Arial" panose="020B0604020202020204" pitchFamily="34" charset="0"/>
+              </a:rPr>
+              <a:t>, fecha, gravedad, estado)</a:t>
+            </a:r>
+            <a:endParaRPr lang="en-GB" sz="1800" dirty="0">
+              <a:effectLst/>
+              <a:latin typeface="Arial" panose="020B0604020202020204" pitchFamily="34" charset="0"/>
+              <a:ea typeface="Arial" panose="020B0604020202020204" pitchFamily="34" charset="0"/>
+            </a:endParaRPr>
+          </a:p>
+          <a:p>
+            <a:pPr marL="0" marR="0">
+              <a:lnSpc>
+                <a:spcPct val="150000"/>
+              </a:lnSpc>
+              <a:spcBef>
+                <a:spcPts val="0"/>
+              </a:spcBef>
+              <a:spcAft>
+                <a:spcPts val="800"/>
+              </a:spcAft>
+            </a:pPr>
+            <a:r>
+              <a:rPr lang="es-PE" sz="1800" b="1" dirty="0">
+                <a:effectLst/>
+                <a:latin typeface="Times New Roman" panose="02020603050405020304" pitchFamily="18" charset="0"/>
+                <a:ea typeface="Arial" panose="020B0604020202020204" pitchFamily="34" charset="0"/>
+              </a:rPr>
+              <a:t>ACTIVO</a:t>
+            </a:r>
+            <a:r>
+              <a:rPr lang="es-PE" sz="1800" dirty="0">
+                <a:effectLst/>
+                <a:latin typeface="Times New Roman" panose="02020603050405020304" pitchFamily="18" charset="0"/>
+                <a:ea typeface="Arial" panose="020B0604020202020204" pitchFamily="34" charset="0"/>
+              </a:rPr>
+              <a:t> (#ACTIVO_ID, </a:t>
+            </a:r>
+            <a:r>
+              <a:rPr lang="es-PE" sz="1800" dirty="0" err="1">
+                <a:effectLst/>
+                <a:latin typeface="Times New Roman" panose="02020603050405020304" pitchFamily="18" charset="0"/>
+                <a:ea typeface="Arial" panose="020B0604020202020204" pitchFamily="34" charset="0"/>
+              </a:rPr>
+              <a:t>nombre_activo</a:t>
+            </a:r>
+            <a:r>
+              <a:rPr lang="es-PE" sz="1800" dirty="0">
+                <a:effectLst/>
+                <a:latin typeface="Times New Roman" panose="02020603050405020304" pitchFamily="18" charset="0"/>
+                <a:ea typeface="Arial" panose="020B0604020202020204" pitchFamily="34" charset="0"/>
+              </a:rPr>
+              <a:t>, </a:t>
+            </a:r>
+            <a:r>
+              <a:rPr lang="es-PE" sz="1800" dirty="0" err="1">
+                <a:effectLst/>
+                <a:latin typeface="Times New Roman" panose="02020603050405020304" pitchFamily="18" charset="0"/>
+                <a:ea typeface="Arial" panose="020B0604020202020204" pitchFamily="34" charset="0"/>
+              </a:rPr>
+              <a:t>tipo_activo</a:t>
+            </a:r>
+            <a:r>
+              <a:rPr lang="es-PE" sz="1800" dirty="0">
+                <a:effectLst/>
+                <a:latin typeface="Times New Roman" panose="02020603050405020304" pitchFamily="18" charset="0"/>
+                <a:ea typeface="Arial" panose="020B0604020202020204" pitchFamily="34" charset="0"/>
+              </a:rPr>
+              <a:t>, </a:t>
+            </a:r>
+            <a:r>
+              <a:rPr lang="es-PE" sz="1800" dirty="0" err="1">
+                <a:effectLst/>
+                <a:latin typeface="Times New Roman" panose="02020603050405020304" pitchFamily="18" charset="0"/>
+                <a:ea typeface="Arial" panose="020B0604020202020204" pitchFamily="34" charset="0"/>
+              </a:rPr>
+              <a:t>direccion_ip</a:t>
+            </a:r>
+            <a:r>
+              <a:rPr lang="es-PE" sz="1800" dirty="0">
+                <a:effectLst/>
+                <a:latin typeface="Times New Roman" panose="02020603050405020304" pitchFamily="18" charset="0"/>
+                <a:ea typeface="Arial" panose="020B0604020202020204" pitchFamily="34" charset="0"/>
+              </a:rPr>
+              <a:t>, </a:t>
+            </a:r>
+            <a:r>
+              <a:rPr lang="es-PE" sz="1800" dirty="0" err="1">
+                <a:effectLst/>
+                <a:latin typeface="Times New Roman" panose="02020603050405020304" pitchFamily="18" charset="0"/>
+                <a:ea typeface="Arial" panose="020B0604020202020204" pitchFamily="34" charset="0"/>
+              </a:rPr>
+              <a:t>direccion_mac</a:t>
+            </a:r>
+            <a:r>
+              <a:rPr lang="es-PE" sz="1800" dirty="0">
+                <a:effectLst/>
+                <a:latin typeface="Times New Roman" panose="02020603050405020304" pitchFamily="18" charset="0"/>
+                <a:ea typeface="Arial" panose="020B0604020202020204" pitchFamily="34" charset="0"/>
+              </a:rPr>
+              <a:t>)</a:t>
+            </a:r>
+            <a:endParaRPr lang="en-GB" sz="1800" dirty="0">
+              <a:effectLst/>
+              <a:latin typeface="Arial" panose="020B0604020202020204" pitchFamily="34" charset="0"/>
+              <a:ea typeface="Arial" panose="020B0604020202020204" pitchFamily="34" charset="0"/>
+            </a:endParaRPr>
+          </a:p>
+          <a:p>
+            <a:pPr marL="0" marR="0">
+              <a:lnSpc>
+                <a:spcPct val="150000"/>
+              </a:lnSpc>
+              <a:spcBef>
+                <a:spcPts val="0"/>
+              </a:spcBef>
+              <a:spcAft>
+                <a:spcPts val="800"/>
+              </a:spcAft>
+            </a:pPr>
+            <a:r>
+              <a:rPr lang="es-PE" sz="1800" b="1" dirty="0">
+                <a:effectLst/>
+                <a:latin typeface="Times New Roman" panose="02020603050405020304" pitchFamily="18" charset="0"/>
+                <a:ea typeface="Arial" panose="020B0604020202020204" pitchFamily="34" charset="0"/>
+              </a:rPr>
+              <a:t>EQUIPO</a:t>
+            </a:r>
+            <a:r>
+              <a:rPr lang="es-PE" sz="1800" dirty="0">
+                <a:effectLst/>
+                <a:latin typeface="Times New Roman" panose="02020603050405020304" pitchFamily="18" charset="0"/>
+                <a:ea typeface="Arial" panose="020B0604020202020204" pitchFamily="34" charset="0"/>
+              </a:rPr>
+              <a:t>_IR (#EQUIPO_ID, </a:t>
+            </a:r>
+            <a:r>
+              <a:rPr lang="es-PE" sz="1800" dirty="0" err="1">
+                <a:effectLst/>
+                <a:latin typeface="Times New Roman" panose="02020603050405020304" pitchFamily="18" charset="0"/>
+                <a:ea typeface="Arial" panose="020B0604020202020204" pitchFamily="34" charset="0"/>
+              </a:rPr>
+              <a:t>nombre_equipo</a:t>
+            </a:r>
+            <a:r>
+              <a:rPr lang="es-PE" sz="1800" dirty="0">
+                <a:effectLst/>
+                <a:latin typeface="Times New Roman" panose="02020603050405020304" pitchFamily="18" charset="0"/>
+                <a:ea typeface="Arial" panose="020B0604020202020204" pitchFamily="34" charset="0"/>
+              </a:rPr>
+              <a:t>, </a:t>
+            </a:r>
+            <a:r>
+              <a:rPr lang="es-PE" sz="1800" dirty="0" err="1">
+                <a:effectLst/>
+                <a:latin typeface="Times New Roman" panose="02020603050405020304" pitchFamily="18" charset="0"/>
+                <a:ea typeface="Arial" panose="020B0604020202020204" pitchFamily="34" charset="0"/>
+              </a:rPr>
+              <a:t>descripcion_equipo</a:t>
+            </a:r>
+            <a:r>
+              <a:rPr lang="es-PE" sz="1800" dirty="0">
+                <a:effectLst/>
+                <a:latin typeface="Times New Roman" panose="02020603050405020304" pitchFamily="18" charset="0"/>
+                <a:ea typeface="Arial" panose="020B0604020202020204" pitchFamily="34" charset="0"/>
+              </a:rPr>
+              <a:t>)</a:t>
+            </a:r>
+            <a:endParaRPr lang="en-GB" sz="1800" dirty="0">
+              <a:effectLst/>
+              <a:latin typeface="Arial" panose="020B0604020202020204" pitchFamily="34" charset="0"/>
+              <a:ea typeface="Arial" panose="020B0604020202020204" pitchFamily="34" charset="0"/>
+            </a:endParaRPr>
+          </a:p>
+          <a:p>
+            <a:pPr marL="0" marR="0">
+              <a:lnSpc>
+                <a:spcPct val="150000"/>
+              </a:lnSpc>
+              <a:spcBef>
+                <a:spcPts val="0"/>
+              </a:spcBef>
+              <a:spcAft>
+                <a:spcPts val="800"/>
+              </a:spcAft>
+            </a:pPr>
+            <a:r>
+              <a:rPr lang="es-PE" sz="1800" b="1" dirty="0">
+                <a:effectLst/>
+                <a:latin typeface="Times New Roman" panose="02020603050405020304" pitchFamily="18" charset="0"/>
+                <a:ea typeface="Arial" panose="020B0604020202020204" pitchFamily="34" charset="0"/>
+              </a:rPr>
+              <a:t>PERSONAL</a:t>
+            </a:r>
+            <a:r>
+              <a:rPr lang="es-PE" sz="1800" dirty="0">
+                <a:effectLst/>
+                <a:latin typeface="Times New Roman" panose="02020603050405020304" pitchFamily="18" charset="0"/>
+                <a:ea typeface="Arial" panose="020B0604020202020204" pitchFamily="34" charset="0"/>
+              </a:rPr>
+              <a:t>_IR (#PERSONAL_IR_ID, </a:t>
+            </a:r>
+            <a:r>
+              <a:rPr lang="es-PE" sz="1800" dirty="0" err="1">
+                <a:effectLst/>
+                <a:latin typeface="Times New Roman" panose="02020603050405020304" pitchFamily="18" charset="0"/>
+                <a:ea typeface="Arial" panose="020B0604020202020204" pitchFamily="34" charset="0"/>
+              </a:rPr>
+              <a:t>nombre_personal_ir</a:t>
+            </a:r>
+            <a:r>
+              <a:rPr lang="es-PE" sz="1800" dirty="0">
+                <a:effectLst/>
+                <a:latin typeface="Times New Roman" panose="02020603050405020304" pitchFamily="18" charset="0"/>
+                <a:ea typeface="Arial" panose="020B0604020202020204" pitchFamily="34" charset="0"/>
+              </a:rPr>
+              <a:t>, </a:t>
+            </a:r>
+            <a:r>
+              <a:rPr lang="es-PE" sz="1800" dirty="0" err="1">
+                <a:effectLst/>
+                <a:latin typeface="Times New Roman" panose="02020603050405020304" pitchFamily="18" charset="0"/>
+                <a:ea typeface="Arial" panose="020B0604020202020204" pitchFamily="34" charset="0"/>
+              </a:rPr>
+              <a:t>apellido_personal_ir</a:t>
+            </a:r>
+            <a:r>
+              <a:rPr lang="es-PE" sz="1800" dirty="0">
+                <a:effectLst/>
+                <a:latin typeface="Times New Roman" panose="02020603050405020304" pitchFamily="18" charset="0"/>
+                <a:ea typeface="Arial" panose="020B0604020202020204" pitchFamily="34" charset="0"/>
+              </a:rPr>
+              <a:t>, </a:t>
+            </a:r>
+            <a:r>
+              <a:rPr lang="es-PE" sz="1800" dirty="0" err="1">
+                <a:effectLst/>
+                <a:latin typeface="Times New Roman" panose="02020603050405020304" pitchFamily="18" charset="0"/>
+                <a:ea typeface="Arial" panose="020B0604020202020204" pitchFamily="34" charset="0"/>
+              </a:rPr>
+              <a:t>rol_personal_ir</a:t>
+            </a:r>
+            <a:r>
+              <a:rPr lang="es-PE" sz="1800" dirty="0">
+                <a:effectLst/>
+                <a:latin typeface="Times New Roman" panose="02020603050405020304" pitchFamily="18" charset="0"/>
+                <a:ea typeface="Arial" panose="020B0604020202020204" pitchFamily="34" charset="0"/>
+              </a:rPr>
+              <a:t>, #EQUIPO_ID)</a:t>
+            </a:r>
+            <a:endParaRPr lang="en-GB" sz="1800" dirty="0">
+              <a:effectLst/>
+              <a:latin typeface="Arial" panose="020B0604020202020204" pitchFamily="34" charset="0"/>
+              <a:ea typeface="Arial" panose="020B0604020202020204" pitchFamily="34" charset="0"/>
+            </a:endParaRPr>
+          </a:p>
+          <a:p>
+            <a:pPr marL="0" marR="0">
+              <a:lnSpc>
+                <a:spcPct val="150000"/>
+              </a:lnSpc>
+              <a:spcBef>
+                <a:spcPts val="0"/>
+              </a:spcBef>
+              <a:spcAft>
+                <a:spcPts val="800"/>
+              </a:spcAft>
+            </a:pPr>
+            <a:r>
+              <a:rPr lang="es-PE" sz="1800" b="1" dirty="0">
+                <a:effectLst/>
+                <a:latin typeface="Times New Roman" panose="02020603050405020304" pitchFamily="18" charset="0"/>
+                <a:ea typeface="Arial" panose="020B0604020202020204" pitchFamily="34" charset="0"/>
+              </a:rPr>
+              <a:t>RESPUESTA</a:t>
+            </a:r>
+            <a:r>
+              <a:rPr lang="es-PE" sz="1800" dirty="0">
+                <a:effectLst/>
+                <a:latin typeface="Times New Roman" panose="02020603050405020304" pitchFamily="18" charset="0"/>
+                <a:ea typeface="Arial" panose="020B0604020202020204" pitchFamily="34" charset="0"/>
+              </a:rPr>
+              <a:t>_INCIDENTE (#RESPUESTA_ID, #EQUIPO_ID, #INCIDENTE_ID, #VULNERABILIDAD_ID, </a:t>
+            </a:r>
+            <a:r>
+              <a:rPr lang="es-PE" sz="1800" dirty="0" err="1">
+                <a:effectLst/>
+                <a:latin typeface="Times New Roman" panose="02020603050405020304" pitchFamily="18" charset="0"/>
+                <a:ea typeface="Arial" panose="020B0604020202020204" pitchFamily="34" charset="0"/>
+              </a:rPr>
+              <a:t>medidas_contencion</a:t>
+            </a:r>
+            <a:r>
+              <a:rPr lang="es-PE" sz="1800" dirty="0">
+                <a:effectLst/>
+                <a:latin typeface="Times New Roman" panose="02020603050405020304" pitchFamily="18" charset="0"/>
+                <a:ea typeface="Arial" panose="020B0604020202020204" pitchFamily="34" charset="0"/>
+              </a:rPr>
+              <a:t>, </a:t>
+            </a:r>
+            <a:r>
+              <a:rPr lang="es-PE" sz="1800" dirty="0" err="1">
+                <a:effectLst/>
+                <a:latin typeface="Times New Roman" panose="02020603050405020304" pitchFamily="18" charset="0"/>
+                <a:ea typeface="Arial" panose="020B0604020202020204" pitchFamily="34" charset="0"/>
+              </a:rPr>
+              <a:t>nivel_erradicacion</a:t>
+            </a:r>
+            <a:r>
+              <a:rPr lang="es-PE" sz="1800" dirty="0">
+                <a:effectLst/>
+                <a:latin typeface="Times New Roman" panose="02020603050405020304" pitchFamily="18" charset="0"/>
+                <a:ea typeface="Arial" panose="020B0604020202020204" pitchFamily="34" charset="0"/>
+              </a:rPr>
+              <a:t>)</a:t>
+            </a:r>
+            <a:endParaRPr lang="en-GB" sz="1800" dirty="0">
+              <a:effectLst/>
+              <a:latin typeface="Arial" panose="020B0604020202020204" pitchFamily="34" charset="0"/>
+              <a:ea typeface="Arial" panose="020B0604020202020204" pitchFamily="34" charset="0"/>
+            </a:endParaRPr>
+          </a:p>
+          <a:p>
+            <a:pPr marL="0" marR="0">
+              <a:lnSpc>
+                <a:spcPct val="150000"/>
+              </a:lnSpc>
+              <a:spcBef>
+                <a:spcPts val="0"/>
+              </a:spcBef>
+              <a:spcAft>
+                <a:spcPts val="800"/>
+              </a:spcAft>
+            </a:pPr>
+            <a:r>
+              <a:rPr lang="es-PE" sz="1800" b="1" dirty="0">
+                <a:effectLst/>
+                <a:latin typeface="Times New Roman" panose="02020603050405020304" pitchFamily="18" charset="0"/>
+                <a:ea typeface="Arial" panose="020B0604020202020204" pitchFamily="34" charset="0"/>
+              </a:rPr>
+              <a:t>VULNERABILIDAD</a:t>
+            </a:r>
+            <a:r>
+              <a:rPr lang="es-PE" sz="1800" dirty="0">
+                <a:effectLst/>
+                <a:latin typeface="Times New Roman" panose="02020603050405020304" pitchFamily="18" charset="0"/>
+                <a:ea typeface="Arial" panose="020B0604020202020204" pitchFamily="34" charset="0"/>
+              </a:rPr>
+              <a:t> (#VULNERABILIDAD_ID, </a:t>
+            </a:r>
+            <a:r>
+              <a:rPr lang="es-PE" sz="1800" dirty="0" err="1">
+                <a:effectLst/>
+                <a:latin typeface="Times New Roman" panose="02020603050405020304" pitchFamily="18" charset="0"/>
+                <a:ea typeface="Arial" panose="020B0604020202020204" pitchFamily="34" charset="0"/>
+              </a:rPr>
+              <a:t>nombre_vulnerabilidad</a:t>
+            </a:r>
+            <a:r>
+              <a:rPr lang="es-PE" sz="1800" dirty="0">
+                <a:effectLst/>
+                <a:latin typeface="Times New Roman" panose="02020603050405020304" pitchFamily="18" charset="0"/>
+                <a:ea typeface="Arial" panose="020B0604020202020204" pitchFamily="34" charset="0"/>
+              </a:rPr>
+              <a:t>, </a:t>
+            </a:r>
+            <a:r>
+              <a:rPr lang="es-PE" sz="1800" dirty="0" err="1">
+                <a:effectLst/>
+                <a:latin typeface="Times New Roman" panose="02020603050405020304" pitchFamily="18" charset="0"/>
+                <a:ea typeface="Arial" panose="020B0604020202020204" pitchFamily="34" charset="0"/>
+              </a:rPr>
+              <a:t>descripcion_vulnerabilidad</a:t>
+            </a:r>
+            <a:r>
+              <a:rPr lang="es-PE" sz="1800" dirty="0">
+                <a:effectLst/>
+                <a:latin typeface="Times New Roman" panose="02020603050405020304" pitchFamily="18" charset="0"/>
+                <a:ea typeface="Arial" panose="020B0604020202020204" pitchFamily="34" charset="0"/>
+              </a:rPr>
+              <a:t>)</a:t>
+            </a:r>
+            <a:endParaRPr lang="en-GB" sz="1800" dirty="0">
+              <a:effectLst/>
+              <a:latin typeface="Arial" panose="020B0604020202020204" pitchFamily="34" charset="0"/>
+              <a:ea typeface="Arial" panose="020B0604020202020204" pitchFamily="34" charset="0"/>
+            </a:endParaRPr>
+          </a:p>
+          <a:p>
+            <a:pPr marL="0" marR="0">
+              <a:lnSpc>
+                <a:spcPct val="150000"/>
+              </a:lnSpc>
+              <a:spcBef>
+                <a:spcPts val="0"/>
+              </a:spcBef>
+              <a:spcAft>
+                <a:spcPts val="800"/>
+              </a:spcAft>
+            </a:pPr>
+            <a:r>
+              <a:rPr lang="es-PE" sz="1800" b="1" dirty="0">
+                <a:effectLst/>
+                <a:latin typeface="Times New Roman" panose="02020603050405020304" pitchFamily="18" charset="0"/>
+                <a:ea typeface="Arial" panose="020B0604020202020204" pitchFamily="34" charset="0"/>
+              </a:rPr>
+              <a:t>VULNERABILIDAD_ACTIVO</a:t>
+            </a:r>
+            <a:r>
+              <a:rPr lang="es-PE" sz="1800" dirty="0">
+                <a:effectLst/>
+                <a:latin typeface="Times New Roman" panose="02020603050405020304" pitchFamily="18" charset="0"/>
+                <a:ea typeface="Arial" panose="020B0604020202020204" pitchFamily="34" charset="0"/>
+              </a:rPr>
+              <a:t> (#VULNERABILIDAD_ID, #ACTIVO_ID, </a:t>
+            </a:r>
+            <a:r>
+              <a:rPr lang="es-PE" sz="1800" dirty="0" err="1">
+                <a:effectLst/>
+                <a:latin typeface="Times New Roman" panose="02020603050405020304" pitchFamily="18" charset="0"/>
+                <a:ea typeface="Arial" panose="020B0604020202020204" pitchFamily="34" charset="0"/>
+              </a:rPr>
+              <a:t>datos_comprometidos</a:t>
+            </a:r>
+            <a:r>
+              <a:rPr lang="es-PE" sz="1800" dirty="0">
+                <a:effectLst/>
+                <a:latin typeface="Times New Roman" panose="02020603050405020304" pitchFamily="18" charset="0"/>
+                <a:ea typeface="Arial" panose="020B0604020202020204" pitchFamily="34" charset="0"/>
+              </a:rPr>
+              <a:t>)</a:t>
+            </a:r>
+            <a:endParaRPr lang="en-GB" sz="1800" dirty="0">
+              <a:effectLst/>
+              <a:latin typeface="Arial" panose="020B0604020202020204" pitchFamily="34" charset="0"/>
+              <a:ea typeface="Arial" panose="020B0604020202020204" pitchFamily="34" charset="0"/>
+            </a:endParaRPr>
+          </a:p>
+        </p:txBody>
+      </p:sp>
+    </p:spTree>
+    <p:extLst>
+      <p:ext uri="{BB962C8B-B14F-4D97-AF65-F5344CB8AC3E}">
+        <p14:creationId xmlns:p14="http://schemas.microsoft.com/office/powerpoint/2010/main" val="2261507734"/>
+      </p:ext>
+    </p:extLst>
+  </p:cSld>
+  <p:clrMapOvr>
+    <a:masterClrMapping/>
+  </p:clrMapOvr>
+</p:sld>
+</file>
+
+<file path=ppt/slides/slide9.xml><?xml version="1.0" encoding="utf-8"?>
+<p:sld xmlns:a="http://schemas.openxmlformats.org/drawingml/2006/main" xmlns:r="http://schemas.openxmlformats.org/officeDocument/2006/relationships" xmlns:p="http://schemas.openxmlformats.org/presentationml/2006/main">
+  <p:cSld>
+    <p:spTree>
+      <p:nvGrpSpPr>
+        <p:cNvPr id="1" name="Shape 463"/>
+        <p:cNvGrpSpPr/>
+        <p:nvPr/>
+      </p:nvGrpSpPr>
+      <p:grpSpPr>
+        <a:xfrm>
+          <a:off x="0" y="0"/>
+          <a:ext cx="0" cy="0"/>
+          <a:chOff x="0" y="0"/>
+          <a:chExt cx="0" cy="0"/>
+        </a:xfrm>
+      </p:grpSpPr>
+      <p:pic>
+        <p:nvPicPr>
+          <p:cNvPr id="4" name="Picture 3">
+            <a:extLst>
+              <a:ext uri="{FF2B5EF4-FFF2-40B4-BE49-F238E27FC236}">
+                <a16:creationId xmlns:a16="http://schemas.microsoft.com/office/drawing/2014/main" id="{F865FFA1-CF65-47B7-8C08-BFD3DD8BDEA5}"/>
+              </a:ext>
+            </a:extLst>
+          </p:cNvPr>
+          <p:cNvPicPr/>
+          <p:nvPr/>
+        </p:nvPicPr>
+        <p:blipFill>
+          <a:blip r:embed="rId3" cstate="print">
+            <a:extLst>
+              <a:ext uri="{28A0092B-C50C-407E-A947-70E740481C1C}">
+                <a14:useLocalDpi xmlns:a14="http://schemas.microsoft.com/office/drawing/2010/main" val="0"/>
+              </a:ext>
+            </a:extLst>
+          </a:blip>
+          <a:srcRect/>
+          <a:stretch>
+            <a:fillRect/>
+          </a:stretch>
+        </p:blipFill>
+        <p:spPr bwMode="auto">
+          <a:xfrm>
+            <a:off x="2344827" y="302719"/>
+            <a:ext cx="7049543" cy="6252561"/>
+          </a:xfrm>
+          <a:prstGeom prst="rect">
+            <a:avLst/>
+          </a:prstGeom>
+          <a:noFill/>
+          <a:ln>
+            <a:noFill/>
+          </a:ln>
+        </p:spPr>
+      </p:pic>
+    </p:spTree>
+    <p:extLst>
+      <p:ext uri="{BB962C8B-B14F-4D97-AF65-F5344CB8AC3E}">
+        <p14:creationId xmlns:p14="http://schemas.microsoft.com/office/powerpoint/2010/main" val="3983685227"/>
       </p:ext>
     </p:extLst>
   </p:cSld>
